--- a/Assignments/Gradebook App PowerPont/Shane Hinzman/gradebook app.pptx
+++ b/Assignments/Gradebook App PowerPont/Shane Hinzman/gradebook app.pptx
@@ -6,6 +6,7 @@
   </p:sldMasterIdLst>
   <p:sldIdLst>
     <p:sldId id="256" r:id="rId2"/>
+    <p:sldId id="257" r:id="rId3"/>
   </p:sldIdLst>
   <p:sldSz cx="9144000" cy="6858000" type="screen4x3"/>
   <p:notesSz cx="6858000" cy="9144000"/>
@@ -288,7 +289,7 @@
           <a:p>
             <a:fld id="{E630AC6F-04D8-4590-8430-CD3F0A87A6A7}" type="datetimeFigureOut">
               <a:rPr lang="en-US" smtClean="0"/>
-              <a:t>2/25/2015</a:t>
+              <a:t>2/26/2015</a:t>
             </a:fld>
             <a:endParaRPr lang="en-US"/>
           </a:p>
@@ -458,7 +459,7 @@
           <a:p>
             <a:fld id="{E630AC6F-04D8-4590-8430-CD3F0A87A6A7}" type="datetimeFigureOut">
               <a:rPr lang="en-US" smtClean="0"/>
-              <a:t>2/25/2015</a:t>
+              <a:t>2/26/2015</a:t>
             </a:fld>
             <a:endParaRPr lang="en-US"/>
           </a:p>
@@ -638,7 +639,7 @@
           <a:p>
             <a:fld id="{E630AC6F-04D8-4590-8430-CD3F0A87A6A7}" type="datetimeFigureOut">
               <a:rPr lang="en-US" smtClean="0"/>
-              <a:t>2/25/2015</a:t>
+              <a:t>2/26/2015</a:t>
             </a:fld>
             <a:endParaRPr lang="en-US"/>
           </a:p>
@@ -808,7 +809,7 @@
           <a:p>
             <a:fld id="{E630AC6F-04D8-4590-8430-CD3F0A87A6A7}" type="datetimeFigureOut">
               <a:rPr lang="en-US" smtClean="0"/>
-              <a:t>2/25/2015</a:t>
+              <a:t>2/26/2015</a:t>
             </a:fld>
             <a:endParaRPr lang="en-US"/>
           </a:p>
@@ -1054,7 +1055,7 @@
           <a:p>
             <a:fld id="{E630AC6F-04D8-4590-8430-CD3F0A87A6A7}" type="datetimeFigureOut">
               <a:rPr lang="en-US" smtClean="0"/>
-              <a:t>2/25/2015</a:t>
+              <a:t>2/26/2015</a:t>
             </a:fld>
             <a:endParaRPr lang="en-US"/>
           </a:p>
@@ -1342,7 +1343,7 @@
           <a:p>
             <a:fld id="{E630AC6F-04D8-4590-8430-CD3F0A87A6A7}" type="datetimeFigureOut">
               <a:rPr lang="en-US" smtClean="0"/>
-              <a:t>2/25/2015</a:t>
+              <a:t>2/26/2015</a:t>
             </a:fld>
             <a:endParaRPr lang="en-US"/>
           </a:p>
@@ -1764,7 +1765,7 @@
           <a:p>
             <a:fld id="{E630AC6F-04D8-4590-8430-CD3F0A87A6A7}" type="datetimeFigureOut">
               <a:rPr lang="en-US" smtClean="0"/>
-              <a:t>2/25/2015</a:t>
+              <a:t>2/26/2015</a:t>
             </a:fld>
             <a:endParaRPr lang="en-US"/>
           </a:p>
@@ -1882,7 +1883,7 @@
           <a:p>
             <a:fld id="{E630AC6F-04D8-4590-8430-CD3F0A87A6A7}" type="datetimeFigureOut">
               <a:rPr lang="en-US" smtClean="0"/>
-              <a:t>2/25/2015</a:t>
+              <a:t>2/26/2015</a:t>
             </a:fld>
             <a:endParaRPr lang="en-US"/>
           </a:p>
@@ -1977,7 +1978,7 @@
           <a:p>
             <a:fld id="{E630AC6F-04D8-4590-8430-CD3F0A87A6A7}" type="datetimeFigureOut">
               <a:rPr lang="en-US" smtClean="0"/>
-              <a:t>2/25/2015</a:t>
+              <a:t>2/26/2015</a:t>
             </a:fld>
             <a:endParaRPr lang="en-US"/>
           </a:p>
@@ -2254,7 +2255,7 @@
           <a:p>
             <a:fld id="{E630AC6F-04D8-4590-8430-CD3F0A87A6A7}" type="datetimeFigureOut">
               <a:rPr lang="en-US" smtClean="0"/>
-              <a:t>2/25/2015</a:t>
+              <a:t>2/26/2015</a:t>
             </a:fld>
             <a:endParaRPr lang="en-US"/>
           </a:p>
@@ -2507,7 +2508,7 @@
           <a:p>
             <a:fld id="{E630AC6F-04D8-4590-8430-CD3F0A87A6A7}" type="datetimeFigureOut">
               <a:rPr lang="en-US" smtClean="0"/>
-              <a:t>2/25/2015</a:t>
+              <a:t>2/26/2015</a:t>
             </a:fld>
             <a:endParaRPr lang="en-US"/>
           </a:p>
@@ -2720,7 +2721,7 @@
           <a:p>
             <a:fld id="{E630AC6F-04D8-4590-8430-CD3F0A87A6A7}" type="datetimeFigureOut">
               <a:rPr lang="en-US" smtClean="0"/>
-              <a:t>2/25/2015</a:t>
+              <a:t>2/26/2015</a:t>
             </a:fld>
             <a:endParaRPr lang="en-US"/>
           </a:p>
@@ -3481,6 +3482,14 @@
               <a:schemeClr val="bg2"/>
             </a:solidFill>
           </a:ln>
+          <a:effectLst>
+            <a:glow rad="63500">
+              <a:schemeClr val="accent1">
+                <a:satMod val="175000"/>
+                <a:alpha val="40000"/>
+              </a:schemeClr>
+            </a:glow>
+          </a:effectLst>
         </p:spPr>
         <p:style>
           <a:lnRef idx="2">
@@ -3907,7 +3916,29 @@
                 </a:solidFill>
                 <a:latin typeface="Agency FB" pitchFamily="34" charset="0"/>
               </a:rPr>
-              <a:t>Student 2	</a:t>
+              <a:t>Student </a:t>
+            </a:r>
+            <a:r>
+              <a:rPr lang="en-US" dirty="0" smtClean="0">
+                <a:solidFill>
+                  <a:schemeClr val="bg1">
+                    <a:lumMod val="65000"/>
+                  </a:schemeClr>
+                </a:solidFill>
+                <a:latin typeface="Agency FB" pitchFamily="34" charset="0"/>
+              </a:rPr>
+              <a:t>1</a:t>
+            </a:r>
+            <a:r>
+              <a:rPr lang="en-US" dirty="0" smtClean="0">
+                <a:solidFill>
+                  <a:schemeClr val="bg1">
+                    <a:lumMod val="65000"/>
+                  </a:schemeClr>
+                </a:solidFill>
+                <a:latin typeface="Agency FB" pitchFamily="34" charset="0"/>
+              </a:rPr>
+              <a:t>	</a:t>
             </a:r>
             <a:endParaRPr lang="en-US" dirty="0">
               <a:solidFill>
@@ -3972,7 +4003,18 @@
                 </a:solidFill>
                 <a:latin typeface="Agency FB" pitchFamily="34" charset="0"/>
               </a:rPr>
-              <a:t>Student 4</a:t>
+              <a:t>Student </a:t>
+            </a:r>
+            <a:r>
+              <a:rPr lang="en-US" dirty="0" smtClean="0">
+                <a:solidFill>
+                  <a:schemeClr val="bg1">
+                    <a:lumMod val="65000"/>
+                  </a:schemeClr>
+                </a:solidFill>
+                <a:latin typeface="Agency FB" pitchFamily="34" charset="0"/>
+              </a:rPr>
+              <a:t>3</a:t>
             </a:r>
             <a:endParaRPr lang="en-US" dirty="0">
               <a:solidFill>
@@ -4037,7 +4079,29 @@
                 </a:solidFill>
                 <a:latin typeface="Agency FB" pitchFamily="34" charset="0"/>
               </a:rPr>
-              <a:t>Student 3	</a:t>
+              <a:t>Student </a:t>
+            </a:r>
+            <a:r>
+              <a:rPr lang="en-US" dirty="0" smtClean="0">
+                <a:solidFill>
+                  <a:schemeClr val="bg1">
+                    <a:lumMod val="65000"/>
+                  </a:schemeClr>
+                </a:solidFill>
+                <a:latin typeface="Agency FB" pitchFamily="34" charset="0"/>
+              </a:rPr>
+              <a:t>2</a:t>
+            </a:r>
+            <a:r>
+              <a:rPr lang="en-US" dirty="0" smtClean="0">
+                <a:solidFill>
+                  <a:schemeClr val="bg1">
+                    <a:lumMod val="65000"/>
+                  </a:schemeClr>
+                </a:solidFill>
+                <a:latin typeface="Agency FB" pitchFamily="34" charset="0"/>
+              </a:rPr>
+              <a:t>	</a:t>
             </a:r>
             <a:endParaRPr lang="en-US" dirty="0">
               <a:solidFill>
@@ -4102,7 +4166,29 @@
                 </a:solidFill>
                 <a:latin typeface="Agency FB" pitchFamily="34" charset="0"/>
               </a:rPr>
-              <a:t>Student 5	</a:t>
+              <a:t>Student </a:t>
+            </a:r>
+            <a:r>
+              <a:rPr lang="en-US" dirty="0" smtClean="0">
+                <a:solidFill>
+                  <a:schemeClr val="bg1">
+                    <a:lumMod val="65000"/>
+                  </a:schemeClr>
+                </a:solidFill>
+                <a:latin typeface="Agency FB" pitchFamily="34" charset="0"/>
+              </a:rPr>
+              <a:t>4</a:t>
+            </a:r>
+            <a:r>
+              <a:rPr lang="en-US" dirty="0" smtClean="0">
+                <a:solidFill>
+                  <a:schemeClr val="bg1">
+                    <a:lumMod val="65000"/>
+                  </a:schemeClr>
+                </a:solidFill>
+                <a:latin typeface="Agency FB" pitchFamily="34" charset="0"/>
+              </a:rPr>
+              <a:t>	</a:t>
             </a:r>
             <a:endParaRPr lang="en-US" dirty="0">
               <a:solidFill>
@@ -4123,8 +4209,8 @@
         </p:nvSpPr>
         <p:spPr>
           <a:xfrm>
-            <a:off x="8659091" y="762000"/>
-            <a:ext cx="256309" cy="4840433"/>
+            <a:off x="8659091" y="1163782"/>
+            <a:ext cx="256309" cy="4438651"/>
           </a:xfrm>
           <a:prstGeom prst="rect">
             <a:avLst/>
@@ -4215,7 +4301,29 @@
                 </a:solidFill>
                 <a:latin typeface="Agency FB" pitchFamily="34" charset="0"/>
               </a:rPr>
-              <a:t>Student 6	</a:t>
+              <a:t>Student </a:t>
+            </a:r>
+            <a:r>
+              <a:rPr lang="en-US" dirty="0" smtClean="0">
+                <a:solidFill>
+                  <a:schemeClr val="bg1">
+                    <a:lumMod val="65000"/>
+                  </a:schemeClr>
+                </a:solidFill>
+                <a:latin typeface="Agency FB" pitchFamily="34" charset="0"/>
+              </a:rPr>
+              <a:t>5</a:t>
+            </a:r>
+            <a:r>
+              <a:rPr lang="en-US" dirty="0" smtClean="0">
+                <a:solidFill>
+                  <a:schemeClr val="bg1">
+                    <a:lumMod val="65000"/>
+                  </a:schemeClr>
+                </a:solidFill>
+                <a:latin typeface="Agency FB" pitchFamily="34" charset="0"/>
+              </a:rPr>
+              <a:t>	</a:t>
             </a:r>
             <a:endParaRPr lang="en-US" dirty="0">
               <a:solidFill>
@@ -4236,8 +4344,8 @@
         </p:nvSpPr>
         <p:spPr>
           <a:xfrm>
-            <a:off x="8659091" y="762000"/>
-            <a:ext cx="256309" cy="1524000"/>
+            <a:off x="8659091" y="1143000"/>
+            <a:ext cx="256309" cy="1143000"/>
           </a:xfrm>
           <a:prstGeom prst="rect">
             <a:avLst/>
@@ -4336,7 +4444,29 @@
                 </a:solidFill>
                 <a:latin typeface="Agency FB" pitchFamily="34" charset="0"/>
               </a:rPr>
-              <a:t>Student 1	</a:t>
+              <a:t>Student </a:t>
+            </a:r>
+            <a:r>
+              <a:rPr lang="en-US" dirty="0" smtClean="0">
+                <a:solidFill>
+                  <a:schemeClr val="bg1">
+                    <a:lumMod val="65000"/>
+                  </a:schemeClr>
+                </a:solidFill>
+                <a:latin typeface="Agency FB" pitchFamily="34" charset="0"/>
+              </a:rPr>
+              <a:t>6</a:t>
+            </a:r>
+            <a:r>
+              <a:rPr lang="en-US" dirty="0" smtClean="0">
+                <a:solidFill>
+                  <a:schemeClr val="bg1">
+                    <a:lumMod val="65000"/>
+                  </a:schemeClr>
+                </a:solidFill>
+                <a:latin typeface="Agency FB" pitchFamily="34" charset="0"/>
+              </a:rPr>
+              <a:t>	</a:t>
             </a:r>
             <a:endParaRPr lang="en-US" dirty="0">
               <a:solidFill>
@@ -4531,8 +4661,8 @@
         </p:nvSpPr>
         <p:spPr>
           <a:xfrm>
-            <a:off x="2583873" y="914400"/>
-            <a:ext cx="5947063" cy="533400"/>
+            <a:off x="2583873" y="1163782"/>
+            <a:ext cx="5947063" cy="381000"/>
           </a:xfrm>
           <a:prstGeom prst="roundRect">
             <a:avLst/>
@@ -5612,10 +5742,2811 @@
           </a:p>
         </p:txBody>
       </p:sp>
+      <p:sp>
+        <p:nvSpPr>
+          <p:cNvPr id="13" name="Rectangle 12"/>
+          <p:cNvSpPr/>
+          <p:nvPr/>
+        </p:nvSpPr>
+        <p:spPr>
+          <a:xfrm>
+            <a:off x="4681104" y="775855"/>
+            <a:ext cx="1752600" cy="304800"/>
+          </a:xfrm>
+          <a:prstGeom prst="rect">
+            <a:avLst/>
+          </a:prstGeom>
+          <a:solidFill>
+            <a:schemeClr val="bg1"/>
+          </a:solidFill>
+          <a:ln>
+            <a:solidFill>
+              <a:schemeClr val="bg1">
+                <a:lumMod val="85000"/>
+              </a:schemeClr>
+            </a:solidFill>
+          </a:ln>
+        </p:spPr>
+        <p:style>
+          <a:lnRef idx="2">
+            <a:schemeClr val="accent1">
+              <a:shade val="50000"/>
+            </a:schemeClr>
+          </a:lnRef>
+          <a:fillRef idx="1">
+            <a:schemeClr val="accent1"/>
+          </a:fillRef>
+          <a:effectRef idx="0">
+            <a:schemeClr val="accent1"/>
+          </a:effectRef>
+          <a:fontRef idx="minor">
+            <a:schemeClr val="lt1"/>
+          </a:fontRef>
+        </p:style>
+        <p:txBody>
+          <a:bodyPr rtlCol="0" anchor="ctr"/>
+          <a:lstStyle/>
+          <a:p>
+            <a:pPr algn="ctr"/>
+            <a:r>
+              <a:rPr lang="en-US" dirty="0" smtClean="0">
+                <a:solidFill>
+                  <a:schemeClr val="bg1">
+                    <a:lumMod val="65000"/>
+                  </a:schemeClr>
+                </a:solidFill>
+                <a:latin typeface="Agency FB" panose="020B0503020202020204" pitchFamily="34" charset="0"/>
+              </a:rPr>
+              <a:t>Class 1</a:t>
+            </a:r>
+            <a:endParaRPr lang="en-US" dirty="0">
+              <a:solidFill>
+                <a:schemeClr val="bg1">
+                  <a:lumMod val="65000"/>
+                </a:schemeClr>
+              </a:solidFill>
+              <a:latin typeface="Agency FB" panose="020B0503020202020204" pitchFamily="34" charset="0"/>
+            </a:endParaRPr>
+          </a:p>
+        </p:txBody>
+      </p:sp>
     </p:spTree>
     <p:extLst>
       <p:ext uri="{BB962C8B-B14F-4D97-AF65-F5344CB8AC3E}">
         <p14:creationId xmlns:p14="http://schemas.microsoft.com/office/powerpoint/2010/main" val="1043498487"/>
+      </p:ext>
+    </p:extLst>
+  </p:cSld>
+  <p:clrMapOvr>
+    <a:masterClrMapping/>
+  </p:clrMapOvr>
+  <p:timing>
+    <p:tnLst>
+      <p:par>
+        <p:cTn id="1" dur="indefinite" restart="never" nodeType="tmRoot"/>
+      </p:par>
+    </p:tnLst>
+  </p:timing>
+</p:sld>
+</file>
+
+<file path=ppt/slides/slide2.xml><?xml version="1.0" encoding="utf-8"?>
+<p:sld xmlns:a="http://schemas.openxmlformats.org/drawingml/2006/main" xmlns:r="http://schemas.openxmlformats.org/officeDocument/2006/relationships" xmlns:p="http://schemas.openxmlformats.org/presentationml/2006/main">
+  <p:cSld>
+    <p:spTree>
+      <p:nvGrpSpPr>
+        <p:cNvPr id="1" name=""/>
+        <p:cNvGrpSpPr/>
+        <p:nvPr/>
+      </p:nvGrpSpPr>
+      <p:grpSpPr>
+        <a:xfrm>
+          <a:off x="0" y="0"/>
+          <a:ext cx="0" cy="0"/>
+          <a:chOff x="0" y="0"/>
+          <a:chExt cx="0" cy="0"/>
+        </a:xfrm>
+      </p:grpSpPr>
+      <p:sp>
+        <p:nvSpPr>
+          <p:cNvPr id="5" name="Rectangle 4"/>
+          <p:cNvSpPr/>
+          <p:nvPr/>
+        </p:nvSpPr>
+        <p:spPr>
+          <a:xfrm>
+            <a:off x="0" y="571500"/>
+            <a:ext cx="2286000" cy="6286500"/>
+          </a:xfrm>
+          <a:prstGeom prst="rect">
+            <a:avLst/>
+          </a:prstGeom>
+          <a:solidFill>
+            <a:schemeClr val="bg1">
+              <a:lumMod val="95000"/>
+            </a:schemeClr>
+          </a:solidFill>
+          <a:ln>
+            <a:solidFill>
+              <a:schemeClr val="bg1">
+                <a:lumMod val="95000"/>
+              </a:schemeClr>
+            </a:solidFill>
+          </a:ln>
+          <a:effectLst/>
+        </p:spPr>
+        <p:style>
+          <a:lnRef idx="2">
+            <a:schemeClr val="accent1">
+              <a:shade val="50000"/>
+            </a:schemeClr>
+          </a:lnRef>
+          <a:fillRef idx="1">
+            <a:schemeClr val="accent1"/>
+          </a:fillRef>
+          <a:effectRef idx="0">
+            <a:schemeClr val="accent1"/>
+          </a:effectRef>
+          <a:fontRef idx="minor">
+            <a:schemeClr val="lt1"/>
+          </a:fontRef>
+        </p:style>
+        <p:txBody>
+          <a:bodyPr rtlCol="0" anchor="ctr"/>
+          <a:lstStyle/>
+          <a:p>
+            <a:pPr algn="ctr"/>
+            <a:endParaRPr lang="en-US"/>
+          </a:p>
+        </p:txBody>
+      </p:sp>
+      <p:sp>
+        <p:nvSpPr>
+          <p:cNvPr id="4" name="Rectangle 3"/>
+          <p:cNvSpPr/>
+          <p:nvPr/>
+        </p:nvSpPr>
+        <p:spPr>
+          <a:xfrm>
+            <a:off x="0" y="0"/>
+            <a:ext cx="9144000" cy="609600"/>
+          </a:xfrm>
+          <a:prstGeom prst="rect">
+            <a:avLst/>
+          </a:prstGeom>
+          <a:solidFill>
+            <a:schemeClr val="tx1">
+              <a:lumMod val="65000"/>
+              <a:lumOff val="35000"/>
+            </a:schemeClr>
+          </a:solidFill>
+          <a:ln>
+            <a:solidFill>
+              <a:schemeClr val="tx1">
+                <a:lumMod val="65000"/>
+                <a:lumOff val="35000"/>
+              </a:schemeClr>
+            </a:solidFill>
+          </a:ln>
+        </p:spPr>
+        <p:style>
+          <a:lnRef idx="2">
+            <a:schemeClr val="accent1">
+              <a:shade val="50000"/>
+            </a:schemeClr>
+          </a:lnRef>
+          <a:fillRef idx="1">
+            <a:schemeClr val="accent1"/>
+          </a:fillRef>
+          <a:effectRef idx="0">
+            <a:schemeClr val="accent1"/>
+          </a:effectRef>
+          <a:fontRef idx="minor">
+            <a:schemeClr val="lt1"/>
+          </a:fontRef>
+        </p:style>
+        <p:txBody>
+          <a:bodyPr rtlCol="0" anchor="ctr"/>
+          <a:lstStyle/>
+          <a:p>
+            <a:pPr algn="ctr"/>
+            <a:endParaRPr lang="en-US"/>
+          </a:p>
+        </p:txBody>
+      </p:sp>
+      <p:sp>
+        <p:nvSpPr>
+          <p:cNvPr id="6" name="Rectangle 5"/>
+          <p:cNvSpPr/>
+          <p:nvPr/>
+        </p:nvSpPr>
+        <p:spPr>
+          <a:xfrm>
+            <a:off x="2514600" y="762000"/>
+            <a:ext cx="6400800" cy="5867400"/>
+          </a:xfrm>
+          <a:prstGeom prst="rect">
+            <a:avLst/>
+          </a:prstGeom>
+          <a:solidFill>
+            <a:schemeClr val="bg1">
+              <a:lumMod val="95000"/>
+            </a:schemeClr>
+          </a:solidFill>
+          <a:ln>
+            <a:solidFill>
+              <a:schemeClr val="bg1">
+                <a:lumMod val="95000"/>
+              </a:schemeClr>
+            </a:solidFill>
+          </a:ln>
+          <a:effectLst>
+            <a:outerShdw blurRad="76200" dist="25400" dir="8100000" algn="tr" rotWithShape="0">
+              <a:prstClr val="black">
+                <a:alpha val="40000"/>
+              </a:prstClr>
+            </a:outerShdw>
+          </a:effectLst>
+        </p:spPr>
+        <p:style>
+          <a:lnRef idx="2">
+            <a:schemeClr val="accent1">
+              <a:shade val="50000"/>
+            </a:schemeClr>
+          </a:lnRef>
+          <a:fillRef idx="1">
+            <a:schemeClr val="accent1"/>
+          </a:fillRef>
+          <a:effectRef idx="0">
+            <a:schemeClr val="accent1"/>
+          </a:effectRef>
+          <a:fontRef idx="minor">
+            <a:schemeClr val="lt1"/>
+          </a:fontRef>
+        </p:style>
+        <p:txBody>
+          <a:bodyPr rtlCol="0" anchor="ctr"/>
+          <a:lstStyle/>
+          <a:p>
+            <a:pPr algn="ctr"/>
+            <a:endParaRPr lang="en-US"/>
+          </a:p>
+        </p:txBody>
+      </p:sp>
+      <p:sp>
+        <p:nvSpPr>
+          <p:cNvPr id="7" name="Rectangle 6"/>
+          <p:cNvSpPr/>
+          <p:nvPr/>
+        </p:nvSpPr>
+        <p:spPr>
+          <a:xfrm>
+            <a:off x="2514600" y="762000"/>
+            <a:ext cx="6400800" cy="5867400"/>
+          </a:xfrm>
+          <a:prstGeom prst="rect">
+            <a:avLst/>
+          </a:prstGeom>
+          <a:solidFill>
+            <a:schemeClr val="bg1">
+              <a:lumMod val="95000"/>
+            </a:schemeClr>
+          </a:solidFill>
+          <a:ln>
+            <a:solidFill>
+              <a:schemeClr val="bg1">
+                <a:lumMod val="95000"/>
+              </a:schemeClr>
+            </a:solidFill>
+          </a:ln>
+          <a:effectLst>
+            <a:outerShdw blurRad="50800" dist="38100" dir="18900000" algn="bl" rotWithShape="0">
+              <a:prstClr val="black">
+                <a:alpha val="40000"/>
+              </a:prstClr>
+            </a:outerShdw>
+          </a:effectLst>
+        </p:spPr>
+        <p:style>
+          <a:lnRef idx="2">
+            <a:schemeClr val="accent1">
+              <a:shade val="50000"/>
+            </a:schemeClr>
+          </a:lnRef>
+          <a:fillRef idx="1">
+            <a:schemeClr val="accent1"/>
+          </a:fillRef>
+          <a:effectRef idx="0">
+            <a:schemeClr val="accent1"/>
+          </a:effectRef>
+          <a:fontRef idx="minor">
+            <a:schemeClr val="lt1"/>
+          </a:fontRef>
+        </p:style>
+        <p:txBody>
+          <a:bodyPr rtlCol="0" anchor="ctr"/>
+          <a:lstStyle/>
+          <a:p>
+            <a:pPr algn="ctr"/>
+            <a:endParaRPr lang="en-US"/>
+          </a:p>
+        </p:txBody>
+      </p:sp>
+      <p:sp>
+        <p:nvSpPr>
+          <p:cNvPr id="8" name="Rounded Rectangle 7"/>
+          <p:cNvSpPr/>
+          <p:nvPr/>
+        </p:nvSpPr>
+        <p:spPr>
+          <a:xfrm>
+            <a:off x="152400" y="990600"/>
+            <a:ext cx="1905000" cy="304800"/>
+          </a:xfrm>
+          <a:prstGeom prst="roundRect">
+            <a:avLst/>
+          </a:prstGeom>
+          <a:ln>
+            <a:solidFill>
+              <a:srgbClr val="00B0F0"/>
+            </a:solidFill>
+          </a:ln>
+        </p:spPr>
+        <p:style>
+          <a:lnRef idx="2">
+            <a:schemeClr val="accent5"/>
+          </a:lnRef>
+          <a:fillRef idx="1">
+            <a:schemeClr val="lt1"/>
+          </a:fillRef>
+          <a:effectRef idx="0">
+            <a:schemeClr val="accent5"/>
+          </a:effectRef>
+          <a:fontRef idx="minor">
+            <a:schemeClr val="dk1"/>
+          </a:fontRef>
+        </p:style>
+        <p:txBody>
+          <a:bodyPr rtlCol="0" anchor="ctr"/>
+          <a:lstStyle/>
+          <a:p>
+            <a:pPr algn="ctr"/>
+            <a:r>
+              <a:rPr lang="en-US" dirty="0" smtClean="0">
+                <a:latin typeface="Agency FB" pitchFamily="34" charset="0"/>
+              </a:rPr>
+              <a:t>Search </a:t>
+            </a:r>
+            <a:r>
+              <a:rPr lang="en-US" dirty="0" smtClean="0">
+                <a:latin typeface="Agency FB" pitchFamily="34" charset="0"/>
+              </a:rPr>
+              <a:t>Student</a:t>
+            </a:r>
+            <a:endParaRPr lang="en-US" dirty="0">
+              <a:latin typeface="Agency FB" pitchFamily="34" charset="0"/>
+            </a:endParaRPr>
+          </a:p>
+        </p:txBody>
+      </p:sp>
+      <p:sp>
+        <p:nvSpPr>
+          <p:cNvPr id="9" name="TextBox 8"/>
+          <p:cNvSpPr txBox="1"/>
+          <p:nvPr/>
+        </p:nvSpPr>
+        <p:spPr>
+          <a:xfrm>
+            <a:off x="7280564" y="104745"/>
+            <a:ext cx="1863436" cy="400110"/>
+          </a:xfrm>
+          <a:prstGeom prst="rect">
+            <a:avLst/>
+          </a:prstGeom>
+          <a:noFill/>
+        </p:spPr>
+        <p:txBody>
+          <a:bodyPr wrap="square" rtlCol="0">
+            <a:spAutoFit/>
+          </a:bodyPr>
+          <a:lstStyle/>
+          <a:p>
+            <a:r>
+              <a:rPr lang="en-US" sz="2000" dirty="0" smtClean="0">
+                <a:solidFill>
+                  <a:schemeClr val="bg1"/>
+                </a:solidFill>
+                <a:latin typeface="Agency FB" pitchFamily="34" charset="0"/>
+              </a:rPr>
+              <a:t>Hello Mr. Freeland! </a:t>
+            </a:r>
+            <a:endParaRPr lang="en-US" sz="2000" dirty="0">
+              <a:solidFill>
+                <a:schemeClr val="bg1"/>
+              </a:solidFill>
+              <a:latin typeface="Agency FB" pitchFamily="34" charset="0"/>
+            </a:endParaRPr>
+          </a:p>
+        </p:txBody>
+      </p:sp>
+      <p:sp>
+        <p:nvSpPr>
+          <p:cNvPr id="10" name="Rectangle 9"/>
+          <p:cNvSpPr/>
+          <p:nvPr/>
+        </p:nvSpPr>
+        <p:spPr>
+          <a:xfrm>
+            <a:off x="0" y="1447800"/>
+            <a:ext cx="2286000" cy="2971800"/>
+          </a:xfrm>
+          <a:prstGeom prst="rect">
+            <a:avLst/>
+          </a:prstGeom>
+          <a:solidFill>
+            <a:schemeClr val="bg1"/>
+          </a:solidFill>
+          <a:ln>
+            <a:solidFill>
+              <a:schemeClr val="bg2"/>
+            </a:solidFill>
+          </a:ln>
+        </p:spPr>
+        <p:style>
+          <a:lnRef idx="2">
+            <a:schemeClr val="accent1">
+              <a:shade val="50000"/>
+            </a:schemeClr>
+          </a:lnRef>
+          <a:fillRef idx="1">
+            <a:schemeClr val="accent1"/>
+          </a:fillRef>
+          <a:effectRef idx="0">
+            <a:schemeClr val="accent1"/>
+          </a:effectRef>
+          <a:fontRef idx="minor">
+            <a:schemeClr val="lt1"/>
+          </a:fontRef>
+        </p:style>
+        <p:txBody>
+          <a:bodyPr rtlCol="0" anchor="ctr"/>
+          <a:lstStyle/>
+          <a:p>
+            <a:pPr algn="ctr"/>
+            <a:endParaRPr lang="en-US"/>
+          </a:p>
+        </p:txBody>
+      </p:sp>
+      <p:sp>
+        <p:nvSpPr>
+          <p:cNvPr id="11" name="Rectangle 10"/>
+          <p:cNvSpPr/>
+          <p:nvPr/>
+        </p:nvSpPr>
+        <p:spPr>
+          <a:xfrm>
+            <a:off x="0" y="1447800"/>
+            <a:ext cx="2073729" cy="381000"/>
+          </a:xfrm>
+          <a:prstGeom prst="rect">
+            <a:avLst/>
+          </a:prstGeom>
+          <a:solidFill>
+            <a:schemeClr val="bg1"/>
+          </a:solidFill>
+          <a:ln>
+            <a:solidFill>
+              <a:schemeClr val="bg2"/>
+            </a:solidFill>
+          </a:ln>
+          <a:effectLst>
+            <a:glow rad="63500">
+              <a:schemeClr val="accent1">
+                <a:satMod val="175000"/>
+                <a:alpha val="40000"/>
+              </a:schemeClr>
+            </a:glow>
+          </a:effectLst>
+        </p:spPr>
+        <p:style>
+          <a:lnRef idx="2">
+            <a:schemeClr val="accent1">
+              <a:shade val="50000"/>
+            </a:schemeClr>
+          </a:lnRef>
+          <a:fillRef idx="1">
+            <a:schemeClr val="accent1"/>
+          </a:fillRef>
+          <a:effectRef idx="0">
+            <a:schemeClr val="accent1"/>
+          </a:effectRef>
+          <a:fontRef idx="minor">
+            <a:schemeClr val="lt1"/>
+          </a:fontRef>
+        </p:style>
+        <p:txBody>
+          <a:bodyPr rtlCol="0" anchor="ctr"/>
+          <a:lstStyle/>
+          <a:p>
+            <a:pPr algn="ctr"/>
+            <a:r>
+              <a:rPr lang="en-US" dirty="0" smtClean="0">
+                <a:solidFill>
+                  <a:schemeClr val="bg1">
+                    <a:lumMod val="65000"/>
+                  </a:schemeClr>
+                </a:solidFill>
+                <a:latin typeface="Agency FB" pitchFamily="34" charset="0"/>
+              </a:rPr>
+              <a:t>Student 1</a:t>
+            </a:r>
+            <a:endParaRPr lang="en-US" dirty="0">
+              <a:solidFill>
+                <a:schemeClr val="bg1">
+                  <a:lumMod val="65000"/>
+                </a:schemeClr>
+              </a:solidFill>
+              <a:latin typeface="Agency FB" pitchFamily="34" charset="0"/>
+            </a:endParaRPr>
+          </a:p>
+        </p:txBody>
+      </p:sp>
+      <p:sp>
+        <p:nvSpPr>
+          <p:cNvPr id="17" name="Rectangle 16"/>
+          <p:cNvSpPr/>
+          <p:nvPr/>
+        </p:nvSpPr>
+        <p:spPr>
+          <a:xfrm>
+            <a:off x="0" y="4038600"/>
+            <a:ext cx="2073729" cy="381000"/>
+          </a:xfrm>
+          <a:prstGeom prst="rect">
+            <a:avLst/>
+          </a:prstGeom>
+          <a:solidFill>
+            <a:schemeClr val="bg1"/>
+          </a:solidFill>
+          <a:ln>
+            <a:solidFill>
+              <a:schemeClr val="bg2"/>
+            </a:solidFill>
+          </a:ln>
+        </p:spPr>
+        <p:style>
+          <a:lnRef idx="2">
+            <a:schemeClr val="accent1">
+              <a:shade val="50000"/>
+            </a:schemeClr>
+          </a:lnRef>
+          <a:fillRef idx="1">
+            <a:schemeClr val="accent1"/>
+          </a:fillRef>
+          <a:effectRef idx="0">
+            <a:schemeClr val="accent1"/>
+          </a:effectRef>
+          <a:fontRef idx="minor">
+            <a:schemeClr val="lt1"/>
+          </a:fontRef>
+        </p:style>
+        <p:txBody>
+          <a:bodyPr rtlCol="0" anchor="ctr"/>
+          <a:lstStyle/>
+          <a:p>
+            <a:pPr algn="ctr"/>
+            <a:r>
+              <a:rPr lang="en-US" dirty="0">
+                <a:solidFill>
+                  <a:schemeClr val="bg1">
+                    <a:lumMod val="65000"/>
+                  </a:schemeClr>
+                </a:solidFill>
+                <a:latin typeface="Agency FB" pitchFamily="34" charset="0"/>
+              </a:rPr>
+              <a:t>Student 6</a:t>
+            </a:r>
+            <a:endParaRPr lang="en-US" dirty="0">
+              <a:solidFill>
+                <a:schemeClr val="bg1">
+                  <a:lumMod val="65000"/>
+                </a:schemeClr>
+              </a:solidFill>
+              <a:latin typeface="Agency FB" pitchFamily="34" charset="0"/>
+            </a:endParaRPr>
+          </a:p>
+        </p:txBody>
+      </p:sp>
+      <p:sp>
+        <p:nvSpPr>
+          <p:cNvPr id="18" name="Rectangle 17"/>
+          <p:cNvSpPr/>
+          <p:nvPr/>
+        </p:nvSpPr>
+        <p:spPr>
+          <a:xfrm>
+            <a:off x="0" y="1943100"/>
+            <a:ext cx="2073729" cy="381000"/>
+          </a:xfrm>
+          <a:prstGeom prst="rect">
+            <a:avLst/>
+          </a:prstGeom>
+          <a:solidFill>
+            <a:schemeClr val="bg1"/>
+          </a:solidFill>
+          <a:ln>
+            <a:solidFill>
+              <a:schemeClr val="bg2"/>
+            </a:solidFill>
+          </a:ln>
+        </p:spPr>
+        <p:style>
+          <a:lnRef idx="2">
+            <a:schemeClr val="accent1">
+              <a:shade val="50000"/>
+            </a:schemeClr>
+          </a:lnRef>
+          <a:fillRef idx="1">
+            <a:schemeClr val="accent1"/>
+          </a:fillRef>
+          <a:effectRef idx="0">
+            <a:schemeClr val="accent1"/>
+          </a:effectRef>
+          <a:fontRef idx="minor">
+            <a:schemeClr val="lt1"/>
+          </a:fontRef>
+        </p:style>
+        <p:txBody>
+          <a:bodyPr rtlCol="0" anchor="ctr"/>
+          <a:lstStyle/>
+          <a:p>
+            <a:pPr algn="ctr"/>
+            <a:r>
+              <a:rPr lang="en-US" dirty="0" smtClean="0">
+                <a:solidFill>
+                  <a:schemeClr val="bg1">
+                    <a:lumMod val="65000"/>
+                  </a:schemeClr>
+                </a:solidFill>
+                <a:latin typeface="Agency FB" pitchFamily="34" charset="0"/>
+              </a:rPr>
+              <a:t>Student 2</a:t>
+            </a:r>
+            <a:endParaRPr lang="en-US" dirty="0">
+              <a:solidFill>
+                <a:schemeClr val="bg1">
+                  <a:lumMod val="65000"/>
+                </a:schemeClr>
+              </a:solidFill>
+              <a:latin typeface="Agency FB" pitchFamily="34" charset="0"/>
+            </a:endParaRPr>
+          </a:p>
+        </p:txBody>
+      </p:sp>
+      <p:sp>
+        <p:nvSpPr>
+          <p:cNvPr id="19" name="Rectangle 18"/>
+          <p:cNvSpPr/>
+          <p:nvPr/>
+        </p:nvSpPr>
+        <p:spPr>
+          <a:xfrm>
+            <a:off x="0" y="2453987"/>
+            <a:ext cx="2073729" cy="381000"/>
+          </a:xfrm>
+          <a:prstGeom prst="rect">
+            <a:avLst/>
+          </a:prstGeom>
+          <a:solidFill>
+            <a:schemeClr val="bg1"/>
+          </a:solidFill>
+          <a:ln>
+            <a:solidFill>
+              <a:schemeClr val="bg2"/>
+            </a:solidFill>
+          </a:ln>
+        </p:spPr>
+        <p:style>
+          <a:lnRef idx="2">
+            <a:schemeClr val="accent1">
+              <a:shade val="50000"/>
+            </a:schemeClr>
+          </a:lnRef>
+          <a:fillRef idx="1">
+            <a:schemeClr val="accent1"/>
+          </a:fillRef>
+          <a:effectRef idx="0">
+            <a:schemeClr val="accent1"/>
+          </a:effectRef>
+          <a:fontRef idx="minor">
+            <a:schemeClr val="lt1"/>
+          </a:fontRef>
+        </p:style>
+        <p:txBody>
+          <a:bodyPr rtlCol="0" anchor="ctr"/>
+          <a:lstStyle/>
+          <a:p>
+            <a:pPr algn="ctr"/>
+            <a:r>
+              <a:rPr lang="en-US" dirty="0" smtClean="0">
+                <a:solidFill>
+                  <a:schemeClr val="bg1">
+                    <a:lumMod val="65000"/>
+                  </a:schemeClr>
+                </a:solidFill>
+                <a:latin typeface="Agency FB" pitchFamily="34" charset="0"/>
+              </a:rPr>
+              <a:t>Student 3</a:t>
+            </a:r>
+            <a:endParaRPr lang="en-US" dirty="0">
+              <a:solidFill>
+                <a:schemeClr val="bg1">
+                  <a:lumMod val="65000"/>
+                </a:schemeClr>
+              </a:solidFill>
+              <a:latin typeface="Agency FB" pitchFamily="34" charset="0"/>
+            </a:endParaRPr>
+          </a:p>
+        </p:txBody>
+      </p:sp>
+      <p:sp>
+        <p:nvSpPr>
+          <p:cNvPr id="20" name="Rectangle 19"/>
+          <p:cNvSpPr/>
+          <p:nvPr/>
+        </p:nvSpPr>
+        <p:spPr>
+          <a:xfrm>
+            <a:off x="0" y="3009900"/>
+            <a:ext cx="2046514" cy="381000"/>
+          </a:xfrm>
+          <a:prstGeom prst="rect">
+            <a:avLst/>
+          </a:prstGeom>
+          <a:solidFill>
+            <a:schemeClr val="bg1"/>
+          </a:solidFill>
+          <a:ln>
+            <a:solidFill>
+              <a:schemeClr val="bg2"/>
+            </a:solidFill>
+          </a:ln>
+        </p:spPr>
+        <p:style>
+          <a:lnRef idx="2">
+            <a:schemeClr val="accent1">
+              <a:shade val="50000"/>
+            </a:schemeClr>
+          </a:lnRef>
+          <a:fillRef idx="1">
+            <a:schemeClr val="accent1"/>
+          </a:fillRef>
+          <a:effectRef idx="0">
+            <a:schemeClr val="accent1"/>
+          </a:effectRef>
+          <a:fontRef idx="minor">
+            <a:schemeClr val="lt1"/>
+          </a:fontRef>
+        </p:style>
+        <p:txBody>
+          <a:bodyPr rtlCol="0" anchor="ctr"/>
+          <a:lstStyle/>
+          <a:p>
+            <a:pPr algn="ctr"/>
+            <a:r>
+              <a:rPr lang="en-US" dirty="0">
+                <a:solidFill>
+                  <a:schemeClr val="bg1">
+                    <a:lumMod val="65000"/>
+                  </a:schemeClr>
+                </a:solidFill>
+                <a:latin typeface="Agency FB" pitchFamily="34" charset="0"/>
+              </a:rPr>
+              <a:t>Student 4</a:t>
+            </a:r>
+            <a:endParaRPr lang="en-US" dirty="0">
+              <a:solidFill>
+                <a:schemeClr val="bg1">
+                  <a:lumMod val="65000"/>
+                </a:schemeClr>
+              </a:solidFill>
+              <a:latin typeface="Agency FB" pitchFamily="34" charset="0"/>
+            </a:endParaRPr>
+          </a:p>
+        </p:txBody>
+      </p:sp>
+      <p:sp>
+        <p:nvSpPr>
+          <p:cNvPr id="21" name="Rectangle 20"/>
+          <p:cNvSpPr/>
+          <p:nvPr/>
+        </p:nvSpPr>
+        <p:spPr>
+          <a:xfrm>
+            <a:off x="0" y="3524250"/>
+            <a:ext cx="2073729" cy="381000"/>
+          </a:xfrm>
+          <a:prstGeom prst="rect">
+            <a:avLst/>
+          </a:prstGeom>
+          <a:solidFill>
+            <a:schemeClr val="bg1"/>
+          </a:solidFill>
+          <a:ln>
+            <a:solidFill>
+              <a:schemeClr val="bg2"/>
+            </a:solidFill>
+          </a:ln>
+        </p:spPr>
+        <p:style>
+          <a:lnRef idx="2">
+            <a:schemeClr val="accent1">
+              <a:shade val="50000"/>
+            </a:schemeClr>
+          </a:lnRef>
+          <a:fillRef idx="1">
+            <a:schemeClr val="accent1"/>
+          </a:fillRef>
+          <a:effectRef idx="0">
+            <a:schemeClr val="accent1"/>
+          </a:effectRef>
+          <a:fontRef idx="minor">
+            <a:schemeClr val="lt1"/>
+          </a:fontRef>
+        </p:style>
+        <p:txBody>
+          <a:bodyPr rtlCol="0" anchor="ctr"/>
+          <a:lstStyle/>
+          <a:p>
+            <a:pPr algn="ctr"/>
+            <a:r>
+              <a:rPr lang="en-US" dirty="0">
+                <a:solidFill>
+                  <a:schemeClr val="bg1">
+                    <a:lumMod val="65000"/>
+                  </a:schemeClr>
+                </a:solidFill>
+                <a:latin typeface="Agency FB" pitchFamily="34" charset="0"/>
+              </a:rPr>
+              <a:t>Student 5</a:t>
+            </a:r>
+            <a:endParaRPr lang="en-US" dirty="0">
+              <a:solidFill>
+                <a:schemeClr val="bg1">
+                  <a:lumMod val="65000"/>
+                </a:schemeClr>
+              </a:solidFill>
+              <a:latin typeface="Agency FB" pitchFamily="34" charset="0"/>
+            </a:endParaRPr>
+          </a:p>
+        </p:txBody>
+      </p:sp>
+      <p:sp>
+        <p:nvSpPr>
+          <p:cNvPr id="23" name="Rounded Rectangle 22"/>
+          <p:cNvSpPr/>
+          <p:nvPr/>
+        </p:nvSpPr>
+        <p:spPr>
+          <a:xfrm>
+            <a:off x="2563090" y="1627042"/>
+            <a:ext cx="5967845" cy="647700"/>
+          </a:xfrm>
+          <a:prstGeom prst="roundRect">
+            <a:avLst/>
+          </a:prstGeom>
+          <a:solidFill>
+            <a:schemeClr val="bg1"/>
+          </a:solidFill>
+          <a:ln>
+            <a:solidFill>
+              <a:schemeClr val="bg2"/>
+            </a:solidFill>
+          </a:ln>
+        </p:spPr>
+        <p:style>
+          <a:lnRef idx="2">
+            <a:schemeClr val="accent1">
+              <a:shade val="50000"/>
+            </a:schemeClr>
+          </a:lnRef>
+          <a:fillRef idx="1">
+            <a:schemeClr val="accent1"/>
+          </a:fillRef>
+          <a:effectRef idx="0">
+            <a:schemeClr val="accent1"/>
+          </a:effectRef>
+          <a:fontRef idx="minor">
+            <a:schemeClr val="lt1"/>
+          </a:fontRef>
+        </p:style>
+        <p:txBody>
+          <a:bodyPr rtlCol="0" anchor="ctr"/>
+          <a:lstStyle/>
+          <a:p>
+            <a:r>
+              <a:rPr lang="en-US" dirty="0" smtClean="0">
+                <a:solidFill>
+                  <a:schemeClr val="bg1">
+                    <a:lumMod val="65000"/>
+                  </a:schemeClr>
+                </a:solidFill>
+                <a:latin typeface="Agency FB" pitchFamily="34" charset="0"/>
+              </a:rPr>
+              <a:t>Assignment 1</a:t>
+            </a:r>
+            <a:r>
+              <a:rPr lang="en-US" dirty="0" smtClean="0">
+                <a:solidFill>
+                  <a:schemeClr val="bg1">
+                    <a:lumMod val="65000"/>
+                  </a:schemeClr>
+                </a:solidFill>
+                <a:latin typeface="Agency FB" pitchFamily="34" charset="0"/>
+              </a:rPr>
+              <a:t>	</a:t>
+            </a:r>
+            <a:endParaRPr lang="en-US" dirty="0">
+              <a:solidFill>
+                <a:schemeClr val="bg1">
+                  <a:lumMod val="65000"/>
+                </a:schemeClr>
+              </a:solidFill>
+              <a:latin typeface="Agency FB" pitchFamily="34" charset="0"/>
+            </a:endParaRPr>
+          </a:p>
+        </p:txBody>
+      </p:sp>
+      <p:sp>
+        <p:nvSpPr>
+          <p:cNvPr id="24" name="Rounded Rectangle 23"/>
+          <p:cNvSpPr/>
+          <p:nvPr/>
+        </p:nvSpPr>
+        <p:spPr>
+          <a:xfrm>
+            <a:off x="2583873" y="3099954"/>
+            <a:ext cx="5947063" cy="647700"/>
+          </a:xfrm>
+          <a:prstGeom prst="roundRect">
+            <a:avLst/>
+          </a:prstGeom>
+          <a:solidFill>
+            <a:schemeClr val="bg1"/>
+          </a:solidFill>
+          <a:ln>
+            <a:solidFill>
+              <a:schemeClr val="bg2"/>
+            </a:solidFill>
+          </a:ln>
+        </p:spPr>
+        <p:style>
+          <a:lnRef idx="2">
+            <a:schemeClr val="accent1">
+              <a:shade val="50000"/>
+            </a:schemeClr>
+          </a:lnRef>
+          <a:fillRef idx="1">
+            <a:schemeClr val="accent1"/>
+          </a:fillRef>
+          <a:effectRef idx="0">
+            <a:schemeClr val="accent1"/>
+          </a:effectRef>
+          <a:fontRef idx="minor">
+            <a:schemeClr val="lt1"/>
+          </a:fontRef>
+        </p:style>
+        <p:txBody>
+          <a:bodyPr rtlCol="0" anchor="ctr"/>
+          <a:lstStyle/>
+          <a:p>
+            <a:r>
+              <a:rPr lang="en-US" dirty="0">
+                <a:solidFill>
+                  <a:schemeClr val="bg1">
+                    <a:lumMod val="65000"/>
+                  </a:schemeClr>
+                </a:solidFill>
+                <a:latin typeface="Agency FB" pitchFamily="34" charset="0"/>
+              </a:rPr>
+              <a:t>Assignment </a:t>
+            </a:r>
+            <a:r>
+              <a:rPr lang="en-US" dirty="0" smtClean="0">
+                <a:solidFill>
+                  <a:schemeClr val="bg1">
+                    <a:lumMod val="65000"/>
+                  </a:schemeClr>
+                </a:solidFill>
+                <a:latin typeface="Agency FB" pitchFamily="34" charset="0"/>
+              </a:rPr>
+              <a:t>3</a:t>
+            </a:r>
+            <a:endParaRPr lang="en-US" dirty="0">
+              <a:solidFill>
+                <a:schemeClr val="bg1">
+                  <a:lumMod val="65000"/>
+                </a:schemeClr>
+              </a:solidFill>
+              <a:latin typeface="Agency FB" pitchFamily="34" charset="0"/>
+            </a:endParaRPr>
+          </a:p>
+        </p:txBody>
+      </p:sp>
+      <p:sp>
+        <p:nvSpPr>
+          <p:cNvPr id="25" name="Rounded Rectangle 24"/>
+          <p:cNvSpPr/>
+          <p:nvPr/>
+        </p:nvSpPr>
+        <p:spPr>
+          <a:xfrm>
+            <a:off x="2576946" y="2370860"/>
+            <a:ext cx="5953990" cy="647700"/>
+          </a:xfrm>
+          <a:prstGeom prst="roundRect">
+            <a:avLst/>
+          </a:prstGeom>
+          <a:solidFill>
+            <a:schemeClr val="bg1"/>
+          </a:solidFill>
+          <a:ln>
+            <a:solidFill>
+              <a:schemeClr val="bg2"/>
+            </a:solidFill>
+          </a:ln>
+        </p:spPr>
+        <p:style>
+          <a:lnRef idx="2">
+            <a:schemeClr val="accent1">
+              <a:shade val="50000"/>
+            </a:schemeClr>
+          </a:lnRef>
+          <a:fillRef idx="1">
+            <a:schemeClr val="accent1"/>
+          </a:fillRef>
+          <a:effectRef idx="0">
+            <a:schemeClr val="accent1"/>
+          </a:effectRef>
+          <a:fontRef idx="minor">
+            <a:schemeClr val="lt1"/>
+          </a:fontRef>
+        </p:style>
+        <p:txBody>
+          <a:bodyPr rtlCol="0" anchor="ctr"/>
+          <a:lstStyle/>
+          <a:p>
+            <a:r>
+              <a:rPr lang="en-US" dirty="0">
+                <a:solidFill>
+                  <a:schemeClr val="bg1">
+                    <a:lumMod val="65000"/>
+                  </a:schemeClr>
+                </a:solidFill>
+                <a:latin typeface="Agency FB" pitchFamily="34" charset="0"/>
+              </a:rPr>
+              <a:t>Assignment 2</a:t>
+            </a:r>
+            <a:r>
+              <a:rPr lang="en-US" dirty="0" smtClean="0">
+                <a:solidFill>
+                  <a:schemeClr val="bg1">
+                    <a:lumMod val="65000"/>
+                  </a:schemeClr>
+                </a:solidFill>
+                <a:latin typeface="Agency FB" pitchFamily="34" charset="0"/>
+              </a:rPr>
+              <a:t>	</a:t>
+            </a:r>
+            <a:endParaRPr lang="en-US" dirty="0">
+              <a:solidFill>
+                <a:schemeClr val="bg1">
+                  <a:lumMod val="65000"/>
+                </a:schemeClr>
+              </a:solidFill>
+              <a:latin typeface="Agency FB" pitchFamily="34" charset="0"/>
+            </a:endParaRPr>
+          </a:p>
+        </p:txBody>
+      </p:sp>
+      <p:sp>
+        <p:nvSpPr>
+          <p:cNvPr id="26" name="Rounded Rectangle 25"/>
+          <p:cNvSpPr/>
+          <p:nvPr/>
+        </p:nvSpPr>
+        <p:spPr>
+          <a:xfrm>
+            <a:off x="2570019" y="3803073"/>
+            <a:ext cx="5960917" cy="647700"/>
+          </a:xfrm>
+          <a:prstGeom prst="roundRect">
+            <a:avLst/>
+          </a:prstGeom>
+          <a:solidFill>
+            <a:schemeClr val="bg1"/>
+          </a:solidFill>
+          <a:ln>
+            <a:solidFill>
+              <a:schemeClr val="bg2"/>
+            </a:solidFill>
+          </a:ln>
+        </p:spPr>
+        <p:style>
+          <a:lnRef idx="2">
+            <a:schemeClr val="accent1">
+              <a:shade val="50000"/>
+            </a:schemeClr>
+          </a:lnRef>
+          <a:fillRef idx="1">
+            <a:schemeClr val="accent1"/>
+          </a:fillRef>
+          <a:effectRef idx="0">
+            <a:schemeClr val="accent1"/>
+          </a:effectRef>
+          <a:fontRef idx="minor">
+            <a:schemeClr val="lt1"/>
+          </a:fontRef>
+        </p:style>
+        <p:txBody>
+          <a:bodyPr rtlCol="0" anchor="ctr"/>
+          <a:lstStyle/>
+          <a:p>
+            <a:r>
+              <a:rPr lang="en-US" dirty="0">
+                <a:solidFill>
+                  <a:schemeClr val="bg1">
+                    <a:lumMod val="65000"/>
+                  </a:schemeClr>
+                </a:solidFill>
+                <a:latin typeface="Agency FB" pitchFamily="34" charset="0"/>
+              </a:rPr>
+              <a:t>Assignment 4</a:t>
+            </a:r>
+            <a:r>
+              <a:rPr lang="en-US" dirty="0" smtClean="0">
+                <a:solidFill>
+                  <a:schemeClr val="bg1">
+                    <a:lumMod val="65000"/>
+                  </a:schemeClr>
+                </a:solidFill>
+                <a:latin typeface="Agency FB" pitchFamily="34" charset="0"/>
+              </a:rPr>
+              <a:t>	</a:t>
+            </a:r>
+            <a:endParaRPr lang="en-US" dirty="0">
+              <a:solidFill>
+                <a:schemeClr val="bg1">
+                  <a:lumMod val="65000"/>
+                </a:schemeClr>
+              </a:solidFill>
+              <a:latin typeface="Agency FB" pitchFamily="34" charset="0"/>
+            </a:endParaRPr>
+          </a:p>
+        </p:txBody>
+      </p:sp>
+      <p:sp>
+        <p:nvSpPr>
+          <p:cNvPr id="27" name="Rectangle 26"/>
+          <p:cNvSpPr/>
+          <p:nvPr/>
+        </p:nvSpPr>
+        <p:spPr>
+          <a:xfrm>
+            <a:off x="8659091" y="762000"/>
+            <a:ext cx="256309" cy="4840433"/>
+          </a:xfrm>
+          <a:prstGeom prst="rect">
+            <a:avLst/>
+          </a:prstGeom>
+          <a:solidFill>
+            <a:schemeClr val="bg1"/>
+          </a:solidFill>
+          <a:ln>
+            <a:solidFill>
+              <a:schemeClr val="bg2"/>
+            </a:solidFill>
+          </a:ln>
+        </p:spPr>
+        <p:style>
+          <a:lnRef idx="2">
+            <a:schemeClr val="accent1">
+              <a:shade val="50000"/>
+            </a:schemeClr>
+          </a:lnRef>
+          <a:fillRef idx="1">
+            <a:schemeClr val="accent1"/>
+          </a:fillRef>
+          <a:effectRef idx="0">
+            <a:schemeClr val="accent1"/>
+          </a:effectRef>
+          <a:fontRef idx="minor">
+            <a:schemeClr val="lt1"/>
+          </a:fontRef>
+        </p:style>
+        <p:txBody>
+          <a:bodyPr rtlCol="0" anchor="ctr"/>
+          <a:lstStyle/>
+          <a:p>
+            <a:pPr algn="ctr"/>
+            <a:endParaRPr lang="en-US"/>
+          </a:p>
+        </p:txBody>
+      </p:sp>
+      <p:sp>
+        <p:nvSpPr>
+          <p:cNvPr id="30" name="Rounded Rectangle 29"/>
+          <p:cNvSpPr/>
+          <p:nvPr/>
+        </p:nvSpPr>
+        <p:spPr>
+          <a:xfrm>
+            <a:off x="2570019" y="4535632"/>
+            <a:ext cx="5960917" cy="647700"/>
+          </a:xfrm>
+          <a:prstGeom prst="roundRect">
+            <a:avLst/>
+          </a:prstGeom>
+          <a:solidFill>
+            <a:schemeClr val="bg1"/>
+          </a:solidFill>
+          <a:ln>
+            <a:solidFill>
+              <a:schemeClr val="bg2"/>
+            </a:solidFill>
+          </a:ln>
+        </p:spPr>
+        <p:style>
+          <a:lnRef idx="2">
+            <a:schemeClr val="accent1">
+              <a:shade val="50000"/>
+            </a:schemeClr>
+          </a:lnRef>
+          <a:fillRef idx="1">
+            <a:schemeClr val="accent1"/>
+          </a:fillRef>
+          <a:effectRef idx="0">
+            <a:schemeClr val="accent1"/>
+          </a:effectRef>
+          <a:fontRef idx="minor">
+            <a:schemeClr val="lt1"/>
+          </a:fontRef>
+        </p:style>
+        <p:txBody>
+          <a:bodyPr rtlCol="0" anchor="ctr"/>
+          <a:lstStyle/>
+          <a:p>
+            <a:r>
+              <a:rPr lang="en-US" dirty="0">
+                <a:solidFill>
+                  <a:schemeClr val="bg1">
+                    <a:lumMod val="65000"/>
+                  </a:schemeClr>
+                </a:solidFill>
+                <a:latin typeface="Agency FB" pitchFamily="34" charset="0"/>
+              </a:rPr>
+              <a:t>Assignment 5</a:t>
+            </a:r>
+            <a:r>
+              <a:rPr lang="en-US" dirty="0" smtClean="0">
+                <a:solidFill>
+                  <a:schemeClr val="bg1">
+                    <a:lumMod val="65000"/>
+                  </a:schemeClr>
+                </a:solidFill>
+                <a:latin typeface="Agency FB" pitchFamily="34" charset="0"/>
+              </a:rPr>
+              <a:t>	</a:t>
+            </a:r>
+            <a:endParaRPr lang="en-US" dirty="0">
+              <a:solidFill>
+                <a:schemeClr val="bg1">
+                  <a:lumMod val="65000"/>
+                </a:schemeClr>
+              </a:solidFill>
+              <a:latin typeface="Agency FB" pitchFamily="34" charset="0"/>
+            </a:endParaRPr>
+          </a:p>
+        </p:txBody>
+      </p:sp>
+      <p:sp>
+        <p:nvSpPr>
+          <p:cNvPr id="31" name="Rectangle 30"/>
+          <p:cNvSpPr/>
+          <p:nvPr/>
+        </p:nvSpPr>
+        <p:spPr>
+          <a:xfrm>
+            <a:off x="8659091" y="762000"/>
+            <a:ext cx="256309" cy="1524000"/>
+          </a:xfrm>
+          <a:prstGeom prst="rect">
+            <a:avLst/>
+          </a:prstGeom>
+          <a:solidFill>
+            <a:schemeClr val="bg1">
+              <a:lumMod val="85000"/>
+            </a:schemeClr>
+          </a:solidFill>
+          <a:ln>
+            <a:solidFill>
+              <a:schemeClr val="bg2"/>
+            </a:solidFill>
+          </a:ln>
+        </p:spPr>
+        <p:style>
+          <a:lnRef idx="2">
+            <a:schemeClr val="accent1">
+              <a:shade val="50000"/>
+            </a:schemeClr>
+          </a:lnRef>
+          <a:fillRef idx="1">
+            <a:schemeClr val="accent1"/>
+          </a:fillRef>
+          <a:effectRef idx="0">
+            <a:schemeClr val="accent1"/>
+          </a:effectRef>
+          <a:fontRef idx="minor">
+            <a:schemeClr val="lt1"/>
+          </a:fontRef>
+        </p:style>
+        <p:txBody>
+          <a:bodyPr rtlCol="0" anchor="ctr"/>
+          <a:lstStyle/>
+          <a:p>
+            <a:pPr algn="ctr"/>
+            <a:endParaRPr lang="en-US">
+              <a:solidFill>
+                <a:schemeClr val="bg1">
+                  <a:lumMod val="65000"/>
+                </a:schemeClr>
+              </a:solidFill>
+            </a:endParaRPr>
+          </a:p>
+        </p:txBody>
+      </p:sp>
+      <p:sp>
+        <p:nvSpPr>
+          <p:cNvPr id="32" name="Rounded Rectangle 31"/>
+          <p:cNvSpPr/>
+          <p:nvPr/>
+        </p:nvSpPr>
+        <p:spPr>
+          <a:xfrm>
+            <a:off x="2583873" y="5278583"/>
+            <a:ext cx="5947063" cy="647700"/>
+          </a:xfrm>
+          <a:prstGeom prst="roundRect">
+            <a:avLst/>
+          </a:prstGeom>
+          <a:solidFill>
+            <a:schemeClr val="bg1"/>
+          </a:solidFill>
+          <a:ln>
+            <a:solidFill>
+              <a:schemeClr val="bg2"/>
+            </a:solidFill>
+          </a:ln>
+        </p:spPr>
+        <p:style>
+          <a:lnRef idx="2">
+            <a:schemeClr val="accent1">
+              <a:shade val="50000"/>
+            </a:schemeClr>
+          </a:lnRef>
+          <a:fillRef idx="1">
+            <a:schemeClr val="accent1"/>
+          </a:fillRef>
+          <a:effectRef idx="0">
+            <a:schemeClr val="accent1"/>
+          </a:effectRef>
+          <a:fontRef idx="minor">
+            <a:schemeClr val="lt1"/>
+          </a:fontRef>
+        </p:style>
+        <p:txBody>
+          <a:bodyPr rtlCol="0" anchor="ctr"/>
+          <a:lstStyle/>
+          <a:p>
+            <a:r>
+              <a:rPr lang="en-US" dirty="0" smtClean="0">
+                <a:solidFill>
+                  <a:schemeClr val="bg1">
+                    <a:lumMod val="65000"/>
+                  </a:schemeClr>
+                </a:solidFill>
+                <a:latin typeface="Agency FB" pitchFamily="34" charset="0"/>
+              </a:rPr>
+              <a:t>Assignment 6</a:t>
+            </a:r>
+            <a:endParaRPr lang="en-US" dirty="0">
+              <a:solidFill>
+                <a:schemeClr val="bg1">
+                  <a:lumMod val="65000"/>
+                </a:schemeClr>
+              </a:solidFill>
+              <a:latin typeface="Agency FB" pitchFamily="34" charset="0"/>
+            </a:endParaRPr>
+          </a:p>
+        </p:txBody>
+      </p:sp>
+      <p:sp>
+        <p:nvSpPr>
+          <p:cNvPr id="33" name="Rectangle 32"/>
+          <p:cNvSpPr/>
+          <p:nvPr/>
+        </p:nvSpPr>
+        <p:spPr>
+          <a:xfrm>
+            <a:off x="2583873" y="5602433"/>
+            <a:ext cx="6289963" cy="950767"/>
+          </a:xfrm>
+          <a:prstGeom prst="rect">
+            <a:avLst/>
+          </a:prstGeom>
+          <a:solidFill>
+            <a:schemeClr val="bg1"/>
+          </a:solidFill>
+          <a:ln>
+            <a:solidFill>
+              <a:schemeClr val="bg1">
+                <a:lumMod val="75000"/>
+              </a:schemeClr>
+            </a:solidFill>
+          </a:ln>
+          <a:effectLst>
+            <a:glow rad="101600">
+              <a:schemeClr val="bg1">
+                <a:lumMod val="65000"/>
+                <a:alpha val="60000"/>
+              </a:schemeClr>
+            </a:glow>
+          </a:effectLst>
+        </p:spPr>
+        <p:style>
+          <a:lnRef idx="2">
+            <a:schemeClr val="accent1">
+              <a:shade val="50000"/>
+            </a:schemeClr>
+          </a:lnRef>
+          <a:fillRef idx="1">
+            <a:schemeClr val="accent1"/>
+          </a:fillRef>
+          <a:effectRef idx="0">
+            <a:schemeClr val="accent1"/>
+          </a:effectRef>
+          <a:fontRef idx="minor">
+            <a:schemeClr val="lt1"/>
+          </a:fontRef>
+        </p:style>
+        <p:txBody>
+          <a:bodyPr rtlCol="0" anchor="ctr"/>
+          <a:lstStyle/>
+          <a:p>
+            <a:pPr algn="ctr"/>
+            <a:endParaRPr lang="en-US"/>
+          </a:p>
+        </p:txBody>
+      </p:sp>
+      <p:sp>
+        <p:nvSpPr>
+          <p:cNvPr id="34" name="Rounded Rectangle 33"/>
+          <p:cNvSpPr/>
+          <p:nvPr/>
+        </p:nvSpPr>
+        <p:spPr>
+          <a:xfrm>
+            <a:off x="2895600" y="5878657"/>
+            <a:ext cx="1676400" cy="398317"/>
+          </a:xfrm>
+          <a:prstGeom prst="roundRect">
+            <a:avLst/>
+          </a:prstGeom>
+          <a:solidFill>
+            <a:schemeClr val="bg1">
+              <a:lumMod val="75000"/>
+            </a:schemeClr>
+          </a:solidFill>
+          <a:ln>
+            <a:solidFill>
+              <a:srgbClr val="00B0F0"/>
+            </a:solidFill>
+          </a:ln>
+        </p:spPr>
+        <p:style>
+          <a:lnRef idx="2">
+            <a:schemeClr val="accent1">
+              <a:shade val="50000"/>
+            </a:schemeClr>
+          </a:lnRef>
+          <a:fillRef idx="1">
+            <a:schemeClr val="accent1"/>
+          </a:fillRef>
+          <a:effectRef idx="0">
+            <a:schemeClr val="accent1"/>
+          </a:effectRef>
+          <a:fontRef idx="minor">
+            <a:schemeClr val="lt1"/>
+          </a:fontRef>
+        </p:style>
+        <p:txBody>
+          <a:bodyPr rtlCol="0" anchor="ctr"/>
+          <a:lstStyle/>
+          <a:p>
+            <a:pPr algn="ctr"/>
+            <a:r>
+              <a:rPr lang="en-US" dirty="0" smtClean="0">
+                <a:latin typeface="Agency FB" pitchFamily="34" charset="0"/>
+              </a:rPr>
+              <a:t>Add </a:t>
+            </a:r>
+            <a:r>
+              <a:rPr lang="en-US" dirty="0" smtClean="0">
+                <a:latin typeface="Agency FB" pitchFamily="34" charset="0"/>
+              </a:rPr>
+              <a:t>Assignment</a:t>
+            </a:r>
+            <a:endParaRPr lang="en-US" dirty="0">
+              <a:latin typeface="Agency FB" pitchFamily="34" charset="0"/>
+            </a:endParaRPr>
+          </a:p>
+        </p:txBody>
+      </p:sp>
+      <p:sp>
+        <p:nvSpPr>
+          <p:cNvPr id="35" name="Rounded Rectangle 34"/>
+          <p:cNvSpPr/>
+          <p:nvPr/>
+        </p:nvSpPr>
+        <p:spPr>
+          <a:xfrm>
+            <a:off x="6854536" y="5878657"/>
+            <a:ext cx="1676400" cy="398317"/>
+          </a:xfrm>
+          <a:prstGeom prst="roundRect">
+            <a:avLst/>
+          </a:prstGeom>
+          <a:solidFill>
+            <a:schemeClr val="bg1">
+              <a:lumMod val="75000"/>
+            </a:schemeClr>
+          </a:solidFill>
+          <a:ln>
+            <a:solidFill>
+              <a:srgbClr val="00B0F0"/>
+            </a:solidFill>
+          </a:ln>
+        </p:spPr>
+        <p:style>
+          <a:lnRef idx="2">
+            <a:schemeClr val="accent1">
+              <a:shade val="50000"/>
+            </a:schemeClr>
+          </a:lnRef>
+          <a:fillRef idx="1">
+            <a:schemeClr val="accent1"/>
+          </a:fillRef>
+          <a:effectRef idx="0">
+            <a:schemeClr val="accent1"/>
+          </a:effectRef>
+          <a:fontRef idx="minor">
+            <a:schemeClr val="lt1"/>
+          </a:fontRef>
+        </p:style>
+        <p:txBody>
+          <a:bodyPr rtlCol="0" anchor="ctr"/>
+          <a:lstStyle/>
+          <a:p>
+            <a:pPr algn="ctr"/>
+            <a:r>
+              <a:rPr lang="en-US" dirty="0" smtClean="0">
+                <a:latin typeface="Agency FB" pitchFamily="34" charset="0"/>
+              </a:rPr>
+              <a:t>Delete </a:t>
+            </a:r>
+            <a:r>
+              <a:rPr lang="en-US" dirty="0" smtClean="0">
+                <a:latin typeface="Agency FB" pitchFamily="34" charset="0"/>
+              </a:rPr>
+              <a:t>Assignment</a:t>
+            </a:r>
+            <a:endParaRPr lang="en-US" dirty="0">
+              <a:latin typeface="Agency FB" pitchFamily="34" charset="0"/>
+            </a:endParaRPr>
+          </a:p>
+        </p:txBody>
+      </p:sp>
+      <p:sp>
+        <p:nvSpPr>
+          <p:cNvPr id="36" name="Rounded Rectangle 35"/>
+          <p:cNvSpPr/>
+          <p:nvPr/>
+        </p:nvSpPr>
+        <p:spPr>
+          <a:xfrm>
+            <a:off x="2583873" y="1143000"/>
+            <a:ext cx="5947063" cy="381000"/>
+          </a:xfrm>
+          <a:prstGeom prst="roundRect">
+            <a:avLst/>
+          </a:prstGeom>
+          <a:ln>
+            <a:solidFill>
+              <a:srgbClr val="00B0F0"/>
+            </a:solidFill>
+          </a:ln>
+        </p:spPr>
+        <p:style>
+          <a:lnRef idx="2">
+            <a:schemeClr val="accent5"/>
+          </a:lnRef>
+          <a:fillRef idx="1">
+            <a:schemeClr val="lt1"/>
+          </a:fillRef>
+          <a:effectRef idx="0">
+            <a:schemeClr val="accent5"/>
+          </a:effectRef>
+          <a:fontRef idx="minor">
+            <a:schemeClr val="dk1"/>
+          </a:fontRef>
+        </p:style>
+        <p:txBody>
+          <a:bodyPr rtlCol="0" anchor="ctr"/>
+          <a:lstStyle/>
+          <a:p>
+            <a:pPr algn="ctr"/>
+            <a:r>
+              <a:rPr lang="en-US" sz="2000" dirty="0" smtClean="0">
+                <a:latin typeface="Agency FB" pitchFamily="34" charset="0"/>
+              </a:rPr>
+              <a:t>Search </a:t>
+            </a:r>
+            <a:r>
+              <a:rPr lang="en-US" sz="2000" dirty="0" smtClean="0">
+                <a:latin typeface="Agency FB" pitchFamily="34" charset="0"/>
+              </a:rPr>
+              <a:t>Assignment</a:t>
+            </a:r>
+            <a:endParaRPr lang="en-US" sz="2000" dirty="0">
+              <a:latin typeface="Agency FB" pitchFamily="34" charset="0"/>
+            </a:endParaRPr>
+          </a:p>
+        </p:txBody>
+      </p:sp>
+      <p:sp>
+        <p:nvSpPr>
+          <p:cNvPr id="37" name="Rounded Rectangle 36"/>
+          <p:cNvSpPr/>
+          <p:nvPr/>
+        </p:nvSpPr>
+        <p:spPr>
+          <a:xfrm>
+            <a:off x="168729" y="4880266"/>
+            <a:ext cx="1905000" cy="398317"/>
+          </a:xfrm>
+          <a:prstGeom prst="roundRect">
+            <a:avLst/>
+          </a:prstGeom>
+          <a:solidFill>
+            <a:schemeClr val="bg1">
+              <a:lumMod val="75000"/>
+            </a:schemeClr>
+          </a:solidFill>
+          <a:ln>
+            <a:solidFill>
+              <a:srgbClr val="00B0F0"/>
+            </a:solidFill>
+          </a:ln>
+        </p:spPr>
+        <p:style>
+          <a:lnRef idx="2">
+            <a:schemeClr val="accent1">
+              <a:shade val="50000"/>
+            </a:schemeClr>
+          </a:lnRef>
+          <a:fillRef idx="1">
+            <a:schemeClr val="accent1"/>
+          </a:fillRef>
+          <a:effectRef idx="0">
+            <a:schemeClr val="accent1"/>
+          </a:effectRef>
+          <a:fontRef idx="minor">
+            <a:schemeClr val="lt1"/>
+          </a:fontRef>
+        </p:style>
+        <p:txBody>
+          <a:bodyPr rtlCol="0" anchor="ctr"/>
+          <a:lstStyle/>
+          <a:p>
+            <a:pPr algn="ctr"/>
+            <a:r>
+              <a:rPr lang="en-US" dirty="0" smtClean="0">
+                <a:latin typeface="Agency FB" pitchFamily="34" charset="0"/>
+              </a:rPr>
+              <a:t>Add </a:t>
+            </a:r>
+            <a:r>
+              <a:rPr lang="en-US" dirty="0" smtClean="0">
+                <a:latin typeface="Agency FB" pitchFamily="34" charset="0"/>
+              </a:rPr>
+              <a:t>Student</a:t>
+            </a:r>
+            <a:endParaRPr lang="en-US" dirty="0">
+              <a:latin typeface="Agency FB" pitchFamily="34" charset="0"/>
+            </a:endParaRPr>
+          </a:p>
+        </p:txBody>
+      </p:sp>
+      <p:sp>
+        <p:nvSpPr>
+          <p:cNvPr id="38" name="Rounded Rectangle 37"/>
+          <p:cNvSpPr/>
+          <p:nvPr/>
+        </p:nvSpPr>
+        <p:spPr>
+          <a:xfrm>
+            <a:off x="168729" y="5921956"/>
+            <a:ext cx="1905000" cy="398317"/>
+          </a:xfrm>
+          <a:prstGeom prst="roundRect">
+            <a:avLst/>
+          </a:prstGeom>
+          <a:solidFill>
+            <a:schemeClr val="bg1">
+              <a:lumMod val="75000"/>
+            </a:schemeClr>
+          </a:solidFill>
+          <a:ln>
+            <a:solidFill>
+              <a:srgbClr val="00B0F0"/>
+            </a:solidFill>
+          </a:ln>
+        </p:spPr>
+        <p:style>
+          <a:lnRef idx="2">
+            <a:schemeClr val="accent1">
+              <a:shade val="50000"/>
+            </a:schemeClr>
+          </a:lnRef>
+          <a:fillRef idx="1">
+            <a:schemeClr val="accent1"/>
+          </a:fillRef>
+          <a:effectRef idx="0">
+            <a:schemeClr val="accent1"/>
+          </a:effectRef>
+          <a:fontRef idx="minor">
+            <a:schemeClr val="lt1"/>
+          </a:fontRef>
+        </p:style>
+        <p:txBody>
+          <a:bodyPr rtlCol="0" anchor="ctr"/>
+          <a:lstStyle/>
+          <a:p>
+            <a:pPr algn="ctr"/>
+            <a:r>
+              <a:rPr lang="en-US" dirty="0" smtClean="0">
+                <a:latin typeface="Agency FB" pitchFamily="34" charset="0"/>
+              </a:rPr>
+              <a:t>Delete </a:t>
+            </a:r>
+            <a:r>
+              <a:rPr lang="en-US" dirty="0" smtClean="0">
+                <a:latin typeface="Agency FB" pitchFamily="34" charset="0"/>
+              </a:rPr>
+              <a:t>Student</a:t>
+            </a:r>
+            <a:endParaRPr lang="en-US" dirty="0">
+              <a:latin typeface="Agency FB" pitchFamily="34" charset="0"/>
+            </a:endParaRPr>
+          </a:p>
+        </p:txBody>
+      </p:sp>
+      <p:sp>
+        <p:nvSpPr>
+          <p:cNvPr id="39" name="Rectangle 38"/>
+          <p:cNvSpPr/>
+          <p:nvPr/>
+        </p:nvSpPr>
+        <p:spPr>
+          <a:xfrm>
+            <a:off x="2057400" y="1447800"/>
+            <a:ext cx="228600" cy="2971800"/>
+          </a:xfrm>
+          <a:prstGeom prst="rect">
+            <a:avLst/>
+          </a:prstGeom>
+          <a:solidFill>
+            <a:schemeClr val="bg1"/>
+          </a:solidFill>
+          <a:ln>
+            <a:solidFill>
+              <a:schemeClr val="bg1">
+                <a:lumMod val="95000"/>
+              </a:schemeClr>
+            </a:solidFill>
+          </a:ln>
+        </p:spPr>
+        <p:style>
+          <a:lnRef idx="2">
+            <a:schemeClr val="accent1">
+              <a:shade val="50000"/>
+            </a:schemeClr>
+          </a:lnRef>
+          <a:fillRef idx="1">
+            <a:schemeClr val="accent1"/>
+          </a:fillRef>
+          <a:effectRef idx="0">
+            <a:schemeClr val="accent1"/>
+          </a:effectRef>
+          <a:fontRef idx="minor">
+            <a:schemeClr val="lt1"/>
+          </a:fontRef>
+        </p:style>
+        <p:txBody>
+          <a:bodyPr rtlCol="0" anchor="ctr"/>
+          <a:lstStyle/>
+          <a:p>
+            <a:pPr algn="ctr"/>
+            <a:endParaRPr lang="en-US"/>
+          </a:p>
+        </p:txBody>
+      </p:sp>
+      <p:sp>
+        <p:nvSpPr>
+          <p:cNvPr id="40" name="Rectangle 39"/>
+          <p:cNvSpPr/>
+          <p:nvPr/>
+        </p:nvSpPr>
+        <p:spPr>
+          <a:xfrm>
+            <a:off x="2073729" y="1447800"/>
+            <a:ext cx="212271" cy="1006187"/>
+          </a:xfrm>
+          <a:prstGeom prst="rect">
+            <a:avLst/>
+          </a:prstGeom>
+          <a:solidFill>
+            <a:schemeClr val="bg1">
+              <a:lumMod val="85000"/>
+            </a:schemeClr>
+          </a:solidFill>
+          <a:ln>
+            <a:solidFill>
+              <a:schemeClr val="bg2"/>
+            </a:solidFill>
+          </a:ln>
+        </p:spPr>
+        <p:style>
+          <a:lnRef idx="2">
+            <a:schemeClr val="accent1">
+              <a:shade val="50000"/>
+            </a:schemeClr>
+          </a:lnRef>
+          <a:fillRef idx="1">
+            <a:schemeClr val="accent1"/>
+          </a:fillRef>
+          <a:effectRef idx="0">
+            <a:schemeClr val="accent1"/>
+          </a:effectRef>
+          <a:fontRef idx="minor">
+            <a:schemeClr val="lt1"/>
+          </a:fontRef>
+        </p:style>
+        <p:txBody>
+          <a:bodyPr rtlCol="0" anchor="ctr"/>
+          <a:lstStyle/>
+          <a:p>
+            <a:pPr algn="ctr"/>
+            <a:endParaRPr lang="en-US">
+              <a:solidFill>
+                <a:schemeClr val="bg1">
+                  <a:lumMod val="65000"/>
+                </a:schemeClr>
+              </a:solidFill>
+            </a:endParaRPr>
+          </a:p>
+        </p:txBody>
+      </p:sp>
+      <p:sp>
+        <p:nvSpPr>
+          <p:cNvPr id="41" name="TextBox 40"/>
+          <p:cNvSpPr txBox="1"/>
+          <p:nvPr/>
+        </p:nvSpPr>
+        <p:spPr>
+          <a:xfrm>
+            <a:off x="189511" y="104745"/>
+            <a:ext cx="1863436" cy="400110"/>
+          </a:xfrm>
+          <a:prstGeom prst="rect">
+            <a:avLst/>
+          </a:prstGeom>
+          <a:noFill/>
+        </p:spPr>
+        <p:txBody>
+          <a:bodyPr wrap="square" rtlCol="0">
+            <a:spAutoFit/>
+          </a:bodyPr>
+          <a:lstStyle/>
+          <a:p>
+            <a:r>
+              <a:rPr lang="en-US" sz="2000" dirty="0" smtClean="0">
+                <a:solidFill>
+                  <a:schemeClr val="bg1"/>
+                </a:solidFill>
+                <a:latin typeface="Agency FB" pitchFamily="34" charset="0"/>
+              </a:rPr>
+              <a:t>Sign Out </a:t>
+            </a:r>
+            <a:endParaRPr lang="en-US" sz="2000" dirty="0">
+              <a:solidFill>
+                <a:schemeClr val="bg1"/>
+              </a:solidFill>
+              <a:latin typeface="Agency FB" pitchFamily="34" charset="0"/>
+            </a:endParaRPr>
+          </a:p>
+        </p:txBody>
+      </p:sp>
+      <p:sp>
+        <p:nvSpPr>
+          <p:cNvPr id="42" name="Rounded Rectangle 41"/>
+          <p:cNvSpPr/>
+          <p:nvPr/>
+        </p:nvSpPr>
+        <p:spPr>
+          <a:xfrm>
+            <a:off x="5943600" y="1798493"/>
+            <a:ext cx="1659082" cy="304800"/>
+          </a:xfrm>
+          <a:prstGeom prst="roundRect">
+            <a:avLst/>
+          </a:prstGeom>
+          <a:solidFill>
+            <a:schemeClr val="bg1"/>
+          </a:solidFill>
+          <a:ln>
+            <a:solidFill>
+              <a:srgbClr val="00B0F0"/>
+            </a:solidFill>
+          </a:ln>
+        </p:spPr>
+        <p:style>
+          <a:lnRef idx="2">
+            <a:schemeClr val="accent1">
+              <a:shade val="50000"/>
+            </a:schemeClr>
+          </a:lnRef>
+          <a:fillRef idx="1">
+            <a:schemeClr val="accent1"/>
+          </a:fillRef>
+          <a:effectRef idx="0">
+            <a:schemeClr val="accent1"/>
+          </a:effectRef>
+          <a:fontRef idx="minor">
+            <a:schemeClr val="lt1"/>
+          </a:fontRef>
+        </p:style>
+        <p:txBody>
+          <a:bodyPr rtlCol="0" anchor="ctr"/>
+          <a:lstStyle/>
+          <a:p>
+            <a:pPr algn="ctr"/>
+            <a:r>
+              <a:rPr lang="en-US" dirty="0" smtClean="0">
+                <a:solidFill>
+                  <a:schemeClr val="bg1">
+                    <a:lumMod val="65000"/>
+                  </a:schemeClr>
+                </a:solidFill>
+                <a:latin typeface="Agency FB" pitchFamily="34" charset="0"/>
+              </a:rPr>
+              <a:t>Assignment Grade</a:t>
+            </a:r>
+            <a:endParaRPr lang="en-US" dirty="0">
+              <a:solidFill>
+                <a:schemeClr val="bg1">
+                  <a:lumMod val="65000"/>
+                </a:schemeClr>
+              </a:solidFill>
+              <a:latin typeface="Agency FB" pitchFamily="34" charset="0"/>
+            </a:endParaRPr>
+          </a:p>
+        </p:txBody>
+      </p:sp>
+      <p:sp>
+        <p:nvSpPr>
+          <p:cNvPr id="43" name="Rounded Rectangle 42"/>
+          <p:cNvSpPr/>
+          <p:nvPr/>
+        </p:nvSpPr>
+        <p:spPr>
+          <a:xfrm>
+            <a:off x="5943600" y="2542887"/>
+            <a:ext cx="1659082" cy="304800"/>
+          </a:xfrm>
+          <a:prstGeom prst="roundRect">
+            <a:avLst/>
+          </a:prstGeom>
+          <a:solidFill>
+            <a:schemeClr val="bg1"/>
+          </a:solidFill>
+          <a:ln>
+            <a:solidFill>
+              <a:srgbClr val="00B0F0"/>
+            </a:solidFill>
+          </a:ln>
+        </p:spPr>
+        <p:style>
+          <a:lnRef idx="2">
+            <a:schemeClr val="accent1">
+              <a:shade val="50000"/>
+            </a:schemeClr>
+          </a:lnRef>
+          <a:fillRef idx="1">
+            <a:schemeClr val="accent1"/>
+          </a:fillRef>
+          <a:effectRef idx="0">
+            <a:schemeClr val="accent1"/>
+          </a:effectRef>
+          <a:fontRef idx="minor">
+            <a:schemeClr val="lt1"/>
+          </a:fontRef>
+        </p:style>
+        <p:txBody>
+          <a:bodyPr rtlCol="0" anchor="ctr"/>
+          <a:lstStyle/>
+          <a:p>
+            <a:pPr algn="ctr"/>
+            <a:r>
+              <a:rPr lang="en-US" dirty="0">
+                <a:solidFill>
+                  <a:schemeClr val="bg1">
+                    <a:lumMod val="65000"/>
+                  </a:schemeClr>
+                </a:solidFill>
+                <a:latin typeface="Agency FB" pitchFamily="34" charset="0"/>
+              </a:rPr>
+              <a:t>Assignment Grade</a:t>
+            </a:r>
+            <a:endParaRPr lang="en-US" dirty="0">
+              <a:solidFill>
+                <a:schemeClr val="bg1">
+                  <a:lumMod val="65000"/>
+                </a:schemeClr>
+              </a:solidFill>
+              <a:latin typeface="Agency FB" pitchFamily="34" charset="0"/>
+            </a:endParaRPr>
+          </a:p>
+        </p:txBody>
+      </p:sp>
+      <p:sp>
+        <p:nvSpPr>
+          <p:cNvPr id="44" name="Rounded Rectangle 43"/>
+          <p:cNvSpPr/>
+          <p:nvPr/>
+        </p:nvSpPr>
+        <p:spPr>
+          <a:xfrm>
+            <a:off x="5943600" y="3271404"/>
+            <a:ext cx="1659082" cy="304800"/>
+          </a:xfrm>
+          <a:prstGeom prst="roundRect">
+            <a:avLst/>
+          </a:prstGeom>
+          <a:solidFill>
+            <a:schemeClr val="bg1"/>
+          </a:solidFill>
+          <a:ln>
+            <a:solidFill>
+              <a:srgbClr val="00B0F0"/>
+            </a:solidFill>
+          </a:ln>
+        </p:spPr>
+        <p:style>
+          <a:lnRef idx="2">
+            <a:schemeClr val="accent1">
+              <a:shade val="50000"/>
+            </a:schemeClr>
+          </a:lnRef>
+          <a:fillRef idx="1">
+            <a:schemeClr val="accent1"/>
+          </a:fillRef>
+          <a:effectRef idx="0">
+            <a:schemeClr val="accent1"/>
+          </a:effectRef>
+          <a:fontRef idx="minor">
+            <a:schemeClr val="lt1"/>
+          </a:fontRef>
+        </p:style>
+        <p:txBody>
+          <a:bodyPr rtlCol="0" anchor="ctr"/>
+          <a:lstStyle/>
+          <a:p>
+            <a:pPr algn="ctr"/>
+            <a:r>
+              <a:rPr lang="en-US" dirty="0">
+                <a:solidFill>
+                  <a:schemeClr val="bg1">
+                    <a:lumMod val="65000"/>
+                  </a:schemeClr>
+                </a:solidFill>
+                <a:latin typeface="Agency FB" pitchFamily="34" charset="0"/>
+              </a:rPr>
+              <a:t>Assignment Grade</a:t>
+            </a:r>
+            <a:endParaRPr lang="en-US" dirty="0">
+              <a:solidFill>
+                <a:schemeClr val="bg1">
+                  <a:lumMod val="65000"/>
+                </a:schemeClr>
+              </a:solidFill>
+              <a:latin typeface="Agency FB" pitchFamily="34" charset="0"/>
+            </a:endParaRPr>
+          </a:p>
+        </p:txBody>
+      </p:sp>
+      <p:sp>
+        <p:nvSpPr>
+          <p:cNvPr id="45" name="Rounded Rectangle 44"/>
+          <p:cNvSpPr/>
+          <p:nvPr/>
+        </p:nvSpPr>
+        <p:spPr>
+          <a:xfrm>
+            <a:off x="5943600" y="4007180"/>
+            <a:ext cx="1659082" cy="304800"/>
+          </a:xfrm>
+          <a:prstGeom prst="roundRect">
+            <a:avLst/>
+          </a:prstGeom>
+          <a:solidFill>
+            <a:schemeClr val="bg1"/>
+          </a:solidFill>
+          <a:ln>
+            <a:solidFill>
+              <a:srgbClr val="00B0F0"/>
+            </a:solidFill>
+          </a:ln>
+        </p:spPr>
+        <p:style>
+          <a:lnRef idx="2">
+            <a:schemeClr val="accent1">
+              <a:shade val="50000"/>
+            </a:schemeClr>
+          </a:lnRef>
+          <a:fillRef idx="1">
+            <a:schemeClr val="accent1"/>
+          </a:fillRef>
+          <a:effectRef idx="0">
+            <a:schemeClr val="accent1"/>
+          </a:effectRef>
+          <a:fontRef idx="minor">
+            <a:schemeClr val="lt1"/>
+          </a:fontRef>
+        </p:style>
+        <p:txBody>
+          <a:bodyPr rtlCol="0" anchor="ctr"/>
+          <a:lstStyle/>
+          <a:p>
+            <a:pPr algn="ctr"/>
+            <a:r>
+              <a:rPr lang="en-US" dirty="0">
+                <a:solidFill>
+                  <a:schemeClr val="bg1">
+                    <a:lumMod val="65000"/>
+                  </a:schemeClr>
+                </a:solidFill>
+                <a:latin typeface="Agency FB" pitchFamily="34" charset="0"/>
+              </a:rPr>
+              <a:t>Assignment Grade</a:t>
+            </a:r>
+            <a:endParaRPr lang="en-US" dirty="0">
+              <a:solidFill>
+                <a:schemeClr val="bg1">
+                  <a:lumMod val="65000"/>
+                </a:schemeClr>
+              </a:solidFill>
+              <a:latin typeface="Agency FB" pitchFamily="34" charset="0"/>
+            </a:endParaRPr>
+          </a:p>
+        </p:txBody>
+      </p:sp>
+      <p:sp>
+        <p:nvSpPr>
+          <p:cNvPr id="46" name="Rounded Rectangle 45"/>
+          <p:cNvSpPr/>
+          <p:nvPr/>
+        </p:nvSpPr>
+        <p:spPr>
+          <a:xfrm>
+            <a:off x="5943600" y="4707082"/>
+            <a:ext cx="1659082" cy="304800"/>
+          </a:xfrm>
+          <a:prstGeom prst="roundRect">
+            <a:avLst/>
+          </a:prstGeom>
+          <a:solidFill>
+            <a:schemeClr val="bg1"/>
+          </a:solidFill>
+          <a:ln>
+            <a:solidFill>
+              <a:srgbClr val="00B0F0"/>
+            </a:solidFill>
+          </a:ln>
+        </p:spPr>
+        <p:style>
+          <a:lnRef idx="2">
+            <a:schemeClr val="accent1">
+              <a:shade val="50000"/>
+            </a:schemeClr>
+          </a:lnRef>
+          <a:fillRef idx="1">
+            <a:schemeClr val="accent1"/>
+          </a:fillRef>
+          <a:effectRef idx="0">
+            <a:schemeClr val="accent1"/>
+          </a:effectRef>
+          <a:fontRef idx="minor">
+            <a:schemeClr val="lt1"/>
+          </a:fontRef>
+        </p:style>
+        <p:txBody>
+          <a:bodyPr rtlCol="0" anchor="ctr"/>
+          <a:lstStyle/>
+          <a:p>
+            <a:pPr algn="ctr"/>
+            <a:r>
+              <a:rPr lang="en-US" dirty="0">
+                <a:solidFill>
+                  <a:schemeClr val="bg1">
+                    <a:lumMod val="65000"/>
+                  </a:schemeClr>
+                </a:solidFill>
+                <a:latin typeface="Agency FB" pitchFamily="34" charset="0"/>
+              </a:rPr>
+              <a:t>Assignment Grade</a:t>
+            </a:r>
+            <a:endParaRPr lang="en-US" dirty="0">
+              <a:solidFill>
+                <a:schemeClr val="bg1">
+                  <a:lumMod val="65000"/>
+                </a:schemeClr>
+              </a:solidFill>
+              <a:latin typeface="Agency FB" pitchFamily="34" charset="0"/>
+            </a:endParaRPr>
+          </a:p>
+        </p:txBody>
+      </p:sp>
+      <p:sp>
+        <p:nvSpPr>
+          <p:cNvPr id="47" name="Rounded Rectangle 46"/>
+          <p:cNvSpPr/>
+          <p:nvPr/>
+        </p:nvSpPr>
+        <p:spPr>
+          <a:xfrm>
+            <a:off x="7692736" y="1804121"/>
+            <a:ext cx="703118" cy="293543"/>
+          </a:xfrm>
+          <a:prstGeom prst="roundRect">
+            <a:avLst/>
+          </a:prstGeom>
+          <a:solidFill>
+            <a:schemeClr val="bg1"/>
+          </a:solidFill>
+          <a:ln>
+            <a:solidFill>
+              <a:srgbClr val="00B0F0"/>
+            </a:solidFill>
+          </a:ln>
+        </p:spPr>
+        <p:style>
+          <a:lnRef idx="2">
+            <a:schemeClr val="accent1">
+              <a:shade val="50000"/>
+            </a:schemeClr>
+          </a:lnRef>
+          <a:fillRef idx="1">
+            <a:schemeClr val="accent1"/>
+          </a:fillRef>
+          <a:effectRef idx="0">
+            <a:schemeClr val="accent1"/>
+          </a:effectRef>
+          <a:fontRef idx="minor">
+            <a:schemeClr val="lt1"/>
+          </a:fontRef>
+        </p:style>
+        <p:txBody>
+          <a:bodyPr rtlCol="0" anchor="ctr"/>
+          <a:lstStyle/>
+          <a:p>
+            <a:pPr algn="ctr"/>
+            <a:r>
+              <a:rPr lang="en-US" dirty="0" smtClean="0">
+                <a:solidFill>
+                  <a:schemeClr val="bg1">
+                    <a:lumMod val="65000"/>
+                  </a:schemeClr>
+                </a:solidFill>
+                <a:latin typeface="Agency FB" pitchFamily="34" charset="0"/>
+              </a:rPr>
+              <a:t>100</a:t>
+            </a:r>
+            <a:endParaRPr lang="en-US" dirty="0">
+              <a:solidFill>
+                <a:schemeClr val="bg1">
+                  <a:lumMod val="65000"/>
+                </a:schemeClr>
+              </a:solidFill>
+              <a:latin typeface="Agency FB" pitchFamily="34" charset="0"/>
+            </a:endParaRPr>
+          </a:p>
+        </p:txBody>
+      </p:sp>
+      <p:sp>
+        <p:nvSpPr>
+          <p:cNvPr id="51" name="Rounded Rectangle 50"/>
+          <p:cNvSpPr/>
+          <p:nvPr/>
+        </p:nvSpPr>
+        <p:spPr>
+          <a:xfrm>
+            <a:off x="7717228" y="2554144"/>
+            <a:ext cx="703118" cy="293543"/>
+          </a:xfrm>
+          <a:prstGeom prst="roundRect">
+            <a:avLst/>
+          </a:prstGeom>
+          <a:solidFill>
+            <a:schemeClr val="bg1"/>
+          </a:solidFill>
+          <a:ln>
+            <a:solidFill>
+              <a:srgbClr val="00B0F0"/>
+            </a:solidFill>
+          </a:ln>
+        </p:spPr>
+        <p:style>
+          <a:lnRef idx="2">
+            <a:schemeClr val="accent1">
+              <a:shade val="50000"/>
+            </a:schemeClr>
+          </a:lnRef>
+          <a:fillRef idx="1">
+            <a:schemeClr val="accent1"/>
+          </a:fillRef>
+          <a:effectRef idx="0">
+            <a:schemeClr val="accent1"/>
+          </a:effectRef>
+          <a:fontRef idx="minor">
+            <a:schemeClr val="lt1"/>
+          </a:fontRef>
+        </p:style>
+        <p:txBody>
+          <a:bodyPr rtlCol="0" anchor="ctr"/>
+          <a:lstStyle/>
+          <a:p>
+            <a:pPr algn="ctr"/>
+            <a:r>
+              <a:rPr lang="en-US" dirty="0" smtClean="0">
+                <a:solidFill>
+                  <a:schemeClr val="bg1">
+                    <a:lumMod val="65000"/>
+                  </a:schemeClr>
+                </a:solidFill>
+                <a:latin typeface="Agency FB" pitchFamily="34" charset="0"/>
+              </a:rPr>
+              <a:t>98</a:t>
+            </a:r>
+            <a:endParaRPr lang="en-US" dirty="0">
+              <a:solidFill>
+                <a:schemeClr val="bg1">
+                  <a:lumMod val="65000"/>
+                </a:schemeClr>
+              </a:solidFill>
+              <a:latin typeface="Agency FB" pitchFamily="34" charset="0"/>
+            </a:endParaRPr>
+          </a:p>
+        </p:txBody>
+      </p:sp>
+      <p:sp>
+        <p:nvSpPr>
+          <p:cNvPr id="52" name="Rounded Rectangle 51"/>
+          <p:cNvSpPr/>
+          <p:nvPr/>
+        </p:nvSpPr>
+        <p:spPr>
+          <a:xfrm>
+            <a:off x="7699333" y="3271404"/>
+            <a:ext cx="703118" cy="293543"/>
+          </a:xfrm>
+          <a:prstGeom prst="roundRect">
+            <a:avLst/>
+          </a:prstGeom>
+          <a:solidFill>
+            <a:schemeClr val="bg1"/>
+          </a:solidFill>
+          <a:ln>
+            <a:solidFill>
+              <a:srgbClr val="00B0F0"/>
+            </a:solidFill>
+          </a:ln>
+        </p:spPr>
+        <p:style>
+          <a:lnRef idx="2">
+            <a:schemeClr val="accent1">
+              <a:shade val="50000"/>
+            </a:schemeClr>
+          </a:lnRef>
+          <a:fillRef idx="1">
+            <a:schemeClr val="accent1"/>
+          </a:fillRef>
+          <a:effectRef idx="0">
+            <a:schemeClr val="accent1"/>
+          </a:effectRef>
+          <a:fontRef idx="minor">
+            <a:schemeClr val="lt1"/>
+          </a:fontRef>
+        </p:style>
+        <p:txBody>
+          <a:bodyPr rtlCol="0" anchor="ctr"/>
+          <a:lstStyle/>
+          <a:p>
+            <a:pPr algn="ctr"/>
+            <a:r>
+              <a:rPr lang="en-US" dirty="0" smtClean="0">
+                <a:solidFill>
+                  <a:schemeClr val="bg1">
+                    <a:lumMod val="65000"/>
+                  </a:schemeClr>
+                </a:solidFill>
+                <a:latin typeface="Agency FB" pitchFamily="34" charset="0"/>
+              </a:rPr>
+              <a:t>76</a:t>
+            </a:r>
+            <a:endParaRPr lang="en-US" dirty="0">
+              <a:solidFill>
+                <a:schemeClr val="bg1">
+                  <a:lumMod val="65000"/>
+                </a:schemeClr>
+              </a:solidFill>
+              <a:latin typeface="Agency FB" pitchFamily="34" charset="0"/>
+            </a:endParaRPr>
+          </a:p>
+        </p:txBody>
+      </p:sp>
+      <p:sp>
+        <p:nvSpPr>
+          <p:cNvPr id="53" name="Rounded Rectangle 52"/>
+          <p:cNvSpPr/>
+          <p:nvPr/>
+        </p:nvSpPr>
+        <p:spPr>
+          <a:xfrm>
+            <a:off x="7699333" y="4018437"/>
+            <a:ext cx="703118" cy="293543"/>
+          </a:xfrm>
+          <a:prstGeom prst="roundRect">
+            <a:avLst/>
+          </a:prstGeom>
+          <a:solidFill>
+            <a:schemeClr val="bg1"/>
+          </a:solidFill>
+          <a:ln>
+            <a:solidFill>
+              <a:srgbClr val="00B0F0"/>
+            </a:solidFill>
+          </a:ln>
+        </p:spPr>
+        <p:style>
+          <a:lnRef idx="2">
+            <a:schemeClr val="accent1">
+              <a:shade val="50000"/>
+            </a:schemeClr>
+          </a:lnRef>
+          <a:fillRef idx="1">
+            <a:schemeClr val="accent1"/>
+          </a:fillRef>
+          <a:effectRef idx="0">
+            <a:schemeClr val="accent1"/>
+          </a:effectRef>
+          <a:fontRef idx="minor">
+            <a:schemeClr val="lt1"/>
+          </a:fontRef>
+        </p:style>
+        <p:txBody>
+          <a:bodyPr rtlCol="0" anchor="ctr"/>
+          <a:lstStyle/>
+          <a:p>
+            <a:pPr algn="ctr"/>
+            <a:r>
+              <a:rPr lang="en-US" dirty="0" smtClean="0">
+                <a:solidFill>
+                  <a:schemeClr val="bg1">
+                    <a:lumMod val="65000"/>
+                  </a:schemeClr>
+                </a:solidFill>
+                <a:latin typeface="Agency FB" pitchFamily="34" charset="0"/>
+              </a:rPr>
+              <a:t>87</a:t>
+            </a:r>
+            <a:endParaRPr lang="en-US" dirty="0">
+              <a:solidFill>
+                <a:schemeClr val="bg1">
+                  <a:lumMod val="65000"/>
+                </a:schemeClr>
+              </a:solidFill>
+              <a:latin typeface="Agency FB" pitchFamily="34" charset="0"/>
+            </a:endParaRPr>
+          </a:p>
+        </p:txBody>
+      </p:sp>
+      <p:sp>
+        <p:nvSpPr>
+          <p:cNvPr id="54" name="Rounded Rectangle 53"/>
+          <p:cNvSpPr/>
+          <p:nvPr/>
+        </p:nvSpPr>
+        <p:spPr>
+          <a:xfrm>
+            <a:off x="7699333" y="4718339"/>
+            <a:ext cx="703118" cy="293543"/>
+          </a:xfrm>
+          <a:prstGeom prst="roundRect">
+            <a:avLst/>
+          </a:prstGeom>
+          <a:solidFill>
+            <a:schemeClr val="bg1"/>
+          </a:solidFill>
+          <a:ln>
+            <a:solidFill>
+              <a:srgbClr val="00B0F0"/>
+            </a:solidFill>
+          </a:ln>
+        </p:spPr>
+        <p:style>
+          <a:lnRef idx="2">
+            <a:schemeClr val="accent1">
+              <a:shade val="50000"/>
+            </a:schemeClr>
+          </a:lnRef>
+          <a:fillRef idx="1">
+            <a:schemeClr val="accent1"/>
+          </a:fillRef>
+          <a:effectRef idx="0">
+            <a:schemeClr val="accent1"/>
+          </a:effectRef>
+          <a:fontRef idx="minor">
+            <a:schemeClr val="lt1"/>
+          </a:fontRef>
+        </p:style>
+        <p:txBody>
+          <a:bodyPr rtlCol="0" anchor="ctr"/>
+          <a:lstStyle/>
+          <a:p>
+            <a:pPr algn="ctr"/>
+            <a:r>
+              <a:rPr lang="en-US" dirty="0" smtClean="0">
+                <a:solidFill>
+                  <a:schemeClr val="bg1">
+                    <a:lumMod val="65000"/>
+                  </a:schemeClr>
+                </a:solidFill>
+                <a:latin typeface="Agency FB" pitchFamily="34" charset="0"/>
+              </a:rPr>
+              <a:t>90</a:t>
+            </a:r>
+            <a:endParaRPr lang="en-US" dirty="0">
+              <a:solidFill>
+                <a:schemeClr val="bg1">
+                  <a:lumMod val="65000"/>
+                </a:schemeClr>
+              </a:solidFill>
+              <a:latin typeface="Agency FB" pitchFamily="34" charset="0"/>
+            </a:endParaRPr>
+          </a:p>
+        </p:txBody>
+      </p:sp>
+      <p:sp>
+        <p:nvSpPr>
+          <p:cNvPr id="55" name="Rounded Rectangle 54"/>
+          <p:cNvSpPr/>
+          <p:nvPr/>
+        </p:nvSpPr>
+        <p:spPr>
+          <a:xfrm>
+            <a:off x="168729" y="5412678"/>
+            <a:ext cx="1905000" cy="398317"/>
+          </a:xfrm>
+          <a:prstGeom prst="roundRect">
+            <a:avLst/>
+          </a:prstGeom>
+          <a:solidFill>
+            <a:schemeClr val="bg1">
+              <a:lumMod val="75000"/>
+            </a:schemeClr>
+          </a:solidFill>
+          <a:ln>
+            <a:solidFill>
+              <a:srgbClr val="00B0F0"/>
+            </a:solidFill>
+          </a:ln>
+        </p:spPr>
+        <p:style>
+          <a:lnRef idx="2">
+            <a:schemeClr val="accent1">
+              <a:shade val="50000"/>
+            </a:schemeClr>
+          </a:lnRef>
+          <a:fillRef idx="1">
+            <a:schemeClr val="accent1"/>
+          </a:fillRef>
+          <a:effectRef idx="0">
+            <a:schemeClr val="accent1"/>
+          </a:effectRef>
+          <a:fontRef idx="minor">
+            <a:schemeClr val="lt1"/>
+          </a:fontRef>
+        </p:style>
+        <p:txBody>
+          <a:bodyPr rtlCol="0" anchor="ctr"/>
+          <a:lstStyle/>
+          <a:p>
+            <a:pPr algn="ctr"/>
+            <a:r>
+              <a:rPr lang="en-US" dirty="0" smtClean="0">
+                <a:latin typeface="Agency FB" pitchFamily="34" charset="0"/>
+              </a:rPr>
+              <a:t>Edit </a:t>
+            </a:r>
+            <a:r>
+              <a:rPr lang="en-US" dirty="0" smtClean="0">
+                <a:latin typeface="Agency FB" pitchFamily="34" charset="0"/>
+              </a:rPr>
+              <a:t>Student</a:t>
+            </a:r>
+            <a:endParaRPr lang="en-US" dirty="0">
+              <a:latin typeface="Agency FB" pitchFamily="34" charset="0"/>
+            </a:endParaRPr>
+          </a:p>
+        </p:txBody>
+      </p:sp>
+      <p:sp>
+        <p:nvSpPr>
+          <p:cNvPr id="56" name="Rounded Rectangle 55"/>
+          <p:cNvSpPr/>
+          <p:nvPr/>
+        </p:nvSpPr>
+        <p:spPr>
+          <a:xfrm>
+            <a:off x="4876800" y="5878657"/>
+            <a:ext cx="1676400" cy="398317"/>
+          </a:xfrm>
+          <a:prstGeom prst="roundRect">
+            <a:avLst/>
+          </a:prstGeom>
+          <a:solidFill>
+            <a:schemeClr val="bg1">
+              <a:lumMod val="75000"/>
+            </a:schemeClr>
+          </a:solidFill>
+          <a:ln>
+            <a:solidFill>
+              <a:srgbClr val="00B0F0"/>
+            </a:solidFill>
+          </a:ln>
+        </p:spPr>
+        <p:style>
+          <a:lnRef idx="2">
+            <a:schemeClr val="accent1">
+              <a:shade val="50000"/>
+            </a:schemeClr>
+          </a:lnRef>
+          <a:fillRef idx="1">
+            <a:schemeClr val="accent1"/>
+          </a:fillRef>
+          <a:effectRef idx="0">
+            <a:schemeClr val="accent1"/>
+          </a:effectRef>
+          <a:fontRef idx="minor">
+            <a:schemeClr val="lt1"/>
+          </a:fontRef>
+        </p:style>
+        <p:txBody>
+          <a:bodyPr rtlCol="0" anchor="ctr"/>
+          <a:lstStyle/>
+          <a:p>
+            <a:pPr algn="ctr"/>
+            <a:r>
+              <a:rPr lang="en-US" dirty="0" smtClean="0">
+                <a:latin typeface="Agency FB" pitchFamily="34" charset="0"/>
+              </a:rPr>
+              <a:t>Edit </a:t>
+            </a:r>
+            <a:r>
+              <a:rPr lang="en-US" dirty="0" smtClean="0">
+                <a:latin typeface="Agency FB" pitchFamily="34" charset="0"/>
+              </a:rPr>
+              <a:t>Assignment</a:t>
+            </a:r>
+            <a:endParaRPr lang="en-US" dirty="0">
+              <a:latin typeface="Agency FB" pitchFamily="34" charset="0"/>
+            </a:endParaRPr>
+          </a:p>
+        </p:txBody>
+      </p:sp>
+      <p:sp>
+        <p:nvSpPr>
+          <p:cNvPr id="48" name="Rectangle 47"/>
+          <p:cNvSpPr/>
+          <p:nvPr/>
+        </p:nvSpPr>
+        <p:spPr>
+          <a:xfrm>
+            <a:off x="4670712" y="775855"/>
+            <a:ext cx="1752600" cy="304800"/>
+          </a:xfrm>
+          <a:prstGeom prst="rect">
+            <a:avLst/>
+          </a:prstGeom>
+          <a:solidFill>
+            <a:schemeClr val="bg1"/>
+          </a:solidFill>
+          <a:ln>
+            <a:solidFill>
+              <a:schemeClr val="bg1">
+                <a:lumMod val="85000"/>
+              </a:schemeClr>
+            </a:solidFill>
+          </a:ln>
+        </p:spPr>
+        <p:style>
+          <a:lnRef idx="2">
+            <a:schemeClr val="accent1">
+              <a:shade val="50000"/>
+            </a:schemeClr>
+          </a:lnRef>
+          <a:fillRef idx="1">
+            <a:schemeClr val="accent1"/>
+          </a:fillRef>
+          <a:effectRef idx="0">
+            <a:schemeClr val="accent1"/>
+          </a:effectRef>
+          <a:fontRef idx="minor">
+            <a:schemeClr val="lt1"/>
+          </a:fontRef>
+        </p:style>
+        <p:txBody>
+          <a:bodyPr rtlCol="0" anchor="ctr"/>
+          <a:lstStyle/>
+          <a:p>
+            <a:pPr algn="ctr"/>
+            <a:r>
+              <a:rPr lang="en-US" dirty="0" smtClean="0">
+                <a:solidFill>
+                  <a:schemeClr val="bg1">
+                    <a:lumMod val="65000"/>
+                  </a:schemeClr>
+                </a:solidFill>
+                <a:latin typeface="Agency FB" panose="020B0503020202020204" pitchFamily="34" charset="0"/>
+              </a:rPr>
+              <a:t>Student 1</a:t>
+            </a:r>
+            <a:endParaRPr lang="en-US" dirty="0">
+              <a:solidFill>
+                <a:schemeClr val="bg1">
+                  <a:lumMod val="65000"/>
+                </a:schemeClr>
+              </a:solidFill>
+              <a:latin typeface="Agency FB" panose="020B0503020202020204" pitchFamily="34" charset="0"/>
+            </a:endParaRPr>
+          </a:p>
+        </p:txBody>
+      </p:sp>
+    </p:spTree>
+    <p:extLst>
+      <p:ext uri="{BB962C8B-B14F-4D97-AF65-F5344CB8AC3E}">
+        <p14:creationId xmlns:p14="http://schemas.microsoft.com/office/powerpoint/2010/main" val="2098806110"/>
       </p:ext>
     </p:extLst>
   </p:cSld>

--- a/Assignments/Gradebook App PowerPont/Shane Hinzman/gradebook app.pptx
+++ b/Assignments/Gradebook App PowerPont/Shane Hinzman/gradebook app.pptx
@@ -3329,8 +3329,8 @@
         </p:nvSpPr>
         <p:spPr>
           <a:xfrm>
-            <a:off x="152400" y="990600"/>
-            <a:ext cx="1905000" cy="304800"/>
+            <a:off x="84364" y="1011382"/>
+            <a:ext cx="2087336" cy="304800"/>
           </a:xfrm>
           <a:prstGeom prst="roundRect">
             <a:avLst/>
@@ -3916,8 +3916,62 @@
                 </a:solidFill>
                 <a:latin typeface="Agency FB" pitchFamily="34" charset="0"/>
               </a:rPr>
-              <a:t>Student </a:t>
-            </a:r>
+              <a:t>Student 1	</a:t>
+            </a:r>
+            <a:endParaRPr lang="en-US" dirty="0">
+              <a:solidFill>
+                <a:schemeClr val="bg1">
+                  <a:lumMod val="65000"/>
+                </a:schemeClr>
+              </a:solidFill>
+              <a:latin typeface="Agency FB" pitchFamily="34" charset="0"/>
+            </a:endParaRPr>
+          </a:p>
+        </p:txBody>
+      </p:sp>
+      <p:sp>
+        <p:nvSpPr>
+          <p:cNvPr id="24" name="Rounded Rectangle 23"/>
+          <p:cNvSpPr/>
+          <p:nvPr/>
+        </p:nvSpPr>
+        <p:spPr>
+          <a:xfrm>
+            <a:off x="2583873" y="3099954"/>
+            <a:ext cx="5947063" cy="647700"/>
+          </a:xfrm>
+          <a:prstGeom prst="roundRect">
+            <a:avLst/>
+          </a:prstGeom>
+          <a:solidFill>
+            <a:schemeClr val="bg1"/>
+          </a:solidFill>
+          <a:ln>
+            <a:solidFill>
+              <a:schemeClr val="bg2"/>
+            </a:solidFill>
+          </a:ln>
+        </p:spPr>
+        <p:style>
+          <a:lnRef idx="2">
+            <a:schemeClr val="accent1">
+              <a:shade val="50000"/>
+            </a:schemeClr>
+          </a:lnRef>
+          <a:fillRef idx="1">
+            <a:schemeClr val="accent1"/>
+          </a:fillRef>
+          <a:effectRef idx="0">
+            <a:schemeClr val="accent1"/>
+          </a:effectRef>
+          <a:fontRef idx="minor">
+            <a:schemeClr val="lt1"/>
+          </a:fontRef>
+        </p:style>
+        <p:txBody>
+          <a:bodyPr rtlCol="0" anchor="ctr"/>
+          <a:lstStyle/>
+          <a:p>
             <a:r>
               <a:rPr lang="en-US" dirty="0" smtClean="0">
                 <a:solidFill>
@@ -3927,8 +3981,62 @@
                 </a:solidFill>
                 <a:latin typeface="Agency FB" pitchFamily="34" charset="0"/>
               </a:rPr>
-              <a:t>1</a:t>
-            </a:r>
+              <a:t>Student 3</a:t>
+            </a:r>
+            <a:endParaRPr lang="en-US" dirty="0">
+              <a:solidFill>
+                <a:schemeClr val="bg1">
+                  <a:lumMod val="65000"/>
+                </a:schemeClr>
+              </a:solidFill>
+              <a:latin typeface="Agency FB" pitchFamily="34" charset="0"/>
+            </a:endParaRPr>
+          </a:p>
+        </p:txBody>
+      </p:sp>
+      <p:sp>
+        <p:nvSpPr>
+          <p:cNvPr id="25" name="Rounded Rectangle 24"/>
+          <p:cNvSpPr/>
+          <p:nvPr/>
+        </p:nvSpPr>
+        <p:spPr>
+          <a:xfrm>
+            <a:off x="2576946" y="2370860"/>
+            <a:ext cx="5953990" cy="647700"/>
+          </a:xfrm>
+          <a:prstGeom prst="roundRect">
+            <a:avLst/>
+          </a:prstGeom>
+          <a:solidFill>
+            <a:schemeClr val="bg1"/>
+          </a:solidFill>
+          <a:ln>
+            <a:solidFill>
+              <a:schemeClr val="bg2"/>
+            </a:solidFill>
+          </a:ln>
+        </p:spPr>
+        <p:style>
+          <a:lnRef idx="2">
+            <a:schemeClr val="accent1">
+              <a:shade val="50000"/>
+            </a:schemeClr>
+          </a:lnRef>
+          <a:fillRef idx="1">
+            <a:schemeClr val="accent1"/>
+          </a:fillRef>
+          <a:effectRef idx="0">
+            <a:schemeClr val="accent1"/>
+          </a:effectRef>
+          <a:fontRef idx="minor">
+            <a:schemeClr val="lt1"/>
+          </a:fontRef>
+        </p:style>
+        <p:txBody>
+          <a:bodyPr rtlCol="0" anchor="ctr"/>
+          <a:lstStyle/>
+          <a:p>
             <a:r>
               <a:rPr lang="en-US" dirty="0" smtClean="0">
                 <a:solidFill>
@@ -3938,7 +4046,7 @@
                 </a:solidFill>
                 <a:latin typeface="Agency FB" pitchFamily="34" charset="0"/>
               </a:rPr>
-              <a:t>	</a:t>
+              <a:t>Student 2	</a:t>
             </a:r>
             <a:endParaRPr lang="en-US" dirty="0">
               <a:solidFill>
@@ -3953,14 +4061,14 @@
       </p:sp>
       <p:sp>
         <p:nvSpPr>
-          <p:cNvPr id="24" name="Rounded Rectangle 23"/>
+          <p:cNvPr id="26" name="Rounded Rectangle 25"/>
           <p:cNvSpPr/>
           <p:nvPr/>
         </p:nvSpPr>
         <p:spPr>
           <a:xfrm>
-            <a:off x="2583873" y="3099954"/>
-            <a:ext cx="5947063" cy="647700"/>
+            <a:off x="2570019" y="3803073"/>
+            <a:ext cx="5960917" cy="647700"/>
           </a:xfrm>
           <a:prstGeom prst="roundRect">
             <a:avLst/>
@@ -4003,8 +4111,110 @@
                 </a:solidFill>
                 <a:latin typeface="Agency FB" pitchFamily="34" charset="0"/>
               </a:rPr>
-              <a:t>Student </a:t>
-            </a:r>
+              <a:t>Student 4	</a:t>
+            </a:r>
+            <a:endParaRPr lang="en-US" dirty="0">
+              <a:solidFill>
+                <a:schemeClr val="bg1">
+                  <a:lumMod val="65000"/>
+                </a:schemeClr>
+              </a:solidFill>
+              <a:latin typeface="Agency FB" pitchFamily="34" charset="0"/>
+            </a:endParaRPr>
+          </a:p>
+        </p:txBody>
+      </p:sp>
+      <p:sp>
+        <p:nvSpPr>
+          <p:cNvPr id="27" name="Rectangle 26"/>
+          <p:cNvSpPr/>
+          <p:nvPr/>
+        </p:nvSpPr>
+        <p:spPr>
+          <a:xfrm>
+            <a:off x="8659091" y="1627042"/>
+            <a:ext cx="256309" cy="3975391"/>
+          </a:xfrm>
+          <a:prstGeom prst="rect">
+            <a:avLst/>
+          </a:prstGeom>
+          <a:solidFill>
+            <a:schemeClr val="bg1"/>
+          </a:solidFill>
+          <a:ln>
+            <a:solidFill>
+              <a:schemeClr val="bg2"/>
+            </a:solidFill>
+          </a:ln>
+        </p:spPr>
+        <p:style>
+          <a:lnRef idx="2">
+            <a:schemeClr val="accent1">
+              <a:shade val="50000"/>
+            </a:schemeClr>
+          </a:lnRef>
+          <a:fillRef idx="1">
+            <a:schemeClr val="accent1"/>
+          </a:fillRef>
+          <a:effectRef idx="0">
+            <a:schemeClr val="accent1"/>
+          </a:effectRef>
+          <a:fontRef idx="minor">
+            <a:schemeClr val="lt1"/>
+          </a:fontRef>
+        </p:style>
+        <p:txBody>
+          <a:bodyPr rtlCol="0" anchor="ctr"/>
+          <a:lstStyle/>
+          <a:p>
+            <a:pPr algn="ctr"/>
+            <a:endParaRPr lang="en-US"/>
+          </a:p>
+        </p:txBody>
+      </p:sp>
+      <p:sp>
+        <p:nvSpPr>
+          <p:cNvPr id="30" name="Rounded Rectangle 29"/>
+          <p:cNvSpPr/>
+          <p:nvPr/>
+        </p:nvSpPr>
+        <p:spPr>
+          <a:xfrm>
+            <a:off x="2570019" y="4535632"/>
+            <a:ext cx="5960917" cy="647700"/>
+          </a:xfrm>
+          <a:prstGeom prst="roundRect">
+            <a:avLst/>
+          </a:prstGeom>
+          <a:solidFill>
+            <a:schemeClr val="bg1"/>
+          </a:solidFill>
+          <a:ln>
+            <a:solidFill>
+              <a:schemeClr val="bg2"/>
+            </a:solidFill>
+          </a:ln>
+        </p:spPr>
+        <p:style>
+          <a:lnRef idx="2">
+            <a:schemeClr val="accent1">
+              <a:shade val="50000"/>
+            </a:schemeClr>
+          </a:lnRef>
+          <a:fillRef idx="1">
+            <a:schemeClr val="accent1"/>
+          </a:fillRef>
+          <a:effectRef idx="0">
+            <a:schemeClr val="accent1"/>
+          </a:effectRef>
+          <a:fontRef idx="minor">
+            <a:schemeClr val="lt1"/>
+          </a:fontRef>
+        </p:style>
+        <p:txBody>
+          <a:bodyPr rtlCol="0" anchor="ctr"/>
+          <a:lstStyle/>
+          <a:p>
             <a:r>
               <a:rPr lang="en-US" dirty="0" smtClean="0">
                 <a:solidFill>
@@ -4014,7 +4224,7 @@
                 </a:solidFill>
                 <a:latin typeface="Agency FB" pitchFamily="34" charset="0"/>
               </a:rPr>
-              <a:t>3</a:t>
+              <a:t>Student 5	</a:t>
             </a:r>
             <a:endParaRPr lang="en-US" dirty="0">
               <a:solidFill>
@@ -4029,14 +4239,70 @@
       </p:sp>
       <p:sp>
         <p:nvSpPr>
-          <p:cNvPr id="25" name="Rounded Rectangle 24"/>
+          <p:cNvPr id="31" name="Rectangle 30"/>
           <p:cNvSpPr/>
           <p:nvPr/>
         </p:nvSpPr>
         <p:spPr>
           <a:xfrm>
-            <a:off x="2576946" y="2370860"/>
-            <a:ext cx="5953990" cy="647700"/>
+            <a:off x="8659091" y="1627042"/>
+            <a:ext cx="256309" cy="1143000"/>
+          </a:xfrm>
+          <a:prstGeom prst="rect">
+            <a:avLst/>
+          </a:prstGeom>
+          <a:solidFill>
+            <a:schemeClr val="bg1">
+              <a:lumMod val="85000"/>
+            </a:schemeClr>
+          </a:solidFill>
+          <a:ln>
+            <a:solidFill>
+              <a:schemeClr val="bg2"/>
+            </a:solidFill>
+          </a:ln>
+        </p:spPr>
+        <p:style>
+          <a:lnRef idx="2">
+            <a:schemeClr val="accent1">
+              <a:shade val="50000"/>
+            </a:schemeClr>
+          </a:lnRef>
+          <a:fillRef idx="1">
+            <a:schemeClr val="accent1"/>
+          </a:fillRef>
+          <a:effectRef idx="0">
+            <a:schemeClr val="accent1"/>
+          </a:effectRef>
+          <a:fontRef idx="minor">
+            <a:schemeClr val="lt1"/>
+          </a:fontRef>
+        </p:style>
+        <p:txBody>
+          <a:bodyPr rtlCol="0" anchor="ctr"/>
+          <a:lstStyle/>
+          <a:p>
+            <a:pPr algn="ctr"/>
+            <a:endParaRPr lang="en-US">
+              <a:solidFill>
+                <a:schemeClr val="bg1">
+                  <a:lumMod val="65000"/>
+                </a:schemeClr>
+              </a:solidFill>
+            </a:endParaRPr>
+          </a:p>
+        </p:txBody>
+      </p:sp>
+      <p:sp>
+        <p:nvSpPr>
+          <p:cNvPr id="32" name="Rounded Rectangle 31"/>
+          <p:cNvSpPr/>
+          <p:nvPr/>
+        </p:nvSpPr>
+        <p:spPr>
+          <a:xfrm>
+            <a:off x="2583873" y="5278583"/>
+            <a:ext cx="5947063" cy="647700"/>
           </a:xfrm>
           <a:prstGeom prst="roundRect">
             <a:avLst/>
@@ -4079,394 +4345,7 @@
                 </a:solidFill>
                 <a:latin typeface="Agency FB" pitchFamily="34" charset="0"/>
               </a:rPr>
-              <a:t>Student </a:t>
-            </a:r>
-            <a:r>
-              <a:rPr lang="en-US" dirty="0" smtClean="0">
-                <a:solidFill>
-                  <a:schemeClr val="bg1">
-                    <a:lumMod val="65000"/>
-                  </a:schemeClr>
-                </a:solidFill>
-                <a:latin typeface="Agency FB" pitchFamily="34" charset="0"/>
-              </a:rPr>
-              <a:t>2</a:t>
-            </a:r>
-            <a:r>
-              <a:rPr lang="en-US" dirty="0" smtClean="0">
-                <a:solidFill>
-                  <a:schemeClr val="bg1">
-                    <a:lumMod val="65000"/>
-                  </a:schemeClr>
-                </a:solidFill>
-                <a:latin typeface="Agency FB" pitchFamily="34" charset="0"/>
-              </a:rPr>
-              <a:t>	</a:t>
-            </a:r>
-            <a:endParaRPr lang="en-US" dirty="0">
-              <a:solidFill>
-                <a:schemeClr val="bg1">
-                  <a:lumMod val="65000"/>
-                </a:schemeClr>
-              </a:solidFill>
-              <a:latin typeface="Agency FB" pitchFamily="34" charset="0"/>
-            </a:endParaRPr>
-          </a:p>
-        </p:txBody>
-      </p:sp>
-      <p:sp>
-        <p:nvSpPr>
-          <p:cNvPr id="26" name="Rounded Rectangle 25"/>
-          <p:cNvSpPr/>
-          <p:nvPr/>
-        </p:nvSpPr>
-        <p:spPr>
-          <a:xfrm>
-            <a:off x="2570019" y="3803073"/>
-            <a:ext cx="5960917" cy="647700"/>
-          </a:xfrm>
-          <a:prstGeom prst="roundRect">
-            <a:avLst/>
-          </a:prstGeom>
-          <a:solidFill>
-            <a:schemeClr val="bg1"/>
-          </a:solidFill>
-          <a:ln>
-            <a:solidFill>
-              <a:schemeClr val="bg2"/>
-            </a:solidFill>
-          </a:ln>
-        </p:spPr>
-        <p:style>
-          <a:lnRef idx="2">
-            <a:schemeClr val="accent1">
-              <a:shade val="50000"/>
-            </a:schemeClr>
-          </a:lnRef>
-          <a:fillRef idx="1">
-            <a:schemeClr val="accent1"/>
-          </a:fillRef>
-          <a:effectRef idx="0">
-            <a:schemeClr val="accent1"/>
-          </a:effectRef>
-          <a:fontRef idx="minor">
-            <a:schemeClr val="lt1"/>
-          </a:fontRef>
-        </p:style>
-        <p:txBody>
-          <a:bodyPr rtlCol="0" anchor="ctr"/>
-          <a:lstStyle/>
-          <a:p>
-            <a:r>
-              <a:rPr lang="en-US" dirty="0" smtClean="0">
-                <a:solidFill>
-                  <a:schemeClr val="bg1">
-                    <a:lumMod val="65000"/>
-                  </a:schemeClr>
-                </a:solidFill>
-                <a:latin typeface="Agency FB" pitchFamily="34" charset="0"/>
-              </a:rPr>
-              <a:t>Student </a:t>
-            </a:r>
-            <a:r>
-              <a:rPr lang="en-US" dirty="0" smtClean="0">
-                <a:solidFill>
-                  <a:schemeClr val="bg1">
-                    <a:lumMod val="65000"/>
-                  </a:schemeClr>
-                </a:solidFill>
-                <a:latin typeface="Agency FB" pitchFamily="34" charset="0"/>
-              </a:rPr>
-              <a:t>4</a:t>
-            </a:r>
-            <a:r>
-              <a:rPr lang="en-US" dirty="0" smtClean="0">
-                <a:solidFill>
-                  <a:schemeClr val="bg1">
-                    <a:lumMod val="65000"/>
-                  </a:schemeClr>
-                </a:solidFill>
-                <a:latin typeface="Agency FB" pitchFamily="34" charset="0"/>
-              </a:rPr>
-              <a:t>	</a:t>
-            </a:r>
-            <a:endParaRPr lang="en-US" dirty="0">
-              <a:solidFill>
-                <a:schemeClr val="bg1">
-                  <a:lumMod val="65000"/>
-                </a:schemeClr>
-              </a:solidFill>
-              <a:latin typeface="Agency FB" pitchFamily="34" charset="0"/>
-            </a:endParaRPr>
-          </a:p>
-        </p:txBody>
-      </p:sp>
-      <p:sp>
-        <p:nvSpPr>
-          <p:cNvPr id="27" name="Rectangle 26"/>
-          <p:cNvSpPr/>
-          <p:nvPr/>
-        </p:nvSpPr>
-        <p:spPr>
-          <a:xfrm>
-            <a:off x="8659091" y="1163782"/>
-            <a:ext cx="256309" cy="4438651"/>
-          </a:xfrm>
-          <a:prstGeom prst="rect">
-            <a:avLst/>
-          </a:prstGeom>
-          <a:solidFill>
-            <a:schemeClr val="bg1"/>
-          </a:solidFill>
-          <a:ln>
-            <a:solidFill>
-              <a:schemeClr val="bg2"/>
-            </a:solidFill>
-          </a:ln>
-        </p:spPr>
-        <p:style>
-          <a:lnRef idx="2">
-            <a:schemeClr val="accent1">
-              <a:shade val="50000"/>
-            </a:schemeClr>
-          </a:lnRef>
-          <a:fillRef idx="1">
-            <a:schemeClr val="accent1"/>
-          </a:fillRef>
-          <a:effectRef idx="0">
-            <a:schemeClr val="accent1"/>
-          </a:effectRef>
-          <a:fontRef idx="minor">
-            <a:schemeClr val="lt1"/>
-          </a:fontRef>
-        </p:style>
-        <p:txBody>
-          <a:bodyPr rtlCol="0" anchor="ctr"/>
-          <a:lstStyle/>
-          <a:p>
-            <a:pPr algn="ctr"/>
-            <a:endParaRPr lang="en-US"/>
-          </a:p>
-        </p:txBody>
-      </p:sp>
-      <p:sp>
-        <p:nvSpPr>
-          <p:cNvPr id="30" name="Rounded Rectangle 29"/>
-          <p:cNvSpPr/>
-          <p:nvPr/>
-        </p:nvSpPr>
-        <p:spPr>
-          <a:xfrm>
-            <a:off x="2570019" y="4535632"/>
-            <a:ext cx="5960917" cy="647700"/>
-          </a:xfrm>
-          <a:prstGeom prst="roundRect">
-            <a:avLst/>
-          </a:prstGeom>
-          <a:solidFill>
-            <a:schemeClr val="bg1"/>
-          </a:solidFill>
-          <a:ln>
-            <a:solidFill>
-              <a:schemeClr val="bg2"/>
-            </a:solidFill>
-          </a:ln>
-        </p:spPr>
-        <p:style>
-          <a:lnRef idx="2">
-            <a:schemeClr val="accent1">
-              <a:shade val="50000"/>
-            </a:schemeClr>
-          </a:lnRef>
-          <a:fillRef idx="1">
-            <a:schemeClr val="accent1"/>
-          </a:fillRef>
-          <a:effectRef idx="0">
-            <a:schemeClr val="accent1"/>
-          </a:effectRef>
-          <a:fontRef idx="minor">
-            <a:schemeClr val="lt1"/>
-          </a:fontRef>
-        </p:style>
-        <p:txBody>
-          <a:bodyPr rtlCol="0" anchor="ctr"/>
-          <a:lstStyle/>
-          <a:p>
-            <a:r>
-              <a:rPr lang="en-US" dirty="0" smtClean="0">
-                <a:solidFill>
-                  <a:schemeClr val="bg1">
-                    <a:lumMod val="65000"/>
-                  </a:schemeClr>
-                </a:solidFill>
-                <a:latin typeface="Agency FB" pitchFamily="34" charset="0"/>
-              </a:rPr>
-              <a:t>Student </a:t>
-            </a:r>
-            <a:r>
-              <a:rPr lang="en-US" dirty="0" smtClean="0">
-                <a:solidFill>
-                  <a:schemeClr val="bg1">
-                    <a:lumMod val="65000"/>
-                  </a:schemeClr>
-                </a:solidFill>
-                <a:latin typeface="Agency FB" pitchFamily="34" charset="0"/>
-              </a:rPr>
-              <a:t>5</a:t>
-            </a:r>
-            <a:r>
-              <a:rPr lang="en-US" dirty="0" smtClean="0">
-                <a:solidFill>
-                  <a:schemeClr val="bg1">
-                    <a:lumMod val="65000"/>
-                  </a:schemeClr>
-                </a:solidFill>
-                <a:latin typeface="Agency FB" pitchFamily="34" charset="0"/>
-              </a:rPr>
-              <a:t>	</a:t>
-            </a:r>
-            <a:endParaRPr lang="en-US" dirty="0">
-              <a:solidFill>
-                <a:schemeClr val="bg1">
-                  <a:lumMod val="65000"/>
-                </a:schemeClr>
-              </a:solidFill>
-              <a:latin typeface="Agency FB" pitchFamily="34" charset="0"/>
-            </a:endParaRPr>
-          </a:p>
-        </p:txBody>
-      </p:sp>
-      <p:sp>
-        <p:nvSpPr>
-          <p:cNvPr id="31" name="Rectangle 30"/>
-          <p:cNvSpPr/>
-          <p:nvPr/>
-        </p:nvSpPr>
-        <p:spPr>
-          <a:xfrm>
-            <a:off x="8659091" y="1143000"/>
-            <a:ext cx="256309" cy="1143000"/>
-          </a:xfrm>
-          <a:prstGeom prst="rect">
-            <a:avLst/>
-          </a:prstGeom>
-          <a:solidFill>
-            <a:schemeClr val="bg1">
-              <a:lumMod val="85000"/>
-            </a:schemeClr>
-          </a:solidFill>
-          <a:ln>
-            <a:solidFill>
-              <a:schemeClr val="bg2"/>
-            </a:solidFill>
-          </a:ln>
-        </p:spPr>
-        <p:style>
-          <a:lnRef idx="2">
-            <a:schemeClr val="accent1">
-              <a:shade val="50000"/>
-            </a:schemeClr>
-          </a:lnRef>
-          <a:fillRef idx="1">
-            <a:schemeClr val="accent1"/>
-          </a:fillRef>
-          <a:effectRef idx="0">
-            <a:schemeClr val="accent1"/>
-          </a:effectRef>
-          <a:fontRef idx="minor">
-            <a:schemeClr val="lt1"/>
-          </a:fontRef>
-        </p:style>
-        <p:txBody>
-          <a:bodyPr rtlCol="0" anchor="ctr"/>
-          <a:lstStyle/>
-          <a:p>
-            <a:pPr algn="ctr"/>
-            <a:endParaRPr lang="en-US">
-              <a:solidFill>
-                <a:schemeClr val="bg1">
-                  <a:lumMod val="65000"/>
-                </a:schemeClr>
-              </a:solidFill>
-            </a:endParaRPr>
-          </a:p>
-        </p:txBody>
-      </p:sp>
-      <p:sp>
-        <p:nvSpPr>
-          <p:cNvPr id="32" name="Rounded Rectangle 31"/>
-          <p:cNvSpPr/>
-          <p:nvPr/>
-        </p:nvSpPr>
-        <p:spPr>
-          <a:xfrm>
-            <a:off x="2583873" y="5278583"/>
-            <a:ext cx="5947063" cy="647700"/>
-          </a:xfrm>
-          <a:prstGeom prst="roundRect">
-            <a:avLst/>
-          </a:prstGeom>
-          <a:solidFill>
-            <a:schemeClr val="bg1"/>
-          </a:solidFill>
-          <a:ln>
-            <a:solidFill>
-              <a:schemeClr val="bg2"/>
-            </a:solidFill>
-          </a:ln>
-        </p:spPr>
-        <p:style>
-          <a:lnRef idx="2">
-            <a:schemeClr val="accent1">
-              <a:shade val="50000"/>
-            </a:schemeClr>
-          </a:lnRef>
-          <a:fillRef idx="1">
-            <a:schemeClr val="accent1"/>
-          </a:fillRef>
-          <a:effectRef idx="0">
-            <a:schemeClr val="accent1"/>
-          </a:effectRef>
-          <a:fontRef idx="minor">
-            <a:schemeClr val="lt1"/>
-          </a:fontRef>
-        </p:style>
-        <p:txBody>
-          <a:bodyPr rtlCol="0" anchor="ctr"/>
-          <a:lstStyle/>
-          <a:p>
-            <a:r>
-              <a:rPr lang="en-US" dirty="0" smtClean="0">
-                <a:solidFill>
-                  <a:schemeClr val="bg1">
-                    <a:lumMod val="65000"/>
-                  </a:schemeClr>
-                </a:solidFill>
-                <a:latin typeface="Agency FB" pitchFamily="34" charset="0"/>
-              </a:rPr>
-              <a:t>Student </a:t>
-            </a:r>
-            <a:r>
-              <a:rPr lang="en-US" dirty="0" smtClean="0">
-                <a:solidFill>
-                  <a:schemeClr val="bg1">
-                    <a:lumMod val="65000"/>
-                  </a:schemeClr>
-                </a:solidFill>
-                <a:latin typeface="Agency FB" pitchFamily="34" charset="0"/>
-              </a:rPr>
-              <a:t>6</a:t>
-            </a:r>
-            <a:r>
-              <a:rPr lang="en-US" dirty="0" smtClean="0">
-                <a:solidFill>
-                  <a:schemeClr val="bg1">
-                    <a:lumMod val="65000"/>
-                  </a:schemeClr>
-                </a:solidFill>
-                <a:latin typeface="Agency FB" pitchFamily="34" charset="0"/>
-              </a:rPr>
-              <a:t>	</a:t>
+              <a:t>Student 6	</a:t>
             </a:r>
             <a:endParaRPr lang="en-US" dirty="0">
               <a:solidFill>
@@ -4655,14 +4534,1254 @@
       </p:sp>
       <p:sp>
         <p:nvSpPr>
-          <p:cNvPr id="36" name="Rounded Rectangle 35"/>
+          <p:cNvPr id="37" name="Rounded Rectangle 36"/>
           <p:cNvSpPr/>
           <p:nvPr/>
         </p:nvSpPr>
         <p:spPr>
           <a:xfrm>
-            <a:off x="2583873" y="1163782"/>
-            <a:ext cx="5947063" cy="381000"/>
+            <a:off x="190500" y="4608371"/>
+            <a:ext cx="1905000" cy="398317"/>
+          </a:xfrm>
+          <a:prstGeom prst="roundRect">
+            <a:avLst/>
+          </a:prstGeom>
+          <a:solidFill>
+            <a:schemeClr val="bg1">
+              <a:lumMod val="75000"/>
+            </a:schemeClr>
+          </a:solidFill>
+          <a:ln>
+            <a:solidFill>
+              <a:srgbClr val="00B0F0"/>
+            </a:solidFill>
+          </a:ln>
+        </p:spPr>
+        <p:style>
+          <a:lnRef idx="2">
+            <a:schemeClr val="accent1">
+              <a:shade val="50000"/>
+            </a:schemeClr>
+          </a:lnRef>
+          <a:fillRef idx="1">
+            <a:schemeClr val="accent1"/>
+          </a:fillRef>
+          <a:effectRef idx="0">
+            <a:schemeClr val="accent1"/>
+          </a:effectRef>
+          <a:fontRef idx="minor">
+            <a:schemeClr val="lt1"/>
+          </a:fontRef>
+        </p:style>
+        <p:txBody>
+          <a:bodyPr rtlCol="0" anchor="ctr"/>
+          <a:lstStyle/>
+          <a:p>
+            <a:pPr algn="ctr"/>
+            <a:r>
+              <a:rPr lang="en-US" dirty="0" smtClean="0">
+                <a:latin typeface="Agency FB" pitchFamily="34" charset="0"/>
+              </a:rPr>
+              <a:t>Add Class</a:t>
+            </a:r>
+            <a:endParaRPr lang="en-US" dirty="0">
+              <a:latin typeface="Agency FB" pitchFamily="34" charset="0"/>
+            </a:endParaRPr>
+          </a:p>
+        </p:txBody>
+      </p:sp>
+      <p:sp>
+        <p:nvSpPr>
+          <p:cNvPr id="38" name="Rounded Rectangle 37"/>
+          <p:cNvSpPr/>
+          <p:nvPr/>
+        </p:nvSpPr>
+        <p:spPr>
+          <a:xfrm>
+            <a:off x="190500" y="5727124"/>
+            <a:ext cx="1905000" cy="398317"/>
+          </a:xfrm>
+          <a:prstGeom prst="roundRect">
+            <a:avLst/>
+          </a:prstGeom>
+          <a:solidFill>
+            <a:schemeClr val="bg1">
+              <a:lumMod val="75000"/>
+            </a:schemeClr>
+          </a:solidFill>
+          <a:ln>
+            <a:solidFill>
+              <a:srgbClr val="00B0F0"/>
+            </a:solidFill>
+          </a:ln>
+        </p:spPr>
+        <p:style>
+          <a:lnRef idx="2">
+            <a:schemeClr val="accent1">
+              <a:shade val="50000"/>
+            </a:schemeClr>
+          </a:lnRef>
+          <a:fillRef idx="1">
+            <a:schemeClr val="accent1"/>
+          </a:fillRef>
+          <a:effectRef idx="0">
+            <a:schemeClr val="accent1"/>
+          </a:effectRef>
+          <a:fontRef idx="minor">
+            <a:schemeClr val="lt1"/>
+          </a:fontRef>
+        </p:style>
+        <p:txBody>
+          <a:bodyPr rtlCol="0" anchor="ctr"/>
+          <a:lstStyle/>
+          <a:p>
+            <a:pPr algn="ctr"/>
+            <a:r>
+              <a:rPr lang="en-US" dirty="0" smtClean="0">
+                <a:latin typeface="Agency FB" pitchFamily="34" charset="0"/>
+              </a:rPr>
+              <a:t>Delete Class</a:t>
+            </a:r>
+            <a:endParaRPr lang="en-US" dirty="0">
+              <a:latin typeface="Agency FB" pitchFamily="34" charset="0"/>
+            </a:endParaRPr>
+          </a:p>
+        </p:txBody>
+      </p:sp>
+      <p:sp>
+        <p:nvSpPr>
+          <p:cNvPr id="39" name="Rectangle 38"/>
+          <p:cNvSpPr/>
+          <p:nvPr/>
+        </p:nvSpPr>
+        <p:spPr>
+          <a:xfrm>
+            <a:off x="2057400" y="1447800"/>
+            <a:ext cx="228600" cy="2971800"/>
+          </a:xfrm>
+          <a:prstGeom prst="rect">
+            <a:avLst/>
+          </a:prstGeom>
+          <a:solidFill>
+            <a:schemeClr val="bg1"/>
+          </a:solidFill>
+          <a:ln>
+            <a:solidFill>
+              <a:schemeClr val="bg1">
+                <a:lumMod val="95000"/>
+              </a:schemeClr>
+            </a:solidFill>
+          </a:ln>
+        </p:spPr>
+        <p:style>
+          <a:lnRef idx="2">
+            <a:schemeClr val="accent1">
+              <a:shade val="50000"/>
+            </a:schemeClr>
+          </a:lnRef>
+          <a:fillRef idx="1">
+            <a:schemeClr val="accent1"/>
+          </a:fillRef>
+          <a:effectRef idx="0">
+            <a:schemeClr val="accent1"/>
+          </a:effectRef>
+          <a:fontRef idx="minor">
+            <a:schemeClr val="lt1"/>
+          </a:fontRef>
+        </p:style>
+        <p:txBody>
+          <a:bodyPr rtlCol="0" anchor="ctr"/>
+          <a:lstStyle/>
+          <a:p>
+            <a:pPr algn="ctr"/>
+            <a:endParaRPr lang="en-US"/>
+          </a:p>
+        </p:txBody>
+      </p:sp>
+      <p:sp>
+        <p:nvSpPr>
+          <p:cNvPr id="40" name="Rectangle 39"/>
+          <p:cNvSpPr/>
+          <p:nvPr/>
+        </p:nvSpPr>
+        <p:spPr>
+          <a:xfrm>
+            <a:off x="2073729" y="1447800"/>
+            <a:ext cx="212271" cy="1006187"/>
+          </a:xfrm>
+          <a:prstGeom prst="rect">
+            <a:avLst/>
+          </a:prstGeom>
+          <a:solidFill>
+            <a:schemeClr val="bg1">
+              <a:lumMod val="85000"/>
+            </a:schemeClr>
+          </a:solidFill>
+          <a:ln>
+            <a:solidFill>
+              <a:schemeClr val="bg2"/>
+            </a:solidFill>
+          </a:ln>
+        </p:spPr>
+        <p:style>
+          <a:lnRef idx="2">
+            <a:schemeClr val="accent1">
+              <a:shade val="50000"/>
+            </a:schemeClr>
+          </a:lnRef>
+          <a:fillRef idx="1">
+            <a:schemeClr val="accent1"/>
+          </a:fillRef>
+          <a:effectRef idx="0">
+            <a:schemeClr val="accent1"/>
+          </a:effectRef>
+          <a:fontRef idx="minor">
+            <a:schemeClr val="lt1"/>
+          </a:fontRef>
+        </p:style>
+        <p:txBody>
+          <a:bodyPr rtlCol="0" anchor="ctr"/>
+          <a:lstStyle/>
+          <a:p>
+            <a:pPr algn="ctr"/>
+            <a:endParaRPr lang="en-US">
+              <a:solidFill>
+                <a:schemeClr val="bg1">
+                  <a:lumMod val="65000"/>
+                </a:schemeClr>
+              </a:solidFill>
+            </a:endParaRPr>
+          </a:p>
+        </p:txBody>
+      </p:sp>
+      <p:sp>
+        <p:nvSpPr>
+          <p:cNvPr id="41" name="TextBox 40"/>
+          <p:cNvSpPr txBox="1"/>
+          <p:nvPr/>
+        </p:nvSpPr>
+        <p:spPr>
+          <a:xfrm>
+            <a:off x="189511" y="104745"/>
+            <a:ext cx="1863436" cy="400110"/>
+          </a:xfrm>
+          <a:prstGeom prst="rect">
+            <a:avLst/>
+          </a:prstGeom>
+          <a:noFill/>
+        </p:spPr>
+        <p:txBody>
+          <a:bodyPr wrap="square" rtlCol="0">
+            <a:spAutoFit/>
+          </a:bodyPr>
+          <a:lstStyle/>
+          <a:p>
+            <a:r>
+              <a:rPr lang="en-US" sz="2000" dirty="0" smtClean="0">
+                <a:solidFill>
+                  <a:schemeClr val="bg1"/>
+                </a:solidFill>
+                <a:latin typeface="Agency FB" pitchFamily="34" charset="0"/>
+              </a:rPr>
+              <a:t>Sign Out </a:t>
+            </a:r>
+            <a:endParaRPr lang="en-US" sz="2000" dirty="0">
+              <a:solidFill>
+                <a:schemeClr val="bg1"/>
+              </a:solidFill>
+              <a:latin typeface="Agency FB" pitchFamily="34" charset="0"/>
+            </a:endParaRPr>
+          </a:p>
+        </p:txBody>
+      </p:sp>
+      <p:sp>
+        <p:nvSpPr>
+          <p:cNvPr id="42" name="Rounded Rectangle 41"/>
+          <p:cNvSpPr/>
+          <p:nvPr/>
+        </p:nvSpPr>
+        <p:spPr>
+          <a:xfrm>
+            <a:off x="5943600" y="1798493"/>
+            <a:ext cx="1659082" cy="304800"/>
+          </a:xfrm>
+          <a:prstGeom prst="roundRect">
+            <a:avLst/>
+          </a:prstGeom>
+          <a:solidFill>
+            <a:schemeClr val="bg1"/>
+          </a:solidFill>
+          <a:ln>
+            <a:solidFill>
+              <a:srgbClr val="00B0F0"/>
+            </a:solidFill>
+          </a:ln>
+        </p:spPr>
+        <p:style>
+          <a:lnRef idx="2">
+            <a:schemeClr val="accent1">
+              <a:shade val="50000"/>
+            </a:schemeClr>
+          </a:lnRef>
+          <a:fillRef idx="1">
+            <a:schemeClr val="accent1"/>
+          </a:fillRef>
+          <a:effectRef idx="0">
+            <a:schemeClr val="accent1"/>
+          </a:effectRef>
+          <a:fontRef idx="minor">
+            <a:schemeClr val="lt1"/>
+          </a:fontRef>
+        </p:style>
+        <p:txBody>
+          <a:bodyPr rtlCol="0" anchor="ctr"/>
+          <a:lstStyle/>
+          <a:p>
+            <a:pPr algn="ctr"/>
+            <a:r>
+              <a:rPr lang="en-US" dirty="0" smtClean="0">
+                <a:solidFill>
+                  <a:schemeClr val="bg1">
+                    <a:lumMod val="65000"/>
+                  </a:schemeClr>
+                </a:solidFill>
+                <a:latin typeface="Agency FB" pitchFamily="34" charset="0"/>
+              </a:rPr>
+              <a:t>Overall Grade</a:t>
+            </a:r>
+            <a:endParaRPr lang="en-US" dirty="0">
+              <a:solidFill>
+                <a:schemeClr val="bg1">
+                  <a:lumMod val="65000"/>
+                </a:schemeClr>
+              </a:solidFill>
+              <a:latin typeface="Agency FB" pitchFamily="34" charset="0"/>
+            </a:endParaRPr>
+          </a:p>
+        </p:txBody>
+      </p:sp>
+      <p:sp>
+        <p:nvSpPr>
+          <p:cNvPr id="43" name="Rounded Rectangle 42"/>
+          <p:cNvSpPr/>
+          <p:nvPr/>
+        </p:nvSpPr>
+        <p:spPr>
+          <a:xfrm>
+            <a:off x="5943600" y="2542887"/>
+            <a:ext cx="1659082" cy="304800"/>
+          </a:xfrm>
+          <a:prstGeom prst="roundRect">
+            <a:avLst/>
+          </a:prstGeom>
+          <a:solidFill>
+            <a:schemeClr val="bg1"/>
+          </a:solidFill>
+          <a:ln>
+            <a:solidFill>
+              <a:srgbClr val="00B0F0"/>
+            </a:solidFill>
+          </a:ln>
+        </p:spPr>
+        <p:style>
+          <a:lnRef idx="2">
+            <a:schemeClr val="accent1">
+              <a:shade val="50000"/>
+            </a:schemeClr>
+          </a:lnRef>
+          <a:fillRef idx="1">
+            <a:schemeClr val="accent1"/>
+          </a:fillRef>
+          <a:effectRef idx="0">
+            <a:schemeClr val="accent1"/>
+          </a:effectRef>
+          <a:fontRef idx="minor">
+            <a:schemeClr val="lt1"/>
+          </a:fontRef>
+        </p:style>
+        <p:txBody>
+          <a:bodyPr rtlCol="0" anchor="ctr"/>
+          <a:lstStyle/>
+          <a:p>
+            <a:pPr algn="ctr"/>
+            <a:r>
+              <a:rPr lang="en-US" dirty="0" smtClean="0">
+                <a:solidFill>
+                  <a:schemeClr val="bg1">
+                    <a:lumMod val="65000"/>
+                  </a:schemeClr>
+                </a:solidFill>
+                <a:latin typeface="Agency FB" pitchFamily="34" charset="0"/>
+              </a:rPr>
+              <a:t>Overall Grade</a:t>
+            </a:r>
+            <a:endParaRPr lang="en-US" dirty="0">
+              <a:solidFill>
+                <a:schemeClr val="bg1">
+                  <a:lumMod val="65000"/>
+                </a:schemeClr>
+              </a:solidFill>
+              <a:latin typeface="Agency FB" pitchFamily="34" charset="0"/>
+            </a:endParaRPr>
+          </a:p>
+        </p:txBody>
+      </p:sp>
+      <p:sp>
+        <p:nvSpPr>
+          <p:cNvPr id="44" name="Rounded Rectangle 43"/>
+          <p:cNvSpPr/>
+          <p:nvPr/>
+        </p:nvSpPr>
+        <p:spPr>
+          <a:xfrm>
+            <a:off x="5943600" y="3271404"/>
+            <a:ext cx="1659082" cy="304800"/>
+          </a:xfrm>
+          <a:prstGeom prst="roundRect">
+            <a:avLst/>
+          </a:prstGeom>
+          <a:solidFill>
+            <a:schemeClr val="bg1"/>
+          </a:solidFill>
+          <a:ln>
+            <a:solidFill>
+              <a:srgbClr val="00B0F0"/>
+            </a:solidFill>
+          </a:ln>
+        </p:spPr>
+        <p:style>
+          <a:lnRef idx="2">
+            <a:schemeClr val="accent1">
+              <a:shade val="50000"/>
+            </a:schemeClr>
+          </a:lnRef>
+          <a:fillRef idx="1">
+            <a:schemeClr val="accent1"/>
+          </a:fillRef>
+          <a:effectRef idx="0">
+            <a:schemeClr val="accent1"/>
+          </a:effectRef>
+          <a:fontRef idx="minor">
+            <a:schemeClr val="lt1"/>
+          </a:fontRef>
+        </p:style>
+        <p:txBody>
+          <a:bodyPr rtlCol="0" anchor="ctr"/>
+          <a:lstStyle/>
+          <a:p>
+            <a:pPr algn="ctr"/>
+            <a:r>
+              <a:rPr lang="en-US" dirty="0" smtClean="0">
+                <a:solidFill>
+                  <a:schemeClr val="bg1">
+                    <a:lumMod val="65000"/>
+                  </a:schemeClr>
+                </a:solidFill>
+                <a:latin typeface="Agency FB" pitchFamily="34" charset="0"/>
+              </a:rPr>
+              <a:t>Overall Grade</a:t>
+            </a:r>
+            <a:endParaRPr lang="en-US" dirty="0">
+              <a:solidFill>
+                <a:schemeClr val="bg1">
+                  <a:lumMod val="65000"/>
+                </a:schemeClr>
+              </a:solidFill>
+              <a:latin typeface="Agency FB" pitchFamily="34" charset="0"/>
+            </a:endParaRPr>
+          </a:p>
+        </p:txBody>
+      </p:sp>
+      <p:sp>
+        <p:nvSpPr>
+          <p:cNvPr id="45" name="Rounded Rectangle 44"/>
+          <p:cNvSpPr/>
+          <p:nvPr/>
+        </p:nvSpPr>
+        <p:spPr>
+          <a:xfrm>
+            <a:off x="5943600" y="4007180"/>
+            <a:ext cx="1659082" cy="304800"/>
+          </a:xfrm>
+          <a:prstGeom prst="roundRect">
+            <a:avLst/>
+          </a:prstGeom>
+          <a:solidFill>
+            <a:schemeClr val="bg1"/>
+          </a:solidFill>
+          <a:ln>
+            <a:solidFill>
+              <a:srgbClr val="00B0F0"/>
+            </a:solidFill>
+          </a:ln>
+        </p:spPr>
+        <p:style>
+          <a:lnRef idx="2">
+            <a:schemeClr val="accent1">
+              <a:shade val="50000"/>
+            </a:schemeClr>
+          </a:lnRef>
+          <a:fillRef idx="1">
+            <a:schemeClr val="accent1"/>
+          </a:fillRef>
+          <a:effectRef idx="0">
+            <a:schemeClr val="accent1"/>
+          </a:effectRef>
+          <a:fontRef idx="minor">
+            <a:schemeClr val="lt1"/>
+          </a:fontRef>
+        </p:style>
+        <p:txBody>
+          <a:bodyPr rtlCol="0" anchor="ctr"/>
+          <a:lstStyle/>
+          <a:p>
+            <a:pPr algn="ctr"/>
+            <a:r>
+              <a:rPr lang="en-US" dirty="0" smtClean="0">
+                <a:solidFill>
+                  <a:schemeClr val="bg1">
+                    <a:lumMod val="65000"/>
+                  </a:schemeClr>
+                </a:solidFill>
+                <a:latin typeface="Agency FB" pitchFamily="34" charset="0"/>
+              </a:rPr>
+              <a:t>Overall Grade</a:t>
+            </a:r>
+            <a:endParaRPr lang="en-US" dirty="0">
+              <a:solidFill>
+                <a:schemeClr val="bg1">
+                  <a:lumMod val="65000"/>
+                </a:schemeClr>
+              </a:solidFill>
+              <a:latin typeface="Agency FB" pitchFamily="34" charset="0"/>
+            </a:endParaRPr>
+          </a:p>
+        </p:txBody>
+      </p:sp>
+      <p:sp>
+        <p:nvSpPr>
+          <p:cNvPr id="46" name="Rounded Rectangle 45"/>
+          <p:cNvSpPr/>
+          <p:nvPr/>
+        </p:nvSpPr>
+        <p:spPr>
+          <a:xfrm>
+            <a:off x="5943600" y="4707082"/>
+            <a:ext cx="1659082" cy="304800"/>
+          </a:xfrm>
+          <a:prstGeom prst="roundRect">
+            <a:avLst/>
+          </a:prstGeom>
+          <a:solidFill>
+            <a:schemeClr val="bg1"/>
+          </a:solidFill>
+          <a:ln>
+            <a:solidFill>
+              <a:srgbClr val="00B0F0"/>
+            </a:solidFill>
+          </a:ln>
+        </p:spPr>
+        <p:style>
+          <a:lnRef idx="2">
+            <a:schemeClr val="accent1">
+              <a:shade val="50000"/>
+            </a:schemeClr>
+          </a:lnRef>
+          <a:fillRef idx="1">
+            <a:schemeClr val="accent1"/>
+          </a:fillRef>
+          <a:effectRef idx="0">
+            <a:schemeClr val="accent1"/>
+          </a:effectRef>
+          <a:fontRef idx="minor">
+            <a:schemeClr val="lt1"/>
+          </a:fontRef>
+        </p:style>
+        <p:txBody>
+          <a:bodyPr rtlCol="0" anchor="ctr"/>
+          <a:lstStyle/>
+          <a:p>
+            <a:pPr algn="ctr"/>
+            <a:r>
+              <a:rPr lang="en-US" dirty="0" smtClean="0">
+                <a:solidFill>
+                  <a:schemeClr val="bg1">
+                    <a:lumMod val="65000"/>
+                  </a:schemeClr>
+                </a:solidFill>
+                <a:latin typeface="Agency FB" pitchFamily="34" charset="0"/>
+              </a:rPr>
+              <a:t>Overall Grade</a:t>
+            </a:r>
+            <a:endParaRPr lang="en-US" dirty="0">
+              <a:solidFill>
+                <a:schemeClr val="bg1">
+                  <a:lumMod val="65000"/>
+                </a:schemeClr>
+              </a:solidFill>
+              <a:latin typeface="Agency FB" pitchFamily="34" charset="0"/>
+            </a:endParaRPr>
+          </a:p>
+        </p:txBody>
+      </p:sp>
+      <p:sp>
+        <p:nvSpPr>
+          <p:cNvPr id="47" name="Rounded Rectangle 46"/>
+          <p:cNvSpPr/>
+          <p:nvPr/>
+        </p:nvSpPr>
+        <p:spPr>
+          <a:xfrm>
+            <a:off x="7692736" y="1804121"/>
+            <a:ext cx="703118" cy="293543"/>
+          </a:xfrm>
+          <a:prstGeom prst="roundRect">
+            <a:avLst/>
+          </a:prstGeom>
+          <a:solidFill>
+            <a:schemeClr val="bg1"/>
+          </a:solidFill>
+          <a:ln>
+            <a:solidFill>
+              <a:srgbClr val="00B0F0"/>
+            </a:solidFill>
+          </a:ln>
+        </p:spPr>
+        <p:style>
+          <a:lnRef idx="2">
+            <a:schemeClr val="accent1">
+              <a:shade val="50000"/>
+            </a:schemeClr>
+          </a:lnRef>
+          <a:fillRef idx="1">
+            <a:schemeClr val="accent1"/>
+          </a:fillRef>
+          <a:effectRef idx="0">
+            <a:schemeClr val="accent1"/>
+          </a:effectRef>
+          <a:fontRef idx="minor">
+            <a:schemeClr val="lt1"/>
+          </a:fontRef>
+        </p:style>
+        <p:txBody>
+          <a:bodyPr rtlCol="0" anchor="ctr"/>
+          <a:lstStyle/>
+          <a:p>
+            <a:pPr algn="ctr"/>
+            <a:r>
+              <a:rPr lang="en-US" dirty="0" smtClean="0">
+                <a:solidFill>
+                  <a:schemeClr val="bg1">
+                    <a:lumMod val="65000"/>
+                  </a:schemeClr>
+                </a:solidFill>
+                <a:latin typeface="Agency FB" pitchFamily="34" charset="0"/>
+              </a:rPr>
+              <a:t>100</a:t>
+            </a:r>
+            <a:endParaRPr lang="en-US" dirty="0">
+              <a:solidFill>
+                <a:schemeClr val="bg1">
+                  <a:lumMod val="65000"/>
+                </a:schemeClr>
+              </a:solidFill>
+              <a:latin typeface="Agency FB" pitchFamily="34" charset="0"/>
+            </a:endParaRPr>
+          </a:p>
+        </p:txBody>
+      </p:sp>
+      <p:sp>
+        <p:nvSpPr>
+          <p:cNvPr id="51" name="Rounded Rectangle 50"/>
+          <p:cNvSpPr/>
+          <p:nvPr/>
+        </p:nvSpPr>
+        <p:spPr>
+          <a:xfrm>
+            <a:off x="7717228" y="2554144"/>
+            <a:ext cx="703118" cy="293543"/>
+          </a:xfrm>
+          <a:prstGeom prst="roundRect">
+            <a:avLst/>
+          </a:prstGeom>
+          <a:solidFill>
+            <a:schemeClr val="bg1"/>
+          </a:solidFill>
+          <a:ln>
+            <a:solidFill>
+              <a:srgbClr val="00B0F0"/>
+            </a:solidFill>
+          </a:ln>
+        </p:spPr>
+        <p:style>
+          <a:lnRef idx="2">
+            <a:schemeClr val="accent1">
+              <a:shade val="50000"/>
+            </a:schemeClr>
+          </a:lnRef>
+          <a:fillRef idx="1">
+            <a:schemeClr val="accent1"/>
+          </a:fillRef>
+          <a:effectRef idx="0">
+            <a:schemeClr val="accent1"/>
+          </a:effectRef>
+          <a:fontRef idx="minor">
+            <a:schemeClr val="lt1"/>
+          </a:fontRef>
+        </p:style>
+        <p:txBody>
+          <a:bodyPr rtlCol="0" anchor="ctr"/>
+          <a:lstStyle/>
+          <a:p>
+            <a:pPr algn="ctr"/>
+            <a:r>
+              <a:rPr lang="en-US" dirty="0" smtClean="0">
+                <a:solidFill>
+                  <a:schemeClr val="bg1">
+                    <a:lumMod val="65000"/>
+                  </a:schemeClr>
+                </a:solidFill>
+                <a:latin typeface="Agency FB" pitchFamily="34" charset="0"/>
+              </a:rPr>
+              <a:t>98</a:t>
+            </a:r>
+            <a:endParaRPr lang="en-US" dirty="0">
+              <a:solidFill>
+                <a:schemeClr val="bg1">
+                  <a:lumMod val="65000"/>
+                </a:schemeClr>
+              </a:solidFill>
+              <a:latin typeface="Agency FB" pitchFamily="34" charset="0"/>
+            </a:endParaRPr>
+          </a:p>
+        </p:txBody>
+      </p:sp>
+      <p:sp>
+        <p:nvSpPr>
+          <p:cNvPr id="52" name="Rounded Rectangle 51"/>
+          <p:cNvSpPr/>
+          <p:nvPr/>
+        </p:nvSpPr>
+        <p:spPr>
+          <a:xfrm>
+            <a:off x="7699333" y="3271404"/>
+            <a:ext cx="703118" cy="293543"/>
+          </a:xfrm>
+          <a:prstGeom prst="roundRect">
+            <a:avLst/>
+          </a:prstGeom>
+          <a:solidFill>
+            <a:schemeClr val="bg1"/>
+          </a:solidFill>
+          <a:ln>
+            <a:solidFill>
+              <a:srgbClr val="00B0F0"/>
+            </a:solidFill>
+          </a:ln>
+        </p:spPr>
+        <p:style>
+          <a:lnRef idx="2">
+            <a:schemeClr val="accent1">
+              <a:shade val="50000"/>
+            </a:schemeClr>
+          </a:lnRef>
+          <a:fillRef idx="1">
+            <a:schemeClr val="accent1"/>
+          </a:fillRef>
+          <a:effectRef idx="0">
+            <a:schemeClr val="accent1"/>
+          </a:effectRef>
+          <a:fontRef idx="minor">
+            <a:schemeClr val="lt1"/>
+          </a:fontRef>
+        </p:style>
+        <p:txBody>
+          <a:bodyPr rtlCol="0" anchor="ctr"/>
+          <a:lstStyle/>
+          <a:p>
+            <a:pPr algn="ctr"/>
+            <a:r>
+              <a:rPr lang="en-US" dirty="0" smtClean="0">
+                <a:solidFill>
+                  <a:schemeClr val="bg1">
+                    <a:lumMod val="65000"/>
+                  </a:schemeClr>
+                </a:solidFill>
+                <a:latin typeface="Agency FB" pitchFamily="34" charset="0"/>
+              </a:rPr>
+              <a:t>76</a:t>
+            </a:r>
+            <a:endParaRPr lang="en-US" dirty="0">
+              <a:solidFill>
+                <a:schemeClr val="bg1">
+                  <a:lumMod val="65000"/>
+                </a:schemeClr>
+              </a:solidFill>
+              <a:latin typeface="Agency FB" pitchFamily="34" charset="0"/>
+            </a:endParaRPr>
+          </a:p>
+        </p:txBody>
+      </p:sp>
+      <p:sp>
+        <p:nvSpPr>
+          <p:cNvPr id="53" name="Rounded Rectangle 52"/>
+          <p:cNvSpPr/>
+          <p:nvPr/>
+        </p:nvSpPr>
+        <p:spPr>
+          <a:xfrm>
+            <a:off x="7699333" y="4018437"/>
+            <a:ext cx="703118" cy="293543"/>
+          </a:xfrm>
+          <a:prstGeom prst="roundRect">
+            <a:avLst/>
+          </a:prstGeom>
+          <a:solidFill>
+            <a:schemeClr val="bg1"/>
+          </a:solidFill>
+          <a:ln>
+            <a:solidFill>
+              <a:srgbClr val="00B0F0"/>
+            </a:solidFill>
+          </a:ln>
+        </p:spPr>
+        <p:style>
+          <a:lnRef idx="2">
+            <a:schemeClr val="accent1">
+              <a:shade val="50000"/>
+            </a:schemeClr>
+          </a:lnRef>
+          <a:fillRef idx="1">
+            <a:schemeClr val="accent1"/>
+          </a:fillRef>
+          <a:effectRef idx="0">
+            <a:schemeClr val="accent1"/>
+          </a:effectRef>
+          <a:fontRef idx="minor">
+            <a:schemeClr val="lt1"/>
+          </a:fontRef>
+        </p:style>
+        <p:txBody>
+          <a:bodyPr rtlCol="0" anchor="ctr"/>
+          <a:lstStyle/>
+          <a:p>
+            <a:pPr algn="ctr"/>
+            <a:r>
+              <a:rPr lang="en-US" dirty="0" smtClean="0">
+                <a:solidFill>
+                  <a:schemeClr val="bg1">
+                    <a:lumMod val="65000"/>
+                  </a:schemeClr>
+                </a:solidFill>
+                <a:latin typeface="Agency FB" pitchFamily="34" charset="0"/>
+              </a:rPr>
+              <a:t>87</a:t>
+            </a:r>
+            <a:endParaRPr lang="en-US" dirty="0">
+              <a:solidFill>
+                <a:schemeClr val="bg1">
+                  <a:lumMod val="65000"/>
+                </a:schemeClr>
+              </a:solidFill>
+              <a:latin typeface="Agency FB" pitchFamily="34" charset="0"/>
+            </a:endParaRPr>
+          </a:p>
+        </p:txBody>
+      </p:sp>
+      <p:sp>
+        <p:nvSpPr>
+          <p:cNvPr id="54" name="Rounded Rectangle 53"/>
+          <p:cNvSpPr/>
+          <p:nvPr/>
+        </p:nvSpPr>
+        <p:spPr>
+          <a:xfrm>
+            <a:off x="7699333" y="4718339"/>
+            <a:ext cx="703118" cy="293543"/>
+          </a:xfrm>
+          <a:prstGeom prst="roundRect">
+            <a:avLst/>
+          </a:prstGeom>
+          <a:solidFill>
+            <a:schemeClr val="bg1"/>
+          </a:solidFill>
+          <a:ln>
+            <a:solidFill>
+              <a:srgbClr val="00B0F0"/>
+            </a:solidFill>
+          </a:ln>
+        </p:spPr>
+        <p:style>
+          <a:lnRef idx="2">
+            <a:schemeClr val="accent1">
+              <a:shade val="50000"/>
+            </a:schemeClr>
+          </a:lnRef>
+          <a:fillRef idx="1">
+            <a:schemeClr val="accent1"/>
+          </a:fillRef>
+          <a:effectRef idx="0">
+            <a:schemeClr val="accent1"/>
+          </a:effectRef>
+          <a:fontRef idx="minor">
+            <a:schemeClr val="lt1"/>
+          </a:fontRef>
+        </p:style>
+        <p:txBody>
+          <a:bodyPr rtlCol="0" anchor="ctr"/>
+          <a:lstStyle/>
+          <a:p>
+            <a:pPr algn="ctr"/>
+            <a:r>
+              <a:rPr lang="en-US" dirty="0" smtClean="0">
+                <a:solidFill>
+                  <a:schemeClr val="bg1">
+                    <a:lumMod val="65000"/>
+                  </a:schemeClr>
+                </a:solidFill>
+                <a:latin typeface="Agency FB" pitchFamily="34" charset="0"/>
+              </a:rPr>
+              <a:t>90</a:t>
+            </a:r>
+            <a:endParaRPr lang="en-US" dirty="0">
+              <a:solidFill>
+                <a:schemeClr val="bg1">
+                  <a:lumMod val="65000"/>
+                </a:schemeClr>
+              </a:solidFill>
+              <a:latin typeface="Agency FB" pitchFamily="34" charset="0"/>
+            </a:endParaRPr>
+          </a:p>
+        </p:txBody>
+      </p:sp>
+      <p:sp>
+        <p:nvSpPr>
+          <p:cNvPr id="55" name="Rounded Rectangle 54"/>
+          <p:cNvSpPr/>
+          <p:nvPr/>
+        </p:nvSpPr>
+        <p:spPr>
+          <a:xfrm>
+            <a:off x="190500" y="5183332"/>
+            <a:ext cx="1905000" cy="398317"/>
+          </a:xfrm>
+          <a:prstGeom prst="roundRect">
+            <a:avLst/>
+          </a:prstGeom>
+          <a:solidFill>
+            <a:schemeClr val="bg1">
+              <a:lumMod val="75000"/>
+            </a:schemeClr>
+          </a:solidFill>
+          <a:ln>
+            <a:solidFill>
+              <a:srgbClr val="00B0F0"/>
+            </a:solidFill>
+          </a:ln>
+        </p:spPr>
+        <p:style>
+          <a:lnRef idx="2">
+            <a:schemeClr val="accent1">
+              <a:shade val="50000"/>
+            </a:schemeClr>
+          </a:lnRef>
+          <a:fillRef idx="1">
+            <a:schemeClr val="accent1"/>
+          </a:fillRef>
+          <a:effectRef idx="0">
+            <a:schemeClr val="accent1"/>
+          </a:effectRef>
+          <a:fontRef idx="minor">
+            <a:schemeClr val="lt1"/>
+          </a:fontRef>
+        </p:style>
+        <p:txBody>
+          <a:bodyPr rtlCol="0" anchor="ctr"/>
+          <a:lstStyle/>
+          <a:p>
+            <a:pPr algn="ctr"/>
+            <a:r>
+              <a:rPr lang="en-US" dirty="0" smtClean="0">
+                <a:latin typeface="Agency FB" pitchFamily="34" charset="0"/>
+              </a:rPr>
+              <a:t>Edit Class</a:t>
+            </a:r>
+            <a:endParaRPr lang="en-US" dirty="0">
+              <a:latin typeface="Agency FB" pitchFamily="34" charset="0"/>
+            </a:endParaRPr>
+          </a:p>
+        </p:txBody>
+      </p:sp>
+      <p:sp>
+        <p:nvSpPr>
+          <p:cNvPr id="56" name="Rounded Rectangle 55"/>
+          <p:cNvSpPr/>
+          <p:nvPr/>
+        </p:nvSpPr>
+        <p:spPr>
+          <a:xfrm>
+            <a:off x="4876800" y="5878657"/>
+            <a:ext cx="1676400" cy="398317"/>
+          </a:xfrm>
+          <a:prstGeom prst="roundRect">
+            <a:avLst/>
+          </a:prstGeom>
+          <a:solidFill>
+            <a:schemeClr val="bg1">
+              <a:lumMod val="75000"/>
+            </a:schemeClr>
+          </a:solidFill>
+          <a:ln>
+            <a:solidFill>
+              <a:srgbClr val="00B0F0"/>
+            </a:solidFill>
+          </a:ln>
+        </p:spPr>
+        <p:style>
+          <a:lnRef idx="2">
+            <a:schemeClr val="accent1">
+              <a:shade val="50000"/>
+            </a:schemeClr>
+          </a:lnRef>
+          <a:fillRef idx="1">
+            <a:schemeClr val="accent1"/>
+          </a:fillRef>
+          <a:effectRef idx="0">
+            <a:schemeClr val="accent1"/>
+          </a:effectRef>
+          <a:fontRef idx="minor">
+            <a:schemeClr val="lt1"/>
+          </a:fontRef>
+        </p:style>
+        <p:txBody>
+          <a:bodyPr rtlCol="0" anchor="ctr"/>
+          <a:lstStyle/>
+          <a:p>
+            <a:pPr algn="ctr"/>
+            <a:r>
+              <a:rPr lang="en-US" dirty="0" smtClean="0">
+                <a:latin typeface="Agency FB" pitchFamily="34" charset="0"/>
+              </a:rPr>
+              <a:t>Edit Student</a:t>
+            </a:r>
+            <a:endParaRPr lang="en-US" dirty="0">
+              <a:latin typeface="Agency FB" pitchFamily="34" charset="0"/>
+            </a:endParaRPr>
+          </a:p>
+        </p:txBody>
+      </p:sp>
+      <p:sp>
+        <p:nvSpPr>
+          <p:cNvPr id="13" name="Rectangle 12"/>
+          <p:cNvSpPr/>
+          <p:nvPr/>
+        </p:nvSpPr>
+        <p:spPr>
+          <a:xfrm>
+            <a:off x="4681104" y="775855"/>
+            <a:ext cx="1752600" cy="304800"/>
+          </a:xfrm>
+          <a:prstGeom prst="rect">
+            <a:avLst/>
+          </a:prstGeom>
+          <a:solidFill>
+            <a:schemeClr val="bg1"/>
+          </a:solidFill>
+          <a:ln>
+            <a:solidFill>
+              <a:schemeClr val="bg1">
+                <a:lumMod val="85000"/>
+              </a:schemeClr>
+            </a:solidFill>
+          </a:ln>
+        </p:spPr>
+        <p:style>
+          <a:lnRef idx="2">
+            <a:schemeClr val="accent1">
+              <a:shade val="50000"/>
+            </a:schemeClr>
+          </a:lnRef>
+          <a:fillRef idx="1">
+            <a:schemeClr val="accent1"/>
+          </a:fillRef>
+          <a:effectRef idx="0">
+            <a:schemeClr val="accent1"/>
+          </a:effectRef>
+          <a:fontRef idx="minor">
+            <a:schemeClr val="lt1"/>
+          </a:fontRef>
+        </p:style>
+        <p:txBody>
+          <a:bodyPr rtlCol="0" anchor="ctr"/>
+          <a:lstStyle/>
+          <a:p>
+            <a:pPr algn="ctr"/>
+            <a:r>
+              <a:rPr lang="en-US" dirty="0" smtClean="0">
+                <a:solidFill>
+                  <a:schemeClr val="bg1">
+                    <a:lumMod val="65000"/>
+                  </a:schemeClr>
+                </a:solidFill>
+                <a:latin typeface="Agency FB" panose="020B0503020202020204" pitchFamily="34" charset="0"/>
+              </a:rPr>
+              <a:t>Class 1</a:t>
+            </a:r>
+            <a:endParaRPr lang="en-US" dirty="0">
+              <a:solidFill>
+                <a:schemeClr val="bg1">
+                  <a:lumMod val="65000"/>
+                </a:schemeClr>
+              </a:solidFill>
+              <a:latin typeface="Agency FB" panose="020B0503020202020204" pitchFamily="34" charset="0"/>
+            </a:endParaRPr>
+          </a:p>
+        </p:txBody>
+      </p:sp>
+      <p:sp>
+        <p:nvSpPr>
+          <p:cNvPr id="48" name="Rectangle 47"/>
+          <p:cNvSpPr/>
+          <p:nvPr/>
+        </p:nvSpPr>
+        <p:spPr>
+          <a:xfrm>
+            <a:off x="84364" y="692727"/>
+            <a:ext cx="2087336" cy="235528"/>
+          </a:xfrm>
+          <a:prstGeom prst="rect">
+            <a:avLst/>
+          </a:prstGeom>
+          <a:solidFill>
+            <a:schemeClr val="bg1"/>
+          </a:solidFill>
+          <a:ln>
+            <a:solidFill>
+              <a:schemeClr val="bg1">
+                <a:lumMod val="85000"/>
+              </a:schemeClr>
+            </a:solidFill>
+          </a:ln>
+        </p:spPr>
+        <p:style>
+          <a:lnRef idx="2">
+            <a:schemeClr val="accent1">
+              <a:shade val="50000"/>
+            </a:schemeClr>
+          </a:lnRef>
+          <a:fillRef idx="1">
+            <a:schemeClr val="accent1"/>
+          </a:fillRef>
+          <a:effectRef idx="0">
+            <a:schemeClr val="accent1"/>
+          </a:effectRef>
+          <a:fontRef idx="minor">
+            <a:schemeClr val="lt1"/>
+          </a:fontRef>
+        </p:style>
+        <p:txBody>
+          <a:bodyPr rtlCol="0" anchor="ctr"/>
+          <a:lstStyle/>
+          <a:p>
+            <a:pPr algn="ctr"/>
+            <a:r>
+              <a:rPr lang="en-US" dirty="0" smtClean="0">
+                <a:solidFill>
+                  <a:schemeClr val="bg1">
+                    <a:lumMod val="65000"/>
+                  </a:schemeClr>
+                </a:solidFill>
+                <a:latin typeface="Agency FB" panose="020B0503020202020204" pitchFamily="34" charset="0"/>
+              </a:rPr>
+              <a:t>Aarons Classes!</a:t>
+            </a:r>
+            <a:endParaRPr lang="en-US" dirty="0">
+              <a:solidFill>
+                <a:schemeClr val="bg1">
+                  <a:lumMod val="65000"/>
+                </a:schemeClr>
+              </a:solidFill>
+              <a:latin typeface="Agency FB" panose="020B0503020202020204" pitchFamily="34" charset="0"/>
+            </a:endParaRPr>
+          </a:p>
+        </p:txBody>
+      </p:sp>
+      <p:sp>
+        <p:nvSpPr>
+          <p:cNvPr id="49" name="Rounded Rectangle 48"/>
+          <p:cNvSpPr/>
+          <p:nvPr/>
+        </p:nvSpPr>
+        <p:spPr>
+          <a:xfrm>
+            <a:off x="7207827" y="810491"/>
+            <a:ext cx="1659082" cy="304800"/>
+          </a:xfrm>
+          <a:prstGeom prst="roundRect">
+            <a:avLst/>
+          </a:prstGeom>
+          <a:solidFill>
+            <a:schemeClr val="bg1"/>
+          </a:solidFill>
+          <a:ln>
+            <a:solidFill>
+              <a:srgbClr val="00B0F0"/>
+            </a:solidFill>
+          </a:ln>
+        </p:spPr>
+        <p:style>
+          <a:lnRef idx="2">
+            <a:schemeClr val="accent1">
+              <a:shade val="50000"/>
+            </a:schemeClr>
+          </a:lnRef>
+          <a:fillRef idx="1">
+            <a:schemeClr val="accent1"/>
+          </a:fillRef>
+          <a:effectRef idx="0">
+            <a:schemeClr val="accent1"/>
+          </a:effectRef>
+          <a:fontRef idx="minor">
+            <a:schemeClr val="lt1"/>
+          </a:fontRef>
+        </p:style>
+        <p:txBody>
+          <a:bodyPr rtlCol="0" anchor="ctr"/>
+          <a:lstStyle/>
+          <a:p>
+            <a:pPr algn="ctr"/>
+            <a:r>
+              <a:rPr lang="en-US" dirty="0" smtClean="0">
+                <a:solidFill>
+                  <a:schemeClr val="bg1">
+                    <a:lumMod val="65000"/>
+                  </a:schemeClr>
+                </a:solidFill>
+                <a:latin typeface="Agency FB" pitchFamily="34" charset="0"/>
+              </a:rPr>
+              <a:t>Share Grades</a:t>
+            </a:r>
+            <a:endParaRPr lang="en-US" dirty="0">
+              <a:solidFill>
+                <a:schemeClr val="bg1">
+                  <a:lumMod val="65000"/>
+                </a:schemeClr>
+              </a:solidFill>
+              <a:latin typeface="Agency FB" pitchFamily="34" charset="0"/>
+            </a:endParaRPr>
+          </a:p>
+        </p:txBody>
+      </p:sp>
+      <p:sp>
+        <p:nvSpPr>
+          <p:cNvPr id="50" name="Rounded Rectangle 49"/>
+          <p:cNvSpPr/>
+          <p:nvPr/>
+        </p:nvSpPr>
+        <p:spPr>
+          <a:xfrm>
+            <a:off x="2583873" y="1181100"/>
+            <a:ext cx="6283036" cy="342900"/>
           </a:xfrm>
           <a:prstGeom prst="roundRect">
             <a:avLst/>
@@ -4700,1112 +5819,6 @@
             </a:r>
             <a:endParaRPr lang="en-US" sz="2000" dirty="0">
               <a:latin typeface="Agency FB" pitchFamily="34" charset="0"/>
-            </a:endParaRPr>
-          </a:p>
-        </p:txBody>
-      </p:sp>
-      <p:sp>
-        <p:nvSpPr>
-          <p:cNvPr id="37" name="Rounded Rectangle 36"/>
-          <p:cNvSpPr/>
-          <p:nvPr/>
-        </p:nvSpPr>
-        <p:spPr>
-          <a:xfrm>
-            <a:off x="168729" y="4880266"/>
-            <a:ext cx="1905000" cy="398317"/>
-          </a:xfrm>
-          <a:prstGeom prst="roundRect">
-            <a:avLst/>
-          </a:prstGeom>
-          <a:solidFill>
-            <a:schemeClr val="bg1">
-              <a:lumMod val="75000"/>
-            </a:schemeClr>
-          </a:solidFill>
-          <a:ln>
-            <a:solidFill>
-              <a:srgbClr val="00B0F0"/>
-            </a:solidFill>
-          </a:ln>
-        </p:spPr>
-        <p:style>
-          <a:lnRef idx="2">
-            <a:schemeClr val="accent1">
-              <a:shade val="50000"/>
-            </a:schemeClr>
-          </a:lnRef>
-          <a:fillRef idx="1">
-            <a:schemeClr val="accent1"/>
-          </a:fillRef>
-          <a:effectRef idx="0">
-            <a:schemeClr val="accent1"/>
-          </a:effectRef>
-          <a:fontRef idx="minor">
-            <a:schemeClr val="lt1"/>
-          </a:fontRef>
-        </p:style>
-        <p:txBody>
-          <a:bodyPr rtlCol="0" anchor="ctr"/>
-          <a:lstStyle/>
-          <a:p>
-            <a:pPr algn="ctr"/>
-            <a:r>
-              <a:rPr lang="en-US" dirty="0" smtClean="0">
-                <a:latin typeface="Agency FB" pitchFamily="34" charset="0"/>
-              </a:rPr>
-              <a:t>Add Class</a:t>
-            </a:r>
-            <a:endParaRPr lang="en-US" dirty="0">
-              <a:latin typeface="Agency FB" pitchFamily="34" charset="0"/>
-            </a:endParaRPr>
-          </a:p>
-        </p:txBody>
-      </p:sp>
-      <p:sp>
-        <p:nvSpPr>
-          <p:cNvPr id="38" name="Rounded Rectangle 37"/>
-          <p:cNvSpPr/>
-          <p:nvPr/>
-        </p:nvSpPr>
-        <p:spPr>
-          <a:xfrm>
-            <a:off x="168729" y="5921956"/>
-            <a:ext cx="1905000" cy="398317"/>
-          </a:xfrm>
-          <a:prstGeom prst="roundRect">
-            <a:avLst/>
-          </a:prstGeom>
-          <a:solidFill>
-            <a:schemeClr val="bg1">
-              <a:lumMod val="75000"/>
-            </a:schemeClr>
-          </a:solidFill>
-          <a:ln>
-            <a:solidFill>
-              <a:srgbClr val="00B0F0"/>
-            </a:solidFill>
-          </a:ln>
-        </p:spPr>
-        <p:style>
-          <a:lnRef idx="2">
-            <a:schemeClr val="accent1">
-              <a:shade val="50000"/>
-            </a:schemeClr>
-          </a:lnRef>
-          <a:fillRef idx="1">
-            <a:schemeClr val="accent1"/>
-          </a:fillRef>
-          <a:effectRef idx="0">
-            <a:schemeClr val="accent1"/>
-          </a:effectRef>
-          <a:fontRef idx="minor">
-            <a:schemeClr val="lt1"/>
-          </a:fontRef>
-        </p:style>
-        <p:txBody>
-          <a:bodyPr rtlCol="0" anchor="ctr"/>
-          <a:lstStyle/>
-          <a:p>
-            <a:pPr algn="ctr"/>
-            <a:r>
-              <a:rPr lang="en-US" dirty="0" smtClean="0">
-                <a:latin typeface="Agency FB" pitchFamily="34" charset="0"/>
-              </a:rPr>
-              <a:t>Delete Class</a:t>
-            </a:r>
-            <a:endParaRPr lang="en-US" dirty="0">
-              <a:latin typeface="Agency FB" pitchFamily="34" charset="0"/>
-            </a:endParaRPr>
-          </a:p>
-        </p:txBody>
-      </p:sp>
-      <p:sp>
-        <p:nvSpPr>
-          <p:cNvPr id="39" name="Rectangle 38"/>
-          <p:cNvSpPr/>
-          <p:nvPr/>
-        </p:nvSpPr>
-        <p:spPr>
-          <a:xfrm>
-            <a:off x="2057400" y="1447800"/>
-            <a:ext cx="228600" cy="2971800"/>
-          </a:xfrm>
-          <a:prstGeom prst="rect">
-            <a:avLst/>
-          </a:prstGeom>
-          <a:solidFill>
-            <a:schemeClr val="bg1"/>
-          </a:solidFill>
-          <a:ln>
-            <a:solidFill>
-              <a:schemeClr val="bg1">
-                <a:lumMod val="95000"/>
-              </a:schemeClr>
-            </a:solidFill>
-          </a:ln>
-        </p:spPr>
-        <p:style>
-          <a:lnRef idx="2">
-            <a:schemeClr val="accent1">
-              <a:shade val="50000"/>
-            </a:schemeClr>
-          </a:lnRef>
-          <a:fillRef idx="1">
-            <a:schemeClr val="accent1"/>
-          </a:fillRef>
-          <a:effectRef idx="0">
-            <a:schemeClr val="accent1"/>
-          </a:effectRef>
-          <a:fontRef idx="minor">
-            <a:schemeClr val="lt1"/>
-          </a:fontRef>
-        </p:style>
-        <p:txBody>
-          <a:bodyPr rtlCol="0" anchor="ctr"/>
-          <a:lstStyle/>
-          <a:p>
-            <a:pPr algn="ctr"/>
-            <a:endParaRPr lang="en-US"/>
-          </a:p>
-        </p:txBody>
-      </p:sp>
-      <p:sp>
-        <p:nvSpPr>
-          <p:cNvPr id="40" name="Rectangle 39"/>
-          <p:cNvSpPr/>
-          <p:nvPr/>
-        </p:nvSpPr>
-        <p:spPr>
-          <a:xfrm>
-            <a:off x="2073729" y="1447800"/>
-            <a:ext cx="212271" cy="1006187"/>
-          </a:xfrm>
-          <a:prstGeom prst="rect">
-            <a:avLst/>
-          </a:prstGeom>
-          <a:solidFill>
-            <a:schemeClr val="bg1">
-              <a:lumMod val="85000"/>
-            </a:schemeClr>
-          </a:solidFill>
-          <a:ln>
-            <a:solidFill>
-              <a:schemeClr val="bg2"/>
-            </a:solidFill>
-          </a:ln>
-        </p:spPr>
-        <p:style>
-          <a:lnRef idx="2">
-            <a:schemeClr val="accent1">
-              <a:shade val="50000"/>
-            </a:schemeClr>
-          </a:lnRef>
-          <a:fillRef idx="1">
-            <a:schemeClr val="accent1"/>
-          </a:fillRef>
-          <a:effectRef idx="0">
-            <a:schemeClr val="accent1"/>
-          </a:effectRef>
-          <a:fontRef idx="minor">
-            <a:schemeClr val="lt1"/>
-          </a:fontRef>
-        </p:style>
-        <p:txBody>
-          <a:bodyPr rtlCol="0" anchor="ctr"/>
-          <a:lstStyle/>
-          <a:p>
-            <a:pPr algn="ctr"/>
-            <a:endParaRPr lang="en-US">
-              <a:solidFill>
-                <a:schemeClr val="bg1">
-                  <a:lumMod val="65000"/>
-                </a:schemeClr>
-              </a:solidFill>
-            </a:endParaRPr>
-          </a:p>
-        </p:txBody>
-      </p:sp>
-      <p:sp>
-        <p:nvSpPr>
-          <p:cNvPr id="41" name="TextBox 40"/>
-          <p:cNvSpPr txBox="1"/>
-          <p:nvPr/>
-        </p:nvSpPr>
-        <p:spPr>
-          <a:xfrm>
-            <a:off x="189511" y="104745"/>
-            <a:ext cx="1863436" cy="400110"/>
-          </a:xfrm>
-          <a:prstGeom prst="rect">
-            <a:avLst/>
-          </a:prstGeom>
-          <a:noFill/>
-        </p:spPr>
-        <p:txBody>
-          <a:bodyPr wrap="square" rtlCol="0">
-            <a:spAutoFit/>
-          </a:bodyPr>
-          <a:lstStyle/>
-          <a:p>
-            <a:r>
-              <a:rPr lang="en-US" sz="2000" dirty="0" smtClean="0">
-                <a:solidFill>
-                  <a:schemeClr val="bg1"/>
-                </a:solidFill>
-                <a:latin typeface="Agency FB" pitchFamily="34" charset="0"/>
-              </a:rPr>
-              <a:t>Sign Out </a:t>
-            </a:r>
-            <a:endParaRPr lang="en-US" sz="2000" dirty="0">
-              <a:solidFill>
-                <a:schemeClr val="bg1"/>
-              </a:solidFill>
-              <a:latin typeface="Agency FB" pitchFamily="34" charset="0"/>
-            </a:endParaRPr>
-          </a:p>
-        </p:txBody>
-      </p:sp>
-      <p:sp>
-        <p:nvSpPr>
-          <p:cNvPr id="42" name="Rounded Rectangle 41"/>
-          <p:cNvSpPr/>
-          <p:nvPr/>
-        </p:nvSpPr>
-        <p:spPr>
-          <a:xfrm>
-            <a:off x="5943600" y="1798493"/>
-            <a:ext cx="1659082" cy="304800"/>
-          </a:xfrm>
-          <a:prstGeom prst="roundRect">
-            <a:avLst/>
-          </a:prstGeom>
-          <a:solidFill>
-            <a:schemeClr val="bg1"/>
-          </a:solidFill>
-          <a:ln>
-            <a:solidFill>
-              <a:srgbClr val="00B0F0"/>
-            </a:solidFill>
-          </a:ln>
-        </p:spPr>
-        <p:style>
-          <a:lnRef idx="2">
-            <a:schemeClr val="accent1">
-              <a:shade val="50000"/>
-            </a:schemeClr>
-          </a:lnRef>
-          <a:fillRef idx="1">
-            <a:schemeClr val="accent1"/>
-          </a:fillRef>
-          <a:effectRef idx="0">
-            <a:schemeClr val="accent1"/>
-          </a:effectRef>
-          <a:fontRef idx="minor">
-            <a:schemeClr val="lt1"/>
-          </a:fontRef>
-        </p:style>
-        <p:txBody>
-          <a:bodyPr rtlCol="0" anchor="ctr"/>
-          <a:lstStyle/>
-          <a:p>
-            <a:pPr algn="ctr"/>
-            <a:r>
-              <a:rPr lang="en-US" dirty="0" smtClean="0">
-                <a:solidFill>
-                  <a:schemeClr val="bg1">
-                    <a:lumMod val="65000"/>
-                  </a:schemeClr>
-                </a:solidFill>
-                <a:latin typeface="Agency FB" pitchFamily="34" charset="0"/>
-              </a:rPr>
-              <a:t>Overall Grade</a:t>
-            </a:r>
-            <a:endParaRPr lang="en-US" dirty="0">
-              <a:solidFill>
-                <a:schemeClr val="bg1">
-                  <a:lumMod val="65000"/>
-                </a:schemeClr>
-              </a:solidFill>
-              <a:latin typeface="Agency FB" pitchFamily="34" charset="0"/>
-            </a:endParaRPr>
-          </a:p>
-        </p:txBody>
-      </p:sp>
-      <p:sp>
-        <p:nvSpPr>
-          <p:cNvPr id="43" name="Rounded Rectangle 42"/>
-          <p:cNvSpPr/>
-          <p:nvPr/>
-        </p:nvSpPr>
-        <p:spPr>
-          <a:xfrm>
-            <a:off x="5943600" y="2542887"/>
-            <a:ext cx="1659082" cy="304800"/>
-          </a:xfrm>
-          <a:prstGeom prst="roundRect">
-            <a:avLst/>
-          </a:prstGeom>
-          <a:solidFill>
-            <a:schemeClr val="bg1"/>
-          </a:solidFill>
-          <a:ln>
-            <a:solidFill>
-              <a:srgbClr val="00B0F0"/>
-            </a:solidFill>
-          </a:ln>
-        </p:spPr>
-        <p:style>
-          <a:lnRef idx="2">
-            <a:schemeClr val="accent1">
-              <a:shade val="50000"/>
-            </a:schemeClr>
-          </a:lnRef>
-          <a:fillRef idx="1">
-            <a:schemeClr val="accent1"/>
-          </a:fillRef>
-          <a:effectRef idx="0">
-            <a:schemeClr val="accent1"/>
-          </a:effectRef>
-          <a:fontRef idx="minor">
-            <a:schemeClr val="lt1"/>
-          </a:fontRef>
-        </p:style>
-        <p:txBody>
-          <a:bodyPr rtlCol="0" anchor="ctr"/>
-          <a:lstStyle/>
-          <a:p>
-            <a:pPr algn="ctr"/>
-            <a:r>
-              <a:rPr lang="en-US" dirty="0" smtClean="0">
-                <a:solidFill>
-                  <a:schemeClr val="bg1">
-                    <a:lumMod val="65000"/>
-                  </a:schemeClr>
-                </a:solidFill>
-                <a:latin typeface="Agency FB" pitchFamily="34" charset="0"/>
-              </a:rPr>
-              <a:t>Overall Grade</a:t>
-            </a:r>
-            <a:endParaRPr lang="en-US" dirty="0">
-              <a:solidFill>
-                <a:schemeClr val="bg1">
-                  <a:lumMod val="65000"/>
-                </a:schemeClr>
-              </a:solidFill>
-              <a:latin typeface="Agency FB" pitchFamily="34" charset="0"/>
-            </a:endParaRPr>
-          </a:p>
-        </p:txBody>
-      </p:sp>
-      <p:sp>
-        <p:nvSpPr>
-          <p:cNvPr id="44" name="Rounded Rectangle 43"/>
-          <p:cNvSpPr/>
-          <p:nvPr/>
-        </p:nvSpPr>
-        <p:spPr>
-          <a:xfrm>
-            <a:off x="5943600" y="3271404"/>
-            <a:ext cx="1659082" cy="304800"/>
-          </a:xfrm>
-          <a:prstGeom prst="roundRect">
-            <a:avLst/>
-          </a:prstGeom>
-          <a:solidFill>
-            <a:schemeClr val="bg1"/>
-          </a:solidFill>
-          <a:ln>
-            <a:solidFill>
-              <a:srgbClr val="00B0F0"/>
-            </a:solidFill>
-          </a:ln>
-        </p:spPr>
-        <p:style>
-          <a:lnRef idx="2">
-            <a:schemeClr val="accent1">
-              <a:shade val="50000"/>
-            </a:schemeClr>
-          </a:lnRef>
-          <a:fillRef idx="1">
-            <a:schemeClr val="accent1"/>
-          </a:fillRef>
-          <a:effectRef idx="0">
-            <a:schemeClr val="accent1"/>
-          </a:effectRef>
-          <a:fontRef idx="minor">
-            <a:schemeClr val="lt1"/>
-          </a:fontRef>
-        </p:style>
-        <p:txBody>
-          <a:bodyPr rtlCol="0" anchor="ctr"/>
-          <a:lstStyle/>
-          <a:p>
-            <a:pPr algn="ctr"/>
-            <a:r>
-              <a:rPr lang="en-US" dirty="0" smtClean="0">
-                <a:solidFill>
-                  <a:schemeClr val="bg1">
-                    <a:lumMod val="65000"/>
-                  </a:schemeClr>
-                </a:solidFill>
-                <a:latin typeface="Agency FB" pitchFamily="34" charset="0"/>
-              </a:rPr>
-              <a:t>Overall Grade</a:t>
-            </a:r>
-            <a:endParaRPr lang="en-US" dirty="0">
-              <a:solidFill>
-                <a:schemeClr val="bg1">
-                  <a:lumMod val="65000"/>
-                </a:schemeClr>
-              </a:solidFill>
-              <a:latin typeface="Agency FB" pitchFamily="34" charset="0"/>
-            </a:endParaRPr>
-          </a:p>
-        </p:txBody>
-      </p:sp>
-      <p:sp>
-        <p:nvSpPr>
-          <p:cNvPr id="45" name="Rounded Rectangle 44"/>
-          <p:cNvSpPr/>
-          <p:nvPr/>
-        </p:nvSpPr>
-        <p:spPr>
-          <a:xfrm>
-            <a:off x="5943600" y="4007180"/>
-            <a:ext cx="1659082" cy="304800"/>
-          </a:xfrm>
-          <a:prstGeom prst="roundRect">
-            <a:avLst/>
-          </a:prstGeom>
-          <a:solidFill>
-            <a:schemeClr val="bg1"/>
-          </a:solidFill>
-          <a:ln>
-            <a:solidFill>
-              <a:srgbClr val="00B0F0"/>
-            </a:solidFill>
-          </a:ln>
-        </p:spPr>
-        <p:style>
-          <a:lnRef idx="2">
-            <a:schemeClr val="accent1">
-              <a:shade val="50000"/>
-            </a:schemeClr>
-          </a:lnRef>
-          <a:fillRef idx="1">
-            <a:schemeClr val="accent1"/>
-          </a:fillRef>
-          <a:effectRef idx="0">
-            <a:schemeClr val="accent1"/>
-          </a:effectRef>
-          <a:fontRef idx="minor">
-            <a:schemeClr val="lt1"/>
-          </a:fontRef>
-        </p:style>
-        <p:txBody>
-          <a:bodyPr rtlCol="0" anchor="ctr"/>
-          <a:lstStyle/>
-          <a:p>
-            <a:pPr algn="ctr"/>
-            <a:r>
-              <a:rPr lang="en-US" dirty="0" smtClean="0">
-                <a:solidFill>
-                  <a:schemeClr val="bg1">
-                    <a:lumMod val="65000"/>
-                  </a:schemeClr>
-                </a:solidFill>
-                <a:latin typeface="Agency FB" pitchFamily="34" charset="0"/>
-              </a:rPr>
-              <a:t>Overall Grade</a:t>
-            </a:r>
-            <a:endParaRPr lang="en-US" dirty="0">
-              <a:solidFill>
-                <a:schemeClr val="bg1">
-                  <a:lumMod val="65000"/>
-                </a:schemeClr>
-              </a:solidFill>
-              <a:latin typeface="Agency FB" pitchFamily="34" charset="0"/>
-            </a:endParaRPr>
-          </a:p>
-        </p:txBody>
-      </p:sp>
-      <p:sp>
-        <p:nvSpPr>
-          <p:cNvPr id="46" name="Rounded Rectangle 45"/>
-          <p:cNvSpPr/>
-          <p:nvPr/>
-        </p:nvSpPr>
-        <p:spPr>
-          <a:xfrm>
-            <a:off x="5943600" y="4707082"/>
-            <a:ext cx="1659082" cy="304800"/>
-          </a:xfrm>
-          <a:prstGeom prst="roundRect">
-            <a:avLst/>
-          </a:prstGeom>
-          <a:solidFill>
-            <a:schemeClr val="bg1"/>
-          </a:solidFill>
-          <a:ln>
-            <a:solidFill>
-              <a:srgbClr val="00B0F0"/>
-            </a:solidFill>
-          </a:ln>
-        </p:spPr>
-        <p:style>
-          <a:lnRef idx="2">
-            <a:schemeClr val="accent1">
-              <a:shade val="50000"/>
-            </a:schemeClr>
-          </a:lnRef>
-          <a:fillRef idx="1">
-            <a:schemeClr val="accent1"/>
-          </a:fillRef>
-          <a:effectRef idx="0">
-            <a:schemeClr val="accent1"/>
-          </a:effectRef>
-          <a:fontRef idx="minor">
-            <a:schemeClr val="lt1"/>
-          </a:fontRef>
-        </p:style>
-        <p:txBody>
-          <a:bodyPr rtlCol="0" anchor="ctr"/>
-          <a:lstStyle/>
-          <a:p>
-            <a:pPr algn="ctr"/>
-            <a:r>
-              <a:rPr lang="en-US" dirty="0" smtClean="0">
-                <a:solidFill>
-                  <a:schemeClr val="bg1">
-                    <a:lumMod val="65000"/>
-                  </a:schemeClr>
-                </a:solidFill>
-                <a:latin typeface="Agency FB" pitchFamily="34" charset="0"/>
-              </a:rPr>
-              <a:t>Overall Grade</a:t>
-            </a:r>
-            <a:endParaRPr lang="en-US" dirty="0">
-              <a:solidFill>
-                <a:schemeClr val="bg1">
-                  <a:lumMod val="65000"/>
-                </a:schemeClr>
-              </a:solidFill>
-              <a:latin typeface="Agency FB" pitchFamily="34" charset="0"/>
-            </a:endParaRPr>
-          </a:p>
-        </p:txBody>
-      </p:sp>
-      <p:sp>
-        <p:nvSpPr>
-          <p:cNvPr id="47" name="Rounded Rectangle 46"/>
-          <p:cNvSpPr/>
-          <p:nvPr/>
-        </p:nvSpPr>
-        <p:spPr>
-          <a:xfrm>
-            <a:off x="7692736" y="1804121"/>
-            <a:ext cx="703118" cy="293543"/>
-          </a:xfrm>
-          <a:prstGeom prst="roundRect">
-            <a:avLst/>
-          </a:prstGeom>
-          <a:solidFill>
-            <a:schemeClr val="bg1"/>
-          </a:solidFill>
-          <a:ln>
-            <a:solidFill>
-              <a:srgbClr val="00B0F0"/>
-            </a:solidFill>
-          </a:ln>
-        </p:spPr>
-        <p:style>
-          <a:lnRef idx="2">
-            <a:schemeClr val="accent1">
-              <a:shade val="50000"/>
-            </a:schemeClr>
-          </a:lnRef>
-          <a:fillRef idx="1">
-            <a:schemeClr val="accent1"/>
-          </a:fillRef>
-          <a:effectRef idx="0">
-            <a:schemeClr val="accent1"/>
-          </a:effectRef>
-          <a:fontRef idx="minor">
-            <a:schemeClr val="lt1"/>
-          </a:fontRef>
-        </p:style>
-        <p:txBody>
-          <a:bodyPr rtlCol="0" anchor="ctr"/>
-          <a:lstStyle/>
-          <a:p>
-            <a:pPr algn="ctr"/>
-            <a:r>
-              <a:rPr lang="en-US" dirty="0" smtClean="0">
-                <a:solidFill>
-                  <a:schemeClr val="bg1">
-                    <a:lumMod val="65000"/>
-                  </a:schemeClr>
-                </a:solidFill>
-                <a:latin typeface="Agency FB" pitchFamily="34" charset="0"/>
-              </a:rPr>
-              <a:t>100</a:t>
-            </a:r>
-            <a:endParaRPr lang="en-US" dirty="0">
-              <a:solidFill>
-                <a:schemeClr val="bg1">
-                  <a:lumMod val="65000"/>
-                </a:schemeClr>
-              </a:solidFill>
-              <a:latin typeface="Agency FB" pitchFamily="34" charset="0"/>
-            </a:endParaRPr>
-          </a:p>
-        </p:txBody>
-      </p:sp>
-      <p:sp>
-        <p:nvSpPr>
-          <p:cNvPr id="51" name="Rounded Rectangle 50"/>
-          <p:cNvSpPr/>
-          <p:nvPr/>
-        </p:nvSpPr>
-        <p:spPr>
-          <a:xfrm>
-            <a:off x="7717228" y="2554144"/>
-            <a:ext cx="703118" cy="293543"/>
-          </a:xfrm>
-          <a:prstGeom prst="roundRect">
-            <a:avLst/>
-          </a:prstGeom>
-          <a:solidFill>
-            <a:schemeClr val="bg1"/>
-          </a:solidFill>
-          <a:ln>
-            <a:solidFill>
-              <a:srgbClr val="00B0F0"/>
-            </a:solidFill>
-          </a:ln>
-        </p:spPr>
-        <p:style>
-          <a:lnRef idx="2">
-            <a:schemeClr val="accent1">
-              <a:shade val="50000"/>
-            </a:schemeClr>
-          </a:lnRef>
-          <a:fillRef idx="1">
-            <a:schemeClr val="accent1"/>
-          </a:fillRef>
-          <a:effectRef idx="0">
-            <a:schemeClr val="accent1"/>
-          </a:effectRef>
-          <a:fontRef idx="minor">
-            <a:schemeClr val="lt1"/>
-          </a:fontRef>
-        </p:style>
-        <p:txBody>
-          <a:bodyPr rtlCol="0" anchor="ctr"/>
-          <a:lstStyle/>
-          <a:p>
-            <a:pPr algn="ctr"/>
-            <a:r>
-              <a:rPr lang="en-US" dirty="0" smtClean="0">
-                <a:solidFill>
-                  <a:schemeClr val="bg1">
-                    <a:lumMod val="65000"/>
-                  </a:schemeClr>
-                </a:solidFill>
-                <a:latin typeface="Agency FB" pitchFamily="34" charset="0"/>
-              </a:rPr>
-              <a:t>98</a:t>
-            </a:r>
-            <a:endParaRPr lang="en-US" dirty="0">
-              <a:solidFill>
-                <a:schemeClr val="bg1">
-                  <a:lumMod val="65000"/>
-                </a:schemeClr>
-              </a:solidFill>
-              <a:latin typeface="Agency FB" pitchFamily="34" charset="0"/>
-            </a:endParaRPr>
-          </a:p>
-        </p:txBody>
-      </p:sp>
-      <p:sp>
-        <p:nvSpPr>
-          <p:cNvPr id="52" name="Rounded Rectangle 51"/>
-          <p:cNvSpPr/>
-          <p:nvPr/>
-        </p:nvSpPr>
-        <p:spPr>
-          <a:xfrm>
-            <a:off x="7699333" y="3271404"/>
-            <a:ext cx="703118" cy="293543"/>
-          </a:xfrm>
-          <a:prstGeom prst="roundRect">
-            <a:avLst/>
-          </a:prstGeom>
-          <a:solidFill>
-            <a:schemeClr val="bg1"/>
-          </a:solidFill>
-          <a:ln>
-            <a:solidFill>
-              <a:srgbClr val="00B0F0"/>
-            </a:solidFill>
-          </a:ln>
-        </p:spPr>
-        <p:style>
-          <a:lnRef idx="2">
-            <a:schemeClr val="accent1">
-              <a:shade val="50000"/>
-            </a:schemeClr>
-          </a:lnRef>
-          <a:fillRef idx="1">
-            <a:schemeClr val="accent1"/>
-          </a:fillRef>
-          <a:effectRef idx="0">
-            <a:schemeClr val="accent1"/>
-          </a:effectRef>
-          <a:fontRef idx="minor">
-            <a:schemeClr val="lt1"/>
-          </a:fontRef>
-        </p:style>
-        <p:txBody>
-          <a:bodyPr rtlCol="0" anchor="ctr"/>
-          <a:lstStyle/>
-          <a:p>
-            <a:pPr algn="ctr"/>
-            <a:r>
-              <a:rPr lang="en-US" dirty="0" smtClean="0">
-                <a:solidFill>
-                  <a:schemeClr val="bg1">
-                    <a:lumMod val="65000"/>
-                  </a:schemeClr>
-                </a:solidFill>
-                <a:latin typeface="Agency FB" pitchFamily="34" charset="0"/>
-              </a:rPr>
-              <a:t>76</a:t>
-            </a:r>
-            <a:endParaRPr lang="en-US" dirty="0">
-              <a:solidFill>
-                <a:schemeClr val="bg1">
-                  <a:lumMod val="65000"/>
-                </a:schemeClr>
-              </a:solidFill>
-              <a:latin typeface="Agency FB" pitchFamily="34" charset="0"/>
-            </a:endParaRPr>
-          </a:p>
-        </p:txBody>
-      </p:sp>
-      <p:sp>
-        <p:nvSpPr>
-          <p:cNvPr id="53" name="Rounded Rectangle 52"/>
-          <p:cNvSpPr/>
-          <p:nvPr/>
-        </p:nvSpPr>
-        <p:spPr>
-          <a:xfrm>
-            <a:off x="7699333" y="4018437"/>
-            <a:ext cx="703118" cy="293543"/>
-          </a:xfrm>
-          <a:prstGeom prst="roundRect">
-            <a:avLst/>
-          </a:prstGeom>
-          <a:solidFill>
-            <a:schemeClr val="bg1"/>
-          </a:solidFill>
-          <a:ln>
-            <a:solidFill>
-              <a:srgbClr val="00B0F0"/>
-            </a:solidFill>
-          </a:ln>
-        </p:spPr>
-        <p:style>
-          <a:lnRef idx="2">
-            <a:schemeClr val="accent1">
-              <a:shade val="50000"/>
-            </a:schemeClr>
-          </a:lnRef>
-          <a:fillRef idx="1">
-            <a:schemeClr val="accent1"/>
-          </a:fillRef>
-          <a:effectRef idx="0">
-            <a:schemeClr val="accent1"/>
-          </a:effectRef>
-          <a:fontRef idx="minor">
-            <a:schemeClr val="lt1"/>
-          </a:fontRef>
-        </p:style>
-        <p:txBody>
-          <a:bodyPr rtlCol="0" anchor="ctr"/>
-          <a:lstStyle/>
-          <a:p>
-            <a:pPr algn="ctr"/>
-            <a:r>
-              <a:rPr lang="en-US" dirty="0" smtClean="0">
-                <a:solidFill>
-                  <a:schemeClr val="bg1">
-                    <a:lumMod val="65000"/>
-                  </a:schemeClr>
-                </a:solidFill>
-                <a:latin typeface="Agency FB" pitchFamily="34" charset="0"/>
-              </a:rPr>
-              <a:t>87</a:t>
-            </a:r>
-            <a:endParaRPr lang="en-US" dirty="0">
-              <a:solidFill>
-                <a:schemeClr val="bg1">
-                  <a:lumMod val="65000"/>
-                </a:schemeClr>
-              </a:solidFill>
-              <a:latin typeface="Agency FB" pitchFamily="34" charset="0"/>
-            </a:endParaRPr>
-          </a:p>
-        </p:txBody>
-      </p:sp>
-      <p:sp>
-        <p:nvSpPr>
-          <p:cNvPr id="54" name="Rounded Rectangle 53"/>
-          <p:cNvSpPr/>
-          <p:nvPr/>
-        </p:nvSpPr>
-        <p:spPr>
-          <a:xfrm>
-            <a:off x="7699333" y="4718339"/>
-            <a:ext cx="703118" cy="293543"/>
-          </a:xfrm>
-          <a:prstGeom prst="roundRect">
-            <a:avLst/>
-          </a:prstGeom>
-          <a:solidFill>
-            <a:schemeClr val="bg1"/>
-          </a:solidFill>
-          <a:ln>
-            <a:solidFill>
-              <a:srgbClr val="00B0F0"/>
-            </a:solidFill>
-          </a:ln>
-        </p:spPr>
-        <p:style>
-          <a:lnRef idx="2">
-            <a:schemeClr val="accent1">
-              <a:shade val="50000"/>
-            </a:schemeClr>
-          </a:lnRef>
-          <a:fillRef idx="1">
-            <a:schemeClr val="accent1"/>
-          </a:fillRef>
-          <a:effectRef idx="0">
-            <a:schemeClr val="accent1"/>
-          </a:effectRef>
-          <a:fontRef idx="minor">
-            <a:schemeClr val="lt1"/>
-          </a:fontRef>
-        </p:style>
-        <p:txBody>
-          <a:bodyPr rtlCol="0" anchor="ctr"/>
-          <a:lstStyle/>
-          <a:p>
-            <a:pPr algn="ctr"/>
-            <a:r>
-              <a:rPr lang="en-US" dirty="0" smtClean="0">
-                <a:solidFill>
-                  <a:schemeClr val="bg1">
-                    <a:lumMod val="65000"/>
-                  </a:schemeClr>
-                </a:solidFill>
-                <a:latin typeface="Agency FB" pitchFamily="34" charset="0"/>
-              </a:rPr>
-              <a:t>90</a:t>
-            </a:r>
-            <a:endParaRPr lang="en-US" dirty="0">
-              <a:solidFill>
-                <a:schemeClr val="bg1">
-                  <a:lumMod val="65000"/>
-                </a:schemeClr>
-              </a:solidFill>
-              <a:latin typeface="Agency FB" pitchFamily="34" charset="0"/>
-            </a:endParaRPr>
-          </a:p>
-        </p:txBody>
-      </p:sp>
-      <p:sp>
-        <p:nvSpPr>
-          <p:cNvPr id="55" name="Rounded Rectangle 54"/>
-          <p:cNvSpPr/>
-          <p:nvPr/>
-        </p:nvSpPr>
-        <p:spPr>
-          <a:xfrm>
-            <a:off x="190500" y="5412678"/>
-            <a:ext cx="1905000" cy="398317"/>
-          </a:xfrm>
-          <a:prstGeom prst="roundRect">
-            <a:avLst/>
-          </a:prstGeom>
-          <a:solidFill>
-            <a:schemeClr val="bg1">
-              <a:lumMod val="75000"/>
-            </a:schemeClr>
-          </a:solidFill>
-          <a:ln>
-            <a:solidFill>
-              <a:srgbClr val="00B0F0"/>
-            </a:solidFill>
-          </a:ln>
-        </p:spPr>
-        <p:style>
-          <a:lnRef idx="2">
-            <a:schemeClr val="accent1">
-              <a:shade val="50000"/>
-            </a:schemeClr>
-          </a:lnRef>
-          <a:fillRef idx="1">
-            <a:schemeClr val="accent1"/>
-          </a:fillRef>
-          <a:effectRef idx="0">
-            <a:schemeClr val="accent1"/>
-          </a:effectRef>
-          <a:fontRef idx="minor">
-            <a:schemeClr val="lt1"/>
-          </a:fontRef>
-        </p:style>
-        <p:txBody>
-          <a:bodyPr rtlCol="0" anchor="ctr"/>
-          <a:lstStyle/>
-          <a:p>
-            <a:pPr algn="ctr"/>
-            <a:r>
-              <a:rPr lang="en-US" dirty="0" smtClean="0">
-                <a:latin typeface="Agency FB" pitchFamily="34" charset="0"/>
-              </a:rPr>
-              <a:t>Edit Class</a:t>
-            </a:r>
-            <a:endParaRPr lang="en-US" dirty="0">
-              <a:latin typeface="Agency FB" pitchFamily="34" charset="0"/>
-            </a:endParaRPr>
-          </a:p>
-        </p:txBody>
-      </p:sp>
-      <p:sp>
-        <p:nvSpPr>
-          <p:cNvPr id="56" name="Rounded Rectangle 55"/>
-          <p:cNvSpPr/>
-          <p:nvPr/>
-        </p:nvSpPr>
-        <p:spPr>
-          <a:xfrm>
-            <a:off x="4876800" y="5878657"/>
-            <a:ext cx="1676400" cy="398317"/>
-          </a:xfrm>
-          <a:prstGeom prst="roundRect">
-            <a:avLst/>
-          </a:prstGeom>
-          <a:solidFill>
-            <a:schemeClr val="bg1">
-              <a:lumMod val="75000"/>
-            </a:schemeClr>
-          </a:solidFill>
-          <a:ln>
-            <a:solidFill>
-              <a:srgbClr val="00B0F0"/>
-            </a:solidFill>
-          </a:ln>
-        </p:spPr>
-        <p:style>
-          <a:lnRef idx="2">
-            <a:schemeClr val="accent1">
-              <a:shade val="50000"/>
-            </a:schemeClr>
-          </a:lnRef>
-          <a:fillRef idx="1">
-            <a:schemeClr val="accent1"/>
-          </a:fillRef>
-          <a:effectRef idx="0">
-            <a:schemeClr val="accent1"/>
-          </a:effectRef>
-          <a:fontRef idx="minor">
-            <a:schemeClr val="lt1"/>
-          </a:fontRef>
-        </p:style>
-        <p:txBody>
-          <a:bodyPr rtlCol="0" anchor="ctr"/>
-          <a:lstStyle/>
-          <a:p>
-            <a:pPr algn="ctr"/>
-            <a:r>
-              <a:rPr lang="en-US" dirty="0" smtClean="0">
-                <a:latin typeface="Agency FB" pitchFamily="34" charset="0"/>
-              </a:rPr>
-              <a:t>Edit Student</a:t>
-            </a:r>
-            <a:endParaRPr lang="en-US" dirty="0">
-              <a:latin typeface="Agency FB" pitchFamily="34" charset="0"/>
-            </a:endParaRPr>
-          </a:p>
-        </p:txBody>
-      </p:sp>
-      <p:sp>
-        <p:nvSpPr>
-          <p:cNvPr id="13" name="Rectangle 12"/>
-          <p:cNvSpPr/>
-          <p:nvPr/>
-        </p:nvSpPr>
-        <p:spPr>
-          <a:xfrm>
-            <a:off x="4681104" y="775855"/>
-            <a:ext cx="1752600" cy="304800"/>
-          </a:xfrm>
-          <a:prstGeom prst="rect">
-            <a:avLst/>
-          </a:prstGeom>
-          <a:solidFill>
-            <a:schemeClr val="bg1"/>
-          </a:solidFill>
-          <a:ln>
-            <a:solidFill>
-              <a:schemeClr val="bg1">
-                <a:lumMod val="85000"/>
-              </a:schemeClr>
-            </a:solidFill>
-          </a:ln>
-        </p:spPr>
-        <p:style>
-          <a:lnRef idx="2">
-            <a:schemeClr val="accent1">
-              <a:shade val="50000"/>
-            </a:schemeClr>
-          </a:lnRef>
-          <a:fillRef idx="1">
-            <a:schemeClr val="accent1"/>
-          </a:fillRef>
-          <a:effectRef idx="0">
-            <a:schemeClr val="accent1"/>
-          </a:effectRef>
-          <a:fontRef idx="minor">
-            <a:schemeClr val="lt1"/>
-          </a:fontRef>
-        </p:style>
-        <p:txBody>
-          <a:bodyPr rtlCol="0" anchor="ctr"/>
-          <a:lstStyle/>
-          <a:p>
-            <a:pPr algn="ctr"/>
-            <a:r>
-              <a:rPr lang="en-US" dirty="0" smtClean="0">
-                <a:solidFill>
-                  <a:schemeClr val="bg1">
-                    <a:lumMod val="65000"/>
-                  </a:schemeClr>
-                </a:solidFill>
-                <a:latin typeface="Agency FB" panose="020B0503020202020204" pitchFamily="34" charset="0"/>
-              </a:rPr>
-              <a:t>Class 1</a:t>
-            </a:r>
-            <a:endParaRPr lang="en-US" dirty="0">
-              <a:solidFill>
-                <a:schemeClr val="bg1">
-                  <a:lumMod val="65000"/>
-                </a:schemeClr>
-              </a:solidFill>
-              <a:latin typeface="Agency FB" panose="020B0503020202020204" pitchFamily="34" charset="0"/>
             </a:endParaRPr>
           </a:p>
         </p:txBody>
@@ -6080,8 +6093,8 @@
         </p:nvSpPr>
         <p:spPr>
           <a:xfrm>
-            <a:off x="152400" y="990600"/>
-            <a:ext cx="1905000" cy="304800"/>
+            <a:off x="111579" y="1028700"/>
+            <a:ext cx="2019300" cy="304800"/>
           </a:xfrm>
           <a:prstGeom prst="roundRect">
             <a:avLst/>
@@ -6115,13 +6128,7 @@
               <a:rPr lang="en-US" dirty="0" smtClean="0">
                 <a:latin typeface="Agency FB" pitchFamily="34" charset="0"/>
               </a:rPr>
-              <a:t>Search </a:t>
-            </a:r>
-            <a:r>
-              <a:rPr lang="en-US" dirty="0" smtClean="0">
-                <a:latin typeface="Agency FB" pitchFamily="34" charset="0"/>
-              </a:rPr>
-              <a:t>Student</a:t>
+              <a:t>Search Student</a:t>
             </a:r>
             <a:endParaRPr lang="en-US" dirty="0">
               <a:latin typeface="Agency FB" pitchFamily="34" charset="0"/>
@@ -6346,14 +6353,6 @@
               </a:rPr>
               <a:t>Student 6</a:t>
             </a:r>
-            <a:endParaRPr lang="en-US" dirty="0">
-              <a:solidFill>
-                <a:schemeClr val="bg1">
-                  <a:lumMod val="65000"/>
-                </a:schemeClr>
-              </a:solidFill>
-              <a:latin typeface="Agency FB" pitchFamily="34" charset="0"/>
-            </a:endParaRPr>
           </a:p>
         </p:txBody>
       </p:sp>
@@ -6544,14 +6543,6 @@
               </a:rPr>
               <a:t>Student 4</a:t>
             </a:r>
-            <a:endParaRPr lang="en-US" dirty="0">
-              <a:solidFill>
-                <a:schemeClr val="bg1">
-                  <a:lumMod val="65000"/>
-                </a:schemeClr>
-              </a:solidFill>
-              <a:latin typeface="Agency FB" pitchFamily="34" charset="0"/>
-            </a:endParaRPr>
           </a:p>
         </p:txBody>
       </p:sp>
@@ -6610,6 +6601,63 @@
               </a:rPr>
               <a:t>Student 5</a:t>
             </a:r>
+          </a:p>
+        </p:txBody>
+      </p:sp>
+      <p:sp>
+        <p:nvSpPr>
+          <p:cNvPr id="23" name="Rounded Rectangle 22"/>
+          <p:cNvSpPr/>
+          <p:nvPr/>
+        </p:nvSpPr>
+        <p:spPr>
+          <a:xfrm>
+            <a:off x="2563090" y="1627042"/>
+            <a:ext cx="5967845" cy="647700"/>
+          </a:xfrm>
+          <a:prstGeom prst="roundRect">
+            <a:avLst/>
+          </a:prstGeom>
+          <a:solidFill>
+            <a:schemeClr val="bg1"/>
+          </a:solidFill>
+          <a:ln>
+            <a:solidFill>
+              <a:schemeClr val="bg2"/>
+            </a:solidFill>
+          </a:ln>
+        </p:spPr>
+        <p:style>
+          <a:lnRef idx="2">
+            <a:schemeClr val="accent1">
+              <a:shade val="50000"/>
+            </a:schemeClr>
+          </a:lnRef>
+          <a:fillRef idx="1">
+            <a:schemeClr val="accent1"/>
+          </a:fillRef>
+          <a:effectRef idx="0">
+            <a:schemeClr val="accent1"/>
+          </a:effectRef>
+          <a:fontRef idx="minor">
+            <a:schemeClr val="lt1"/>
+          </a:fontRef>
+        </p:style>
+        <p:txBody>
+          <a:bodyPr rtlCol="0" anchor="ctr"/>
+          <a:lstStyle/>
+          <a:p>
+            <a:r>
+              <a:rPr lang="en-US" dirty="0" smtClean="0">
+                <a:solidFill>
+                  <a:schemeClr val="bg1">
+                    <a:lumMod val="65000"/>
+                  </a:schemeClr>
+                </a:solidFill>
+                <a:latin typeface="Agency FB" pitchFamily="34" charset="0"/>
+              </a:rPr>
+              <a:t>Assignment 1	</a:t>
+            </a:r>
             <a:endParaRPr lang="en-US" dirty="0">
               <a:solidFill>
                 <a:schemeClr val="bg1">
@@ -6623,14 +6671,14 @@
       </p:sp>
       <p:sp>
         <p:nvSpPr>
-          <p:cNvPr id="23" name="Rounded Rectangle 22"/>
+          <p:cNvPr id="24" name="Rounded Rectangle 23"/>
           <p:cNvSpPr/>
           <p:nvPr/>
         </p:nvSpPr>
         <p:spPr>
           <a:xfrm>
-            <a:off x="2563090" y="1627042"/>
-            <a:ext cx="5967845" cy="647700"/>
+            <a:off x="2583873" y="3099954"/>
+            <a:ext cx="5947063" cy="647700"/>
           </a:xfrm>
           <a:prstGeom prst="roundRect">
             <a:avLst/>
@@ -6664,6 +6712,17 @@
           <a:bodyPr rtlCol="0" anchor="ctr"/>
           <a:lstStyle/>
           <a:p>
+            <a:r>
+              <a:rPr lang="en-US" dirty="0">
+                <a:solidFill>
+                  <a:schemeClr val="bg1">
+                    <a:lumMod val="65000"/>
+                  </a:schemeClr>
+                </a:solidFill>
+                <a:latin typeface="Agency FB" pitchFamily="34" charset="0"/>
+              </a:rPr>
+              <a:t>Assignment </a:t>
+            </a:r>
             <a:r>
               <a:rPr lang="en-US" dirty="0" smtClean="0">
                 <a:solidFill>
@@ -6673,7 +6732,72 @@
                 </a:solidFill>
                 <a:latin typeface="Agency FB" pitchFamily="34" charset="0"/>
               </a:rPr>
-              <a:t>Assignment 1</a:t>
+              <a:t>3</a:t>
+            </a:r>
+            <a:endParaRPr lang="en-US" dirty="0">
+              <a:solidFill>
+                <a:schemeClr val="bg1">
+                  <a:lumMod val="65000"/>
+                </a:schemeClr>
+              </a:solidFill>
+              <a:latin typeface="Agency FB" pitchFamily="34" charset="0"/>
+            </a:endParaRPr>
+          </a:p>
+        </p:txBody>
+      </p:sp>
+      <p:sp>
+        <p:nvSpPr>
+          <p:cNvPr id="25" name="Rounded Rectangle 24"/>
+          <p:cNvSpPr/>
+          <p:nvPr/>
+        </p:nvSpPr>
+        <p:spPr>
+          <a:xfrm>
+            <a:off x="2576946" y="2370860"/>
+            <a:ext cx="5953990" cy="647700"/>
+          </a:xfrm>
+          <a:prstGeom prst="roundRect">
+            <a:avLst/>
+          </a:prstGeom>
+          <a:solidFill>
+            <a:schemeClr val="bg1"/>
+          </a:solidFill>
+          <a:ln>
+            <a:solidFill>
+              <a:schemeClr val="bg2"/>
+            </a:solidFill>
+          </a:ln>
+        </p:spPr>
+        <p:style>
+          <a:lnRef idx="2">
+            <a:schemeClr val="accent1">
+              <a:shade val="50000"/>
+            </a:schemeClr>
+          </a:lnRef>
+          <a:fillRef idx="1">
+            <a:schemeClr val="accent1"/>
+          </a:fillRef>
+          <a:effectRef idx="0">
+            <a:schemeClr val="accent1"/>
+          </a:effectRef>
+          <a:fontRef idx="minor">
+            <a:schemeClr val="lt1"/>
+          </a:fontRef>
+        </p:style>
+        <p:txBody>
+          <a:bodyPr rtlCol="0" anchor="ctr"/>
+          <a:lstStyle/>
+          <a:p>
+            <a:r>
+              <a:rPr lang="en-US" dirty="0">
+                <a:solidFill>
+                  <a:schemeClr val="bg1">
+                    <a:lumMod val="65000"/>
+                  </a:schemeClr>
+                </a:solidFill>
+                <a:latin typeface="Agency FB" pitchFamily="34" charset="0"/>
+              </a:rPr>
+              <a:t>Assignment 2</a:t>
             </a:r>
             <a:r>
               <a:rPr lang="en-US" dirty="0" smtClean="0">
@@ -6699,14 +6823,14 @@
       </p:sp>
       <p:sp>
         <p:nvSpPr>
-          <p:cNvPr id="24" name="Rounded Rectangle 23"/>
+          <p:cNvPr id="26" name="Rounded Rectangle 25"/>
           <p:cNvSpPr/>
           <p:nvPr/>
         </p:nvSpPr>
         <p:spPr>
           <a:xfrm>
-            <a:off x="2583873" y="3099954"/>
-            <a:ext cx="5947063" cy="647700"/>
+            <a:off x="2570019" y="3803073"/>
+            <a:ext cx="5960917" cy="647700"/>
           </a:xfrm>
           <a:prstGeom prst="roundRect">
             <a:avLst/>
@@ -6749,83 +6873,7 @@
                 </a:solidFill>
                 <a:latin typeface="Agency FB" pitchFamily="34" charset="0"/>
               </a:rPr>
-              <a:t>Assignment </a:t>
-            </a:r>
-            <a:r>
-              <a:rPr lang="en-US" dirty="0" smtClean="0">
-                <a:solidFill>
-                  <a:schemeClr val="bg1">
-                    <a:lumMod val="65000"/>
-                  </a:schemeClr>
-                </a:solidFill>
-                <a:latin typeface="Agency FB" pitchFamily="34" charset="0"/>
-              </a:rPr>
-              <a:t>3</a:t>
-            </a:r>
-            <a:endParaRPr lang="en-US" dirty="0">
-              <a:solidFill>
-                <a:schemeClr val="bg1">
-                  <a:lumMod val="65000"/>
-                </a:schemeClr>
-              </a:solidFill>
-              <a:latin typeface="Agency FB" pitchFamily="34" charset="0"/>
-            </a:endParaRPr>
-          </a:p>
-        </p:txBody>
-      </p:sp>
-      <p:sp>
-        <p:nvSpPr>
-          <p:cNvPr id="25" name="Rounded Rectangle 24"/>
-          <p:cNvSpPr/>
-          <p:nvPr/>
-        </p:nvSpPr>
-        <p:spPr>
-          <a:xfrm>
-            <a:off x="2576946" y="2370860"/>
-            <a:ext cx="5953990" cy="647700"/>
-          </a:xfrm>
-          <a:prstGeom prst="roundRect">
-            <a:avLst/>
-          </a:prstGeom>
-          <a:solidFill>
-            <a:schemeClr val="bg1"/>
-          </a:solidFill>
-          <a:ln>
-            <a:solidFill>
-              <a:schemeClr val="bg2"/>
-            </a:solidFill>
-          </a:ln>
-        </p:spPr>
-        <p:style>
-          <a:lnRef idx="2">
-            <a:schemeClr val="accent1">
-              <a:shade val="50000"/>
-            </a:schemeClr>
-          </a:lnRef>
-          <a:fillRef idx="1">
-            <a:schemeClr val="accent1"/>
-          </a:fillRef>
-          <a:effectRef idx="0">
-            <a:schemeClr val="accent1"/>
-          </a:effectRef>
-          <a:fontRef idx="minor">
-            <a:schemeClr val="lt1"/>
-          </a:fontRef>
-        </p:style>
-        <p:txBody>
-          <a:bodyPr rtlCol="0" anchor="ctr"/>
-          <a:lstStyle/>
-          <a:p>
-            <a:r>
-              <a:rPr lang="en-US" dirty="0">
-                <a:solidFill>
-                  <a:schemeClr val="bg1">
-                    <a:lumMod val="65000"/>
-                  </a:schemeClr>
-                </a:solidFill>
-                <a:latin typeface="Agency FB" pitchFamily="34" charset="0"/>
-              </a:rPr>
-              <a:t>Assignment 2</a:t>
+              <a:t>Assignment 4</a:t>
             </a:r>
             <a:r>
               <a:rPr lang="en-US" dirty="0" smtClean="0">
@@ -6851,13 +6899,61 @@
       </p:sp>
       <p:sp>
         <p:nvSpPr>
-          <p:cNvPr id="26" name="Rounded Rectangle 25"/>
+          <p:cNvPr id="27" name="Rectangle 26"/>
           <p:cNvSpPr/>
           <p:nvPr/>
         </p:nvSpPr>
         <p:spPr>
           <a:xfrm>
-            <a:off x="2570019" y="3803073"/>
+            <a:off x="8659091" y="1627042"/>
+            <a:ext cx="256309" cy="3975391"/>
+          </a:xfrm>
+          <a:prstGeom prst="rect">
+            <a:avLst/>
+          </a:prstGeom>
+          <a:solidFill>
+            <a:schemeClr val="bg1"/>
+          </a:solidFill>
+          <a:ln>
+            <a:solidFill>
+              <a:schemeClr val="bg2"/>
+            </a:solidFill>
+          </a:ln>
+        </p:spPr>
+        <p:style>
+          <a:lnRef idx="2">
+            <a:schemeClr val="accent1">
+              <a:shade val="50000"/>
+            </a:schemeClr>
+          </a:lnRef>
+          <a:fillRef idx="1">
+            <a:schemeClr val="accent1"/>
+          </a:fillRef>
+          <a:effectRef idx="0">
+            <a:schemeClr val="accent1"/>
+          </a:effectRef>
+          <a:fontRef idx="minor">
+            <a:schemeClr val="lt1"/>
+          </a:fontRef>
+        </p:style>
+        <p:txBody>
+          <a:bodyPr rtlCol="0" anchor="ctr"/>
+          <a:lstStyle/>
+          <a:p>
+            <a:pPr algn="ctr"/>
+            <a:endParaRPr lang="en-US"/>
+          </a:p>
+        </p:txBody>
+      </p:sp>
+      <p:sp>
+        <p:nvSpPr>
+          <p:cNvPr id="30" name="Rounded Rectangle 29"/>
+          <p:cNvSpPr/>
+          <p:nvPr/>
+        </p:nvSpPr>
+        <p:spPr>
+          <a:xfrm>
+            <a:off x="2570019" y="4535632"/>
             <a:ext cx="5960917" cy="647700"/>
           </a:xfrm>
           <a:prstGeom prst="roundRect">
@@ -6901,7 +6997,7 @@
                 </a:solidFill>
                 <a:latin typeface="Agency FB" pitchFamily="34" charset="0"/>
               </a:rPr>
-              <a:t>Assignment 4</a:t>
+              <a:t>Assignment 5</a:t>
             </a:r>
             <a:r>
               <a:rPr lang="en-US" dirty="0" smtClean="0">
@@ -6927,138 +7023,14 @@
       </p:sp>
       <p:sp>
         <p:nvSpPr>
-          <p:cNvPr id="27" name="Rectangle 26"/>
-          <p:cNvSpPr/>
-          <p:nvPr/>
-        </p:nvSpPr>
-        <p:spPr>
-          <a:xfrm>
-            <a:off x="8659091" y="762000"/>
-            <a:ext cx="256309" cy="4840433"/>
-          </a:xfrm>
-          <a:prstGeom prst="rect">
-            <a:avLst/>
-          </a:prstGeom>
-          <a:solidFill>
-            <a:schemeClr val="bg1"/>
-          </a:solidFill>
-          <a:ln>
-            <a:solidFill>
-              <a:schemeClr val="bg2"/>
-            </a:solidFill>
-          </a:ln>
-        </p:spPr>
-        <p:style>
-          <a:lnRef idx="2">
-            <a:schemeClr val="accent1">
-              <a:shade val="50000"/>
-            </a:schemeClr>
-          </a:lnRef>
-          <a:fillRef idx="1">
-            <a:schemeClr val="accent1"/>
-          </a:fillRef>
-          <a:effectRef idx="0">
-            <a:schemeClr val="accent1"/>
-          </a:effectRef>
-          <a:fontRef idx="minor">
-            <a:schemeClr val="lt1"/>
-          </a:fontRef>
-        </p:style>
-        <p:txBody>
-          <a:bodyPr rtlCol="0" anchor="ctr"/>
-          <a:lstStyle/>
-          <a:p>
-            <a:pPr algn="ctr"/>
-            <a:endParaRPr lang="en-US"/>
-          </a:p>
-        </p:txBody>
-      </p:sp>
-      <p:sp>
-        <p:nvSpPr>
-          <p:cNvPr id="30" name="Rounded Rectangle 29"/>
-          <p:cNvSpPr/>
-          <p:nvPr/>
-        </p:nvSpPr>
-        <p:spPr>
-          <a:xfrm>
-            <a:off x="2570019" y="4535632"/>
-            <a:ext cx="5960917" cy="647700"/>
-          </a:xfrm>
-          <a:prstGeom prst="roundRect">
-            <a:avLst/>
-          </a:prstGeom>
-          <a:solidFill>
-            <a:schemeClr val="bg1"/>
-          </a:solidFill>
-          <a:ln>
-            <a:solidFill>
-              <a:schemeClr val="bg2"/>
-            </a:solidFill>
-          </a:ln>
-        </p:spPr>
-        <p:style>
-          <a:lnRef idx="2">
-            <a:schemeClr val="accent1">
-              <a:shade val="50000"/>
-            </a:schemeClr>
-          </a:lnRef>
-          <a:fillRef idx="1">
-            <a:schemeClr val="accent1"/>
-          </a:fillRef>
-          <a:effectRef idx="0">
-            <a:schemeClr val="accent1"/>
-          </a:effectRef>
-          <a:fontRef idx="minor">
-            <a:schemeClr val="lt1"/>
-          </a:fontRef>
-        </p:style>
-        <p:txBody>
-          <a:bodyPr rtlCol="0" anchor="ctr"/>
-          <a:lstStyle/>
-          <a:p>
-            <a:r>
-              <a:rPr lang="en-US" dirty="0">
-                <a:solidFill>
-                  <a:schemeClr val="bg1">
-                    <a:lumMod val="65000"/>
-                  </a:schemeClr>
-                </a:solidFill>
-                <a:latin typeface="Agency FB" pitchFamily="34" charset="0"/>
-              </a:rPr>
-              <a:t>Assignment 5</a:t>
-            </a:r>
-            <a:r>
-              <a:rPr lang="en-US" dirty="0" smtClean="0">
-                <a:solidFill>
-                  <a:schemeClr val="bg1">
-                    <a:lumMod val="65000"/>
-                  </a:schemeClr>
-                </a:solidFill>
-                <a:latin typeface="Agency FB" pitchFamily="34" charset="0"/>
-              </a:rPr>
-              <a:t>	</a:t>
-            </a:r>
-            <a:endParaRPr lang="en-US" dirty="0">
-              <a:solidFill>
-                <a:schemeClr val="bg1">
-                  <a:lumMod val="65000"/>
-                </a:schemeClr>
-              </a:solidFill>
-              <a:latin typeface="Agency FB" pitchFamily="34" charset="0"/>
-            </a:endParaRPr>
-          </a:p>
-        </p:txBody>
-      </p:sp>
-      <p:sp>
-        <p:nvSpPr>
           <p:cNvPr id="31" name="Rectangle 30"/>
           <p:cNvSpPr/>
           <p:nvPr/>
         </p:nvSpPr>
         <p:spPr>
           <a:xfrm>
-            <a:off x="8659091" y="762000"/>
-            <a:ext cx="256309" cy="1524000"/>
+            <a:off x="8659091" y="1627042"/>
+            <a:ext cx="256309" cy="1104900"/>
           </a:xfrm>
           <a:prstGeom prst="rect">
             <a:avLst/>
@@ -7278,13 +7250,7 @@
               <a:rPr lang="en-US" dirty="0" smtClean="0">
                 <a:latin typeface="Agency FB" pitchFamily="34" charset="0"/>
               </a:rPr>
-              <a:t>Add </a:t>
-            </a:r>
-            <a:r>
-              <a:rPr lang="en-US" dirty="0" smtClean="0">
-                <a:latin typeface="Agency FB" pitchFamily="34" charset="0"/>
-              </a:rPr>
-              <a:t>Assignment</a:t>
+              <a:t>Add Assignment</a:t>
             </a:r>
             <a:endParaRPr lang="en-US" dirty="0">
               <a:latin typeface="Agency FB" pitchFamily="34" charset="0"/>
@@ -7342,13 +7308,7 @@
               <a:rPr lang="en-US" dirty="0" smtClean="0">
                 <a:latin typeface="Agency FB" pitchFamily="34" charset="0"/>
               </a:rPr>
-              <a:t>Delete </a:t>
-            </a:r>
-            <a:r>
-              <a:rPr lang="en-US" dirty="0" smtClean="0">
-                <a:latin typeface="Agency FB" pitchFamily="34" charset="0"/>
-              </a:rPr>
-              <a:t>Assignment</a:t>
+              <a:t>Delete Assignment</a:t>
             </a:r>
             <a:endParaRPr lang="en-US" dirty="0">
               <a:latin typeface="Agency FB" pitchFamily="34" charset="0"/>
@@ -7364,8 +7324,8 @@
         </p:nvSpPr>
         <p:spPr>
           <a:xfrm>
-            <a:off x="2583873" y="1143000"/>
-            <a:ext cx="5947063" cy="381000"/>
+            <a:off x="2583872" y="1181100"/>
+            <a:ext cx="6289963" cy="342900"/>
           </a:xfrm>
           <a:prstGeom prst="roundRect">
             <a:avLst/>
@@ -7399,13 +7359,7 @@
               <a:rPr lang="en-US" sz="2000" dirty="0" smtClean="0">
                 <a:latin typeface="Agency FB" pitchFamily="34" charset="0"/>
               </a:rPr>
-              <a:t>Search </a:t>
-            </a:r>
-            <a:r>
-              <a:rPr lang="en-US" sz="2000" dirty="0" smtClean="0">
-                <a:latin typeface="Agency FB" pitchFamily="34" charset="0"/>
-              </a:rPr>
-              <a:t>Assignment</a:t>
+              <a:t>Search Assignment</a:t>
             </a:r>
             <a:endParaRPr lang="en-US" sz="2000" dirty="0">
               <a:latin typeface="Agency FB" pitchFamily="34" charset="0"/>
@@ -7421,7 +7375,7 @@
         </p:nvSpPr>
         <p:spPr>
           <a:xfrm>
-            <a:off x="168729" y="4880266"/>
+            <a:off x="168729" y="4613565"/>
             <a:ext cx="1905000" cy="398317"/>
           </a:xfrm>
           <a:prstGeom prst="roundRect">
@@ -7463,13 +7417,7 @@
               <a:rPr lang="en-US" dirty="0" smtClean="0">
                 <a:latin typeface="Agency FB" pitchFamily="34" charset="0"/>
               </a:rPr>
-              <a:t>Add </a:t>
-            </a:r>
-            <a:r>
-              <a:rPr lang="en-US" dirty="0" smtClean="0">
-                <a:latin typeface="Agency FB" pitchFamily="34" charset="0"/>
-              </a:rPr>
-              <a:t>Student</a:t>
+              <a:t>Add Student</a:t>
             </a:r>
             <a:endParaRPr lang="en-US" dirty="0">
               <a:latin typeface="Agency FB" pitchFamily="34" charset="0"/>
@@ -7485,7 +7433,7 @@
         </p:nvSpPr>
         <p:spPr>
           <a:xfrm>
-            <a:off x="168729" y="5921956"/>
+            <a:off x="152400" y="5730585"/>
             <a:ext cx="1905000" cy="398317"/>
           </a:xfrm>
           <a:prstGeom prst="roundRect">
@@ -7527,13 +7475,7 @@
               <a:rPr lang="en-US" dirty="0" smtClean="0">
                 <a:latin typeface="Agency FB" pitchFamily="34" charset="0"/>
               </a:rPr>
-              <a:t>Delete </a:t>
-            </a:r>
-            <a:r>
-              <a:rPr lang="en-US" dirty="0" smtClean="0">
-                <a:latin typeface="Agency FB" pitchFamily="34" charset="0"/>
-              </a:rPr>
-              <a:t>Student</a:t>
+              <a:t>Delete Student</a:t>
             </a:r>
             <a:endParaRPr lang="en-US" dirty="0">
               <a:latin typeface="Agency FB" pitchFamily="34" charset="0"/>
@@ -7808,14 +7750,6 @@
               </a:rPr>
               <a:t>Assignment Grade</a:t>
             </a:r>
-            <a:endParaRPr lang="en-US" dirty="0">
-              <a:solidFill>
-                <a:schemeClr val="bg1">
-                  <a:lumMod val="65000"/>
-                </a:schemeClr>
-              </a:solidFill>
-              <a:latin typeface="Agency FB" pitchFamily="34" charset="0"/>
-            </a:endParaRPr>
           </a:p>
         </p:txBody>
       </p:sp>
@@ -7874,14 +7808,6 @@
               </a:rPr>
               <a:t>Assignment Grade</a:t>
             </a:r>
-            <a:endParaRPr lang="en-US" dirty="0">
-              <a:solidFill>
-                <a:schemeClr val="bg1">
-                  <a:lumMod val="65000"/>
-                </a:schemeClr>
-              </a:solidFill>
-              <a:latin typeface="Agency FB" pitchFamily="34" charset="0"/>
-            </a:endParaRPr>
           </a:p>
         </p:txBody>
       </p:sp>
@@ -7940,14 +7866,6 @@
               </a:rPr>
               <a:t>Assignment Grade</a:t>
             </a:r>
-            <a:endParaRPr lang="en-US" dirty="0">
-              <a:solidFill>
-                <a:schemeClr val="bg1">
-                  <a:lumMod val="65000"/>
-                </a:schemeClr>
-              </a:solidFill>
-              <a:latin typeface="Agency FB" pitchFamily="34" charset="0"/>
-            </a:endParaRPr>
           </a:p>
         </p:txBody>
       </p:sp>
@@ -8006,14 +7924,6 @@
               </a:rPr>
               <a:t>Assignment Grade</a:t>
             </a:r>
-            <a:endParaRPr lang="en-US" dirty="0">
-              <a:solidFill>
-                <a:schemeClr val="bg1">
-                  <a:lumMod val="65000"/>
-                </a:schemeClr>
-              </a:solidFill>
-              <a:latin typeface="Agency FB" pitchFamily="34" charset="0"/>
-            </a:endParaRPr>
           </a:p>
         </p:txBody>
       </p:sp>
@@ -8355,7 +8265,7 @@
         </p:nvSpPr>
         <p:spPr>
           <a:xfrm>
-            <a:off x="168729" y="5412678"/>
+            <a:off x="147947" y="5204116"/>
             <a:ext cx="1905000" cy="398317"/>
           </a:xfrm>
           <a:prstGeom prst="roundRect">
@@ -8397,13 +8307,7 @@
               <a:rPr lang="en-US" dirty="0" smtClean="0">
                 <a:latin typeface="Agency FB" pitchFamily="34" charset="0"/>
               </a:rPr>
-              <a:t>Edit </a:t>
-            </a:r>
-            <a:r>
-              <a:rPr lang="en-US" dirty="0" smtClean="0">
-                <a:latin typeface="Agency FB" pitchFamily="34" charset="0"/>
-              </a:rPr>
-              <a:t>Student</a:t>
+              <a:t>Edit Student</a:t>
             </a:r>
             <a:endParaRPr lang="en-US" dirty="0">
               <a:latin typeface="Agency FB" pitchFamily="34" charset="0"/>
@@ -8461,13 +8365,7 @@
               <a:rPr lang="en-US" dirty="0" smtClean="0">
                 <a:latin typeface="Agency FB" pitchFamily="34" charset="0"/>
               </a:rPr>
-              <a:t>Edit </a:t>
-            </a:r>
-            <a:r>
-              <a:rPr lang="en-US" dirty="0" smtClean="0">
-                <a:latin typeface="Agency FB" pitchFamily="34" charset="0"/>
-              </a:rPr>
-              <a:t>Assignment</a:t>
+              <a:t>Edit Assignment</a:t>
             </a:r>
             <a:endParaRPr lang="en-US" dirty="0">
               <a:latin typeface="Agency FB" pitchFamily="34" charset="0"/>
@@ -8539,6 +8437,140 @@
                 </a:schemeClr>
               </a:solidFill>
               <a:latin typeface="Agency FB" panose="020B0503020202020204" pitchFamily="34" charset="0"/>
+            </a:endParaRPr>
+          </a:p>
+        </p:txBody>
+      </p:sp>
+      <p:sp>
+        <p:nvSpPr>
+          <p:cNvPr id="49" name="Rectangle 48"/>
+          <p:cNvSpPr/>
+          <p:nvPr/>
+        </p:nvSpPr>
+        <p:spPr>
+          <a:xfrm>
+            <a:off x="111579" y="692727"/>
+            <a:ext cx="2019300" cy="235528"/>
+          </a:xfrm>
+          <a:prstGeom prst="rect">
+            <a:avLst/>
+          </a:prstGeom>
+          <a:solidFill>
+            <a:schemeClr val="bg1"/>
+          </a:solidFill>
+          <a:ln>
+            <a:solidFill>
+              <a:schemeClr val="bg1">
+                <a:lumMod val="85000"/>
+              </a:schemeClr>
+            </a:solidFill>
+          </a:ln>
+        </p:spPr>
+        <p:style>
+          <a:lnRef idx="2">
+            <a:schemeClr val="accent1">
+              <a:shade val="50000"/>
+            </a:schemeClr>
+          </a:lnRef>
+          <a:fillRef idx="1">
+            <a:schemeClr val="accent1"/>
+          </a:fillRef>
+          <a:effectRef idx="0">
+            <a:schemeClr val="accent1"/>
+          </a:effectRef>
+          <a:fontRef idx="minor">
+            <a:schemeClr val="lt1"/>
+          </a:fontRef>
+        </p:style>
+        <p:txBody>
+          <a:bodyPr rtlCol="0" anchor="ctr"/>
+          <a:lstStyle/>
+          <a:p>
+            <a:pPr algn="ctr"/>
+            <a:r>
+              <a:rPr lang="en-US" dirty="0" smtClean="0">
+                <a:solidFill>
+                  <a:schemeClr val="bg1">
+                    <a:lumMod val="65000"/>
+                  </a:schemeClr>
+                </a:solidFill>
+                <a:latin typeface="Agency FB" panose="020B0503020202020204" pitchFamily="34" charset="0"/>
+              </a:rPr>
+              <a:t>Class 1 Students!</a:t>
+            </a:r>
+            <a:endParaRPr lang="en-US" dirty="0">
+              <a:solidFill>
+                <a:schemeClr val="bg1">
+                  <a:lumMod val="65000"/>
+                </a:schemeClr>
+              </a:solidFill>
+              <a:latin typeface="Agency FB" panose="020B0503020202020204" pitchFamily="34" charset="0"/>
+            </a:endParaRPr>
+          </a:p>
+        </p:txBody>
+      </p:sp>
+      <p:sp>
+        <p:nvSpPr>
+          <p:cNvPr id="50" name="Rounded Rectangle 49"/>
+          <p:cNvSpPr/>
+          <p:nvPr/>
+        </p:nvSpPr>
+        <p:spPr>
+          <a:xfrm>
+            <a:off x="7207827" y="810491"/>
+            <a:ext cx="1659082" cy="304800"/>
+          </a:xfrm>
+          <a:prstGeom prst="roundRect">
+            <a:avLst/>
+          </a:prstGeom>
+          <a:solidFill>
+            <a:schemeClr val="bg1"/>
+          </a:solidFill>
+          <a:ln>
+            <a:solidFill>
+              <a:srgbClr val="00B0F0"/>
+            </a:solidFill>
+          </a:ln>
+        </p:spPr>
+        <p:style>
+          <a:lnRef idx="2">
+            <a:schemeClr val="accent1">
+              <a:shade val="50000"/>
+            </a:schemeClr>
+          </a:lnRef>
+          <a:fillRef idx="1">
+            <a:schemeClr val="accent1"/>
+          </a:fillRef>
+          <a:effectRef idx="0">
+            <a:schemeClr val="accent1"/>
+          </a:effectRef>
+          <a:fontRef idx="minor">
+            <a:schemeClr val="lt1"/>
+          </a:fontRef>
+        </p:style>
+        <p:txBody>
+          <a:bodyPr rtlCol="0" anchor="ctr"/>
+          <a:lstStyle/>
+          <a:p>
+            <a:pPr algn="ctr"/>
+            <a:r>
+              <a:rPr lang="en-US" dirty="0" smtClean="0">
+                <a:solidFill>
+                  <a:schemeClr val="bg1">
+                    <a:lumMod val="65000"/>
+                  </a:schemeClr>
+                </a:solidFill>
+                <a:latin typeface="Agency FB" pitchFamily="34" charset="0"/>
+              </a:rPr>
+              <a:t>Share Grades</a:t>
+            </a:r>
+            <a:endParaRPr lang="en-US" dirty="0">
+              <a:solidFill>
+                <a:schemeClr val="bg1">
+                  <a:lumMod val="65000"/>
+                </a:schemeClr>
+              </a:solidFill>
+              <a:latin typeface="Agency FB" pitchFamily="34" charset="0"/>
             </a:endParaRPr>
           </a:p>
         </p:txBody>

--- a/Assignments/Gradebook App PowerPont/Shane Hinzman/gradebook app.pptx
+++ b/Assignments/Gradebook App PowerPont/Shane Hinzman/gradebook app.pptx
@@ -8563,6 +8563,336 @@
                 <a:latin typeface="Agency FB" pitchFamily="34" charset="0"/>
               </a:rPr>
               <a:t>Share Grades</a:t>
+            </a:r>
+            <a:endParaRPr lang="en-US" dirty="0">
+              <a:solidFill>
+                <a:schemeClr val="bg1">
+                  <a:lumMod val="65000"/>
+                </a:schemeClr>
+              </a:solidFill>
+              <a:latin typeface="Agency FB" pitchFamily="34" charset="0"/>
+            </a:endParaRPr>
+          </a:p>
+        </p:txBody>
+      </p:sp>
+      <p:sp>
+        <p:nvSpPr>
+          <p:cNvPr id="57" name="Rounded Rectangle 56"/>
+          <p:cNvSpPr/>
+          <p:nvPr/>
+        </p:nvSpPr>
+        <p:spPr>
+          <a:xfrm>
+            <a:off x="4132114" y="2554143"/>
+            <a:ext cx="1125683" cy="296357"/>
+          </a:xfrm>
+          <a:prstGeom prst="roundRect">
+            <a:avLst/>
+          </a:prstGeom>
+          <a:solidFill>
+            <a:schemeClr val="bg1"/>
+          </a:solidFill>
+          <a:ln>
+            <a:solidFill>
+              <a:srgbClr val="00B0F0"/>
+            </a:solidFill>
+          </a:ln>
+        </p:spPr>
+        <p:style>
+          <a:lnRef idx="2">
+            <a:schemeClr val="accent1">
+              <a:shade val="50000"/>
+            </a:schemeClr>
+          </a:lnRef>
+          <a:fillRef idx="1">
+            <a:schemeClr val="accent1"/>
+          </a:fillRef>
+          <a:effectRef idx="0">
+            <a:schemeClr val="accent1"/>
+          </a:effectRef>
+          <a:fontRef idx="minor">
+            <a:schemeClr val="lt1"/>
+          </a:fontRef>
+        </p:style>
+        <p:txBody>
+          <a:bodyPr rtlCol="0" anchor="ctr"/>
+          <a:lstStyle/>
+          <a:p>
+            <a:pPr algn="ctr"/>
+            <a:r>
+              <a:rPr lang="en-US" dirty="0" smtClean="0">
+                <a:solidFill>
+                  <a:schemeClr val="bg1">
+                    <a:lumMod val="65000"/>
+                  </a:schemeClr>
+                </a:solidFill>
+                <a:latin typeface="Agency FB" pitchFamily="34" charset="0"/>
+              </a:rPr>
+              <a:t>11/19/2011</a:t>
+            </a:r>
+            <a:endParaRPr lang="en-US" dirty="0">
+              <a:solidFill>
+                <a:schemeClr val="bg1">
+                  <a:lumMod val="65000"/>
+                </a:schemeClr>
+              </a:solidFill>
+              <a:latin typeface="Agency FB" pitchFamily="34" charset="0"/>
+            </a:endParaRPr>
+          </a:p>
+        </p:txBody>
+      </p:sp>
+      <p:sp>
+        <p:nvSpPr>
+          <p:cNvPr id="58" name="Rounded Rectangle 57"/>
+          <p:cNvSpPr/>
+          <p:nvPr/>
+        </p:nvSpPr>
+        <p:spPr>
+          <a:xfrm>
+            <a:off x="4101810" y="1804121"/>
+            <a:ext cx="1137803" cy="299172"/>
+          </a:xfrm>
+          <a:prstGeom prst="roundRect">
+            <a:avLst/>
+          </a:prstGeom>
+          <a:solidFill>
+            <a:schemeClr val="bg1"/>
+          </a:solidFill>
+          <a:ln>
+            <a:solidFill>
+              <a:srgbClr val="00B0F0"/>
+            </a:solidFill>
+          </a:ln>
+        </p:spPr>
+        <p:style>
+          <a:lnRef idx="2">
+            <a:schemeClr val="accent1">
+              <a:shade val="50000"/>
+            </a:schemeClr>
+          </a:lnRef>
+          <a:fillRef idx="1">
+            <a:schemeClr val="accent1"/>
+          </a:fillRef>
+          <a:effectRef idx="0">
+            <a:schemeClr val="accent1"/>
+          </a:effectRef>
+          <a:fontRef idx="minor">
+            <a:schemeClr val="lt1"/>
+          </a:fontRef>
+        </p:style>
+        <p:txBody>
+          <a:bodyPr rtlCol="0" anchor="ctr"/>
+          <a:lstStyle/>
+          <a:p>
+            <a:pPr algn="ctr"/>
+            <a:r>
+              <a:rPr lang="en-US" dirty="0" smtClean="0">
+                <a:solidFill>
+                  <a:schemeClr val="bg1">
+                    <a:lumMod val="65000"/>
+                  </a:schemeClr>
+                </a:solidFill>
+                <a:latin typeface="Agency FB" pitchFamily="34" charset="0"/>
+              </a:rPr>
+              <a:t>11/20/2011</a:t>
+            </a:r>
+            <a:endParaRPr lang="en-US" dirty="0">
+              <a:solidFill>
+                <a:schemeClr val="bg1">
+                  <a:lumMod val="65000"/>
+                </a:schemeClr>
+              </a:solidFill>
+              <a:latin typeface="Agency FB" pitchFamily="34" charset="0"/>
+            </a:endParaRPr>
+          </a:p>
+        </p:txBody>
+      </p:sp>
+      <p:sp>
+        <p:nvSpPr>
+          <p:cNvPr id="59" name="Rounded Rectangle 58"/>
+          <p:cNvSpPr/>
+          <p:nvPr/>
+        </p:nvSpPr>
+        <p:spPr>
+          <a:xfrm>
+            <a:off x="4159823" y="3271403"/>
+            <a:ext cx="1097975" cy="293543"/>
+          </a:xfrm>
+          <a:prstGeom prst="roundRect">
+            <a:avLst/>
+          </a:prstGeom>
+          <a:solidFill>
+            <a:schemeClr val="bg1"/>
+          </a:solidFill>
+          <a:ln>
+            <a:solidFill>
+              <a:srgbClr val="00B0F0"/>
+            </a:solidFill>
+          </a:ln>
+        </p:spPr>
+        <p:style>
+          <a:lnRef idx="2">
+            <a:schemeClr val="accent1">
+              <a:shade val="50000"/>
+            </a:schemeClr>
+          </a:lnRef>
+          <a:fillRef idx="1">
+            <a:schemeClr val="accent1"/>
+          </a:fillRef>
+          <a:effectRef idx="0">
+            <a:schemeClr val="accent1"/>
+          </a:effectRef>
+          <a:fontRef idx="minor">
+            <a:schemeClr val="lt1"/>
+          </a:fontRef>
+        </p:style>
+        <p:txBody>
+          <a:bodyPr rtlCol="0" anchor="ctr"/>
+          <a:lstStyle/>
+          <a:p>
+            <a:pPr algn="ctr"/>
+            <a:r>
+              <a:rPr lang="en-US" dirty="0" smtClean="0">
+                <a:solidFill>
+                  <a:schemeClr val="bg1">
+                    <a:lumMod val="65000"/>
+                  </a:schemeClr>
+                </a:solidFill>
+                <a:latin typeface="Agency FB" pitchFamily="34" charset="0"/>
+              </a:rPr>
+              <a:t>11/17/2011</a:t>
+            </a:r>
+            <a:endParaRPr lang="en-US" dirty="0">
+              <a:solidFill>
+                <a:schemeClr val="bg1">
+                  <a:lumMod val="65000"/>
+                </a:schemeClr>
+              </a:solidFill>
+              <a:latin typeface="Agency FB" pitchFamily="34" charset="0"/>
+            </a:endParaRPr>
+          </a:p>
+        </p:txBody>
+      </p:sp>
+      <p:sp>
+        <p:nvSpPr>
+          <p:cNvPr id="60" name="Rounded Rectangle 59"/>
+          <p:cNvSpPr/>
+          <p:nvPr/>
+        </p:nvSpPr>
+        <p:spPr>
+          <a:xfrm>
+            <a:off x="4181473" y="3992274"/>
+            <a:ext cx="1076326" cy="299172"/>
+          </a:xfrm>
+          <a:prstGeom prst="roundRect">
+            <a:avLst/>
+          </a:prstGeom>
+          <a:solidFill>
+            <a:schemeClr val="bg1"/>
+          </a:solidFill>
+          <a:ln>
+            <a:solidFill>
+              <a:srgbClr val="00B0F0"/>
+            </a:solidFill>
+          </a:ln>
+        </p:spPr>
+        <p:style>
+          <a:lnRef idx="2">
+            <a:schemeClr val="accent1">
+              <a:shade val="50000"/>
+            </a:schemeClr>
+          </a:lnRef>
+          <a:fillRef idx="1">
+            <a:schemeClr val="accent1"/>
+          </a:fillRef>
+          <a:effectRef idx="0">
+            <a:schemeClr val="accent1"/>
+          </a:effectRef>
+          <a:fontRef idx="minor">
+            <a:schemeClr val="lt1"/>
+          </a:fontRef>
+        </p:style>
+        <p:txBody>
+          <a:bodyPr rtlCol="0" anchor="ctr"/>
+          <a:lstStyle/>
+          <a:p>
+            <a:pPr algn="ctr"/>
+            <a:r>
+              <a:rPr lang="en-US" dirty="0" smtClean="0">
+                <a:solidFill>
+                  <a:schemeClr val="bg1">
+                    <a:lumMod val="65000"/>
+                  </a:schemeClr>
+                </a:solidFill>
+                <a:latin typeface="Agency FB" pitchFamily="34" charset="0"/>
+              </a:rPr>
+              <a:t>11/15/2011</a:t>
+            </a:r>
+            <a:endParaRPr lang="en-US" dirty="0">
+              <a:solidFill>
+                <a:schemeClr val="bg1">
+                  <a:lumMod val="65000"/>
+                </a:schemeClr>
+              </a:solidFill>
+              <a:latin typeface="Agency FB" pitchFamily="34" charset="0"/>
+            </a:endParaRPr>
+          </a:p>
+        </p:txBody>
+      </p:sp>
+      <p:sp>
+        <p:nvSpPr>
+          <p:cNvPr id="61" name="Rounded Rectangle 60"/>
+          <p:cNvSpPr/>
+          <p:nvPr/>
+        </p:nvSpPr>
+        <p:spPr>
+          <a:xfrm>
+            <a:off x="4192726" y="4707082"/>
+            <a:ext cx="1065073" cy="299172"/>
+          </a:xfrm>
+          <a:prstGeom prst="roundRect">
+            <a:avLst/>
+          </a:prstGeom>
+          <a:solidFill>
+            <a:schemeClr val="bg1"/>
+          </a:solidFill>
+          <a:ln>
+            <a:solidFill>
+              <a:srgbClr val="00B0F0"/>
+            </a:solidFill>
+          </a:ln>
+        </p:spPr>
+        <p:style>
+          <a:lnRef idx="2">
+            <a:schemeClr val="accent1">
+              <a:shade val="50000"/>
+            </a:schemeClr>
+          </a:lnRef>
+          <a:fillRef idx="1">
+            <a:schemeClr val="accent1"/>
+          </a:fillRef>
+          <a:effectRef idx="0">
+            <a:schemeClr val="accent1"/>
+          </a:effectRef>
+          <a:fontRef idx="minor">
+            <a:schemeClr val="lt1"/>
+          </a:fontRef>
+        </p:style>
+        <p:txBody>
+          <a:bodyPr rtlCol="0" anchor="ctr"/>
+          <a:lstStyle/>
+          <a:p>
+            <a:pPr algn="ctr"/>
+            <a:r>
+              <a:rPr lang="en-US" dirty="0" smtClean="0">
+                <a:solidFill>
+                  <a:schemeClr val="bg1">
+                    <a:lumMod val="65000"/>
+                  </a:schemeClr>
+                </a:solidFill>
+                <a:latin typeface="Agency FB" pitchFamily="34" charset="0"/>
+              </a:rPr>
+              <a:t>11/14/2011</a:t>
             </a:r>
             <a:endParaRPr lang="en-US" dirty="0">
               <a:solidFill>
